--- a/module-3/03-01 Consuming ASP.NET Web API in .NET/03-01 Consuming ASP.NET Web API in .NET.pptx
+++ b/module-3/03-01 Consuming ASP.NET Web API in .NET/03-01 Consuming ASP.NET Web API in .NET.pptx
@@ -2,10 +2,15 @@
 <file path=ppt/presentation.xml><?xml version="1.0" encoding="utf-8"?>
 <p:presentation xmlns:a="http://schemas.openxmlformats.org/drawingml/2006/main" xmlns:r="http://schemas.openxmlformats.org/officeDocument/2006/relationships" xmlns:p="http://schemas.openxmlformats.org/presentationml/2006/main" saveSubsetFonts="1">
   <p:sldMasterIdLst>
-    <p:sldMasterId id="2147483684" r:id="rId1"/>
+    <p:sldMasterId id="2147483708" r:id="rId1"/>
+    <p:sldMasterId id="2147483720" r:id="rId2"/>
   </p:sldMasterIdLst>
+  <p:notesMasterIdLst>
+    <p:notesMasterId r:id="rId5"/>
+  </p:notesMasterIdLst>
   <p:sldIdLst>
-    <p:sldId id="256" r:id="rId2"/>
+    <p:sldId id="260" r:id="rId3"/>
+    <p:sldId id="256" r:id="rId4"/>
   </p:sldIdLst>
   <p:sldSz cx="12192000" cy="6858000"/>
   <p:notesSz cx="6858000" cy="9144000"/>
@@ -104,11 +109,517 @@
       </a:defRPr>
     </a:lvl9pPr>
   </p:defaultTextStyle>
+  <p:extLst>
+    <p:ext uri="{EFAFB233-063F-42B5-8137-9DF3F51BA10A}">
+      <p15:sldGuideLst xmlns:p15="http://schemas.microsoft.com/office/powerpoint/2012/main"/>
+    </p:ext>
+  </p:extLst>
 </p:presentation>
 </file>
 
+<file path=ppt/notesMasters/notesMaster1.xml><?xml version="1.0" encoding="utf-8"?>
+<p:notesMaster xmlns:a="http://schemas.openxmlformats.org/drawingml/2006/main" xmlns:r="http://schemas.openxmlformats.org/officeDocument/2006/relationships" xmlns:p="http://schemas.openxmlformats.org/presentationml/2006/main">
+  <p:cSld>
+    <p:bg>
+      <p:bgRef idx="1001">
+        <a:schemeClr val="bg1"/>
+      </p:bgRef>
+    </p:bg>
+    <p:spTree>
+      <p:nvGrpSpPr>
+        <p:cNvPr id="1" name=""/>
+        <p:cNvGrpSpPr/>
+        <p:nvPr/>
+      </p:nvGrpSpPr>
+      <p:grpSpPr>
+        <a:xfrm>
+          <a:off x="0" y="0"/>
+          <a:ext cx="0" cy="0"/>
+          <a:chOff x="0" y="0"/>
+          <a:chExt cx="0" cy="0"/>
+        </a:xfrm>
+      </p:grpSpPr>
+      <p:sp>
+        <p:nvSpPr>
+          <p:cNvPr id="2" name="Header Placeholder 1"/>
+          <p:cNvSpPr>
+            <a:spLocks noGrp="1"/>
+          </p:cNvSpPr>
+          <p:nvPr>
+            <p:ph type="hdr" sz="quarter"/>
+          </p:nvPr>
+        </p:nvSpPr>
+        <p:spPr>
+          <a:xfrm>
+            <a:off x="0" y="0"/>
+            <a:ext cx="2971800" cy="458788"/>
+          </a:xfrm>
+          <a:prstGeom prst="rect">
+            <a:avLst/>
+          </a:prstGeom>
+        </p:spPr>
+        <p:txBody>
+          <a:bodyPr vert="horz" lIns="91440" tIns="45720" rIns="91440" bIns="45720" rtlCol="0"/>
+          <a:lstStyle>
+            <a:lvl1pPr algn="l">
+              <a:defRPr sz="1200"/>
+            </a:lvl1pPr>
+          </a:lstStyle>
+          <a:p>
+            <a:endParaRPr lang="en-US"/>
+          </a:p>
+        </p:txBody>
+      </p:sp>
+      <p:sp>
+        <p:nvSpPr>
+          <p:cNvPr id="3" name="Date Placeholder 2"/>
+          <p:cNvSpPr>
+            <a:spLocks noGrp="1"/>
+          </p:cNvSpPr>
+          <p:nvPr>
+            <p:ph type="dt" idx="1"/>
+          </p:nvPr>
+        </p:nvSpPr>
+        <p:spPr>
+          <a:xfrm>
+            <a:off x="3884613" y="0"/>
+            <a:ext cx="2971800" cy="458788"/>
+          </a:xfrm>
+          <a:prstGeom prst="rect">
+            <a:avLst/>
+          </a:prstGeom>
+        </p:spPr>
+        <p:txBody>
+          <a:bodyPr vert="horz" lIns="91440" tIns="45720" rIns="91440" bIns="45720" rtlCol="0"/>
+          <a:lstStyle>
+            <a:lvl1pPr algn="r">
+              <a:defRPr sz="1200"/>
+            </a:lvl1pPr>
+          </a:lstStyle>
+          <a:p>
+            <a:fld id="{A3D47C9F-D389-4B68-8CB9-4DC13596F8E4}" type="datetimeFigureOut">
+              <a:rPr lang="en-US" smtClean="0"/>
+              <a:t>9/22/2021</a:t>
+            </a:fld>
+            <a:endParaRPr lang="en-US"/>
+          </a:p>
+        </p:txBody>
+      </p:sp>
+      <p:sp>
+        <p:nvSpPr>
+          <p:cNvPr id="4" name="Slide Image Placeholder 3"/>
+          <p:cNvSpPr>
+            <a:spLocks noGrp="1" noRot="1" noChangeAspect="1"/>
+          </p:cNvSpPr>
+          <p:nvPr>
+            <p:ph type="sldImg" idx="2"/>
+          </p:nvPr>
+        </p:nvSpPr>
+        <p:spPr>
+          <a:xfrm>
+            <a:off x="685800" y="1143000"/>
+            <a:ext cx="5486400" cy="3086100"/>
+          </a:xfrm>
+          <a:prstGeom prst="rect">
+            <a:avLst/>
+          </a:prstGeom>
+          <a:noFill/>
+          <a:ln w="12700">
+            <a:solidFill>
+              <a:prstClr val="black"/>
+            </a:solidFill>
+          </a:ln>
+        </p:spPr>
+        <p:txBody>
+          <a:bodyPr vert="horz" lIns="91440" tIns="45720" rIns="91440" bIns="45720" rtlCol="0" anchor="ctr"/>
+          <a:lstStyle/>
+          <a:p>
+            <a:endParaRPr lang="en-US"/>
+          </a:p>
+        </p:txBody>
+      </p:sp>
+      <p:sp>
+        <p:nvSpPr>
+          <p:cNvPr id="5" name="Notes Placeholder 4"/>
+          <p:cNvSpPr>
+            <a:spLocks noGrp="1"/>
+          </p:cNvSpPr>
+          <p:nvPr>
+            <p:ph type="body" sz="quarter" idx="3"/>
+          </p:nvPr>
+        </p:nvSpPr>
+        <p:spPr>
+          <a:xfrm>
+            <a:off x="685800" y="4400550"/>
+            <a:ext cx="5486400" cy="3600450"/>
+          </a:xfrm>
+          <a:prstGeom prst="rect">
+            <a:avLst/>
+          </a:prstGeom>
+        </p:spPr>
+        <p:txBody>
+          <a:bodyPr vert="horz" lIns="91440" tIns="45720" rIns="91440" bIns="45720" rtlCol="0"/>
+          <a:lstStyle/>
+          <a:p>
+            <a:pPr lvl="0"/>
+            <a:r>
+              <a:rPr lang="en-US"/>
+              <a:t>Click to edit Master text styles</a:t>
+            </a:r>
+          </a:p>
+          <a:p>
+            <a:pPr lvl="1"/>
+            <a:r>
+              <a:rPr lang="en-US"/>
+              <a:t>Second level</a:t>
+            </a:r>
+          </a:p>
+          <a:p>
+            <a:pPr lvl="2"/>
+            <a:r>
+              <a:rPr lang="en-US"/>
+              <a:t>Third level</a:t>
+            </a:r>
+          </a:p>
+          <a:p>
+            <a:pPr lvl="3"/>
+            <a:r>
+              <a:rPr lang="en-US"/>
+              <a:t>Fourth level</a:t>
+            </a:r>
+          </a:p>
+          <a:p>
+            <a:pPr lvl="4"/>
+            <a:r>
+              <a:rPr lang="en-US"/>
+              <a:t>Fifth level</a:t>
+            </a:r>
+          </a:p>
+        </p:txBody>
+      </p:sp>
+      <p:sp>
+        <p:nvSpPr>
+          <p:cNvPr id="6" name="Footer Placeholder 5"/>
+          <p:cNvSpPr>
+            <a:spLocks noGrp="1"/>
+          </p:cNvSpPr>
+          <p:nvPr>
+            <p:ph type="ftr" sz="quarter" idx="4"/>
+          </p:nvPr>
+        </p:nvSpPr>
+        <p:spPr>
+          <a:xfrm>
+            <a:off x="0" y="8685213"/>
+            <a:ext cx="2971800" cy="458787"/>
+          </a:xfrm>
+          <a:prstGeom prst="rect">
+            <a:avLst/>
+          </a:prstGeom>
+        </p:spPr>
+        <p:txBody>
+          <a:bodyPr vert="horz" lIns="91440" tIns="45720" rIns="91440" bIns="45720" rtlCol="0" anchor="b"/>
+          <a:lstStyle>
+            <a:lvl1pPr algn="l">
+              <a:defRPr sz="1200"/>
+            </a:lvl1pPr>
+          </a:lstStyle>
+          <a:p>
+            <a:endParaRPr lang="en-US"/>
+          </a:p>
+        </p:txBody>
+      </p:sp>
+      <p:sp>
+        <p:nvSpPr>
+          <p:cNvPr id="7" name="Slide Number Placeholder 6"/>
+          <p:cNvSpPr>
+            <a:spLocks noGrp="1"/>
+          </p:cNvSpPr>
+          <p:nvPr>
+            <p:ph type="sldNum" sz="quarter" idx="5"/>
+          </p:nvPr>
+        </p:nvSpPr>
+        <p:spPr>
+          <a:xfrm>
+            <a:off x="3884613" y="8685213"/>
+            <a:ext cx="2971800" cy="458787"/>
+          </a:xfrm>
+          <a:prstGeom prst="rect">
+            <a:avLst/>
+          </a:prstGeom>
+        </p:spPr>
+        <p:txBody>
+          <a:bodyPr vert="horz" lIns="91440" tIns="45720" rIns="91440" bIns="45720" rtlCol="0" anchor="b"/>
+          <a:lstStyle>
+            <a:lvl1pPr algn="r">
+              <a:defRPr sz="1200"/>
+            </a:lvl1pPr>
+          </a:lstStyle>
+          <a:p>
+            <a:fld id="{ACBB87C7-2AF0-4C2E-8ACF-0E5DD1474BF0}" type="slidenum">
+              <a:rPr lang="en-US" smtClean="0"/>
+              <a:t>‹#›</a:t>
+            </a:fld>
+            <a:endParaRPr lang="en-US"/>
+          </a:p>
+        </p:txBody>
+      </p:sp>
+    </p:spTree>
+    <p:extLst>
+      <p:ext uri="{BB962C8B-B14F-4D97-AF65-F5344CB8AC3E}">
+        <p14:creationId xmlns:p14="http://schemas.microsoft.com/office/powerpoint/2010/main" val="1614743073"/>
+      </p:ext>
+    </p:extLst>
+  </p:cSld>
+  <p:clrMap bg1="lt1" tx1="dk1" bg2="lt2" tx2="dk2" accent1="accent1" accent2="accent2" accent3="accent3" accent4="accent4" accent5="accent5" accent6="accent6" hlink="hlink" folHlink="folHlink"/>
+  <p:notesStyle>
+    <a:lvl1pPr marL="0" algn="l" defTabSz="914400" rtl="0" eaLnBrk="1" latinLnBrk="0" hangingPunct="1">
+      <a:defRPr sz="1200" kern="1200">
+        <a:solidFill>
+          <a:schemeClr val="tx1"/>
+        </a:solidFill>
+        <a:latin typeface="+mn-lt"/>
+        <a:ea typeface="+mn-ea"/>
+        <a:cs typeface="+mn-cs"/>
+      </a:defRPr>
+    </a:lvl1pPr>
+    <a:lvl2pPr marL="457200" algn="l" defTabSz="914400" rtl="0" eaLnBrk="1" latinLnBrk="0" hangingPunct="1">
+      <a:defRPr sz="1200" kern="1200">
+        <a:solidFill>
+          <a:schemeClr val="tx1"/>
+        </a:solidFill>
+        <a:latin typeface="+mn-lt"/>
+        <a:ea typeface="+mn-ea"/>
+        <a:cs typeface="+mn-cs"/>
+      </a:defRPr>
+    </a:lvl2pPr>
+    <a:lvl3pPr marL="914400" algn="l" defTabSz="914400" rtl="0" eaLnBrk="1" latinLnBrk="0" hangingPunct="1">
+      <a:defRPr sz="1200" kern="1200">
+        <a:solidFill>
+          <a:schemeClr val="tx1"/>
+        </a:solidFill>
+        <a:latin typeface="+mn-lt"/>
+        <a:ea typeface="+mn-ea"/>
+        <a:cs typeface="+mn-cs"/>
+      </a:defRPr>
+    </a:lvl3pPr>
+    <a:lvl4pPr marL="1371600" algn="l" defTabSz="914400" rtl="0" eaLnBrk="1" latinLnBrk="0" hangingPunct="1">
+      <a:defRPr sz="1200" kern="1200">
+        <a:solidFill>
+          <a:schemeClr val="tx1"/>
+        </a:solidFill>
+        <a:latin typeface="+mn-lt"/>
+        <a:ea typeface="+mn-ea"/>
+        <a:cs typeface="+mn-cs"/>
+      </a:defRPr>
+    </a:lvl4pPr>
+    <a:lvl5pPr marL="1828800" algn="l" defTabSz="914400" rtl="0" eaLnBrk="1" latinLnBrk="0" hangingPunct="1">
+      <a:defRPr sz="1200" kern="1200">
+        <a:solidFill>
+          <a:schemeClr val="tx1"/>
+        </a:solidFill>
+        <a:latin typeface="+mn-lt"/>
+        <a:ea typeface="+mn-ea"/>
+        <a:cs typeface="+mn-cs"/>
+      </a:defRPr>
+    </a:lvl5pPr>
+    <a:lvl6pPr marL="2286000" algn="l" defTabSz="914400" rtl="0" eaLnBrk="1" latinLnBrk="0" hangingPunct="1">
+      <a:defRPr sz="1200" kern="1200">
+        <a:solidFill>
+          <a:schemeClr val="tx1"/>
+        </a:solidFill>
+        <a:latin typeface="+mn-lt"/>
+        <a:ea typeface="+mn-ea"/>
+        <a:cs typeface="+mn-cs"/>
+      </a:defRPr>
+    </a:lvl6pPr>
+    <a:lvl7pPr marL="2743200" algn="l" defTabSz="914400" rtl="0" eaLnBrk="1" latinLnBrk="0" hangingPunct="1">
+      <a:defRPr sz="1200" kern="1200">
+        <a:solidFill>
+          <a:schemeClr val="tx1"/>
+        </a:solidFill>
+        <a:latin typeface="+mn-lt"/>
+        <a:ea typeface="+mn-ea"/>
+        <a:cs typeface="+mn-cs"/>
+      </a:defRPr>
+    </a:lvl7pPr>
+    <a:lvl8pPr marL="3200400" algn="l" defTabSz="914400" rtl="0" eaLnBrk="1" latinLnBrk="0" hangingPunct="1">
+      <a:defRPr sz="1200" kern="1200">
+        <a:solidFill>
+          <a:schemeClr val="tx1"/>
+        </a:solidFill>
+        <a:latin typeface="+mn-lt"/>
+        <a:ea typeface="+mn-ea"/>
+        <a:cs typeface="+mn-cs"/>
+      </a:defRPr>
+    </a:lvl8pPr>
+    <a:lvl9pPr marL="3657600" algn="l" defTabSz="914400" rtl="0" eaLnBrk="1" latinLnBrk="0" hangingPunct="1">
+      <a:defRPr sz="1200" kern="1200">
+        <a:solidFill>
+          <a:schemeClr val="tx1"/>
+        </a:solidFill>
+        <a:latin typeface="+mn-lt"/>
+        <a:ea typeface="+mn-ea"/>
+        <a:cs typeface="+mn-cs"/>
+      </a:defRPr>
+    </a:lvl9pPr>
+  </p:notesStyle>
+</p:notesMaster>
+</file>
+
+<file path=ppt/notesSlides/notesSlide1.xml><?xml version="1.0" encoding="utf-8"?>
+<p:notes xmlns:a="http://schemas.openxmlformats.org/drawingml/2006/main" xmlns:r="http://schemas.openxmlformats.org/officeDocument/2006/relationships" xmlns:p="http://schemas.openxmlformats.org/presentationml/2006/main">
+  <p:cSld>
+    <p:spTree>
+      <p:nvGrpSpPr>
+        <p:cNvPr id="1" name=""/>
+        <p:cNvGrpSpPr/>
+        <p:nvPr/>
+      </p:nvGrpSpPr>
+      <p:grpSpPr>
+        <a:xfrm>
+          <a:off x="0" y="0"/>
+          <a:ext cx="0" cy="0"/>
+          <a:chOff x="0" y="0"/>
+          <a:chExt cx="0" cy="0"/>
+        </a:xfrm>
+      </p:grpSpPr>
+      <p:sp>
+        <p:nvSpPr>
+          <p:cNvPr id="2" name="Slide Image Placeholder 1"/>
+          <p:cNvSpPr>
+            <a:spLocks noGrp="1" noRot="1" noChangeAspect="1"/>
+          </p:cNvSpPr>
+          <p:nvPr>
+            <p:ph type="sldImg"/>
+          </p:nvPr>
+        </p:nvSpPr>
+        <p:spPr/>
+      </p:sp>
+      <p:sp>
+        <p:nvSpPr>
+          <p:cNvPr id="3" name="Notes Placeholder 2"/>
+          <p:cNvSpPr>
+            <a:spLocks noGrp="1"/>
+          </p:cNvSpPr>
+          <p:nvPr>
+            <p:ph type="body" idx="1"/>
+          </p:nvPr>
+        </p:nvSpPr>
+        <p:spPr/>
+        <p:txBody>
+          <a:bodyPr/>
+          <a:lstStyle/>
+          <a:p>
+            <a:endParaRPr lang="en-US" dirty="0"/>
+          </a:p>
+        </p:txBody>
+      </p:sp>
+      <p:sp>
+        <p:nvSpPr>
+          <p:cNvPr id="4" name="Slide Number Placeholder 3"/>
+          <p:cNvSpPr>
+            <a:spLocks noGrp="1"/>
+          </p:cNvSpPr>
+          <p:nvPr>
+            <p:ph type="sldNum" sz="quarter" idx="10"/>
+          </p:nvPr>
+        </p:nvSpPr>
+        <p:spPr>
+          <a:xfrm>
+            <a:off x="3884613" y="8685213"/>
+            <a:ext cx="2971800" cy="457200"/>
+          </a:xfrm>
+          <a:prstGeom prst="rect">
+            <a:avLst/>
+          </a:prstGeom>
+        </p:spPr>
+        <p:txBody>
+          <a:bodyPr/>
+          <a:lstStyle/>
+          <a:p>
+            <a:pPr marL="0" marR="0" lvl="0" indent="0" algn="l" defTabSz="914400" rtl="0" eaLnBrk="1" fontAlgn="auto" latinLnBrk="0" hangingPunct="1">
+              <a:lnSpc>
+                <a:spcPct val="100000"/>
+              </a:lnSpc>
+              <a:spcBef>
+                <a:spcPts val="0"/>
+              </a:spcBef>
+              <a:spcAft>
+                <a:spcPts val="0"/>
+              </a:spcAft>
+              <a:buClrTx/>
+              <a:buSzTx/>
+              <a:buFontTx/>
+              <a:buNone/>
+              <a:tabLst/>
+              <a:defRPr/>
+            </a:pPr>
+            <a:fld id="{DE326DE0-BACA-4EA0-B73F-CC7DC1D7F4A1}" type="slidenum">
+              <a:rPr kumimoji="0" lang="en-US" sz="1800" b="0" i="0" u="none" strike="noStrike" kern="1200" cap="none" spc="0" normalizeH="0" baseline="0" noProof="0" smtClean="0">
+                <a:ln>
+                  <a:noFill/>
+                </a:ln>
+                <a:solidFill>
+                  <a:prstClr val="black"/>
+                </a:solidFill>
+                <a:effectLst/>
+                <a:uLnTx/>
+                <a:uFillTx/>
+                <a:latin typeface="Calibri"/>
+                <a:ea typeface="+mn-ea"/>
+                <a:cs typeface="+mn-cs"/>
+              </a:rPr>
+              <a:pPr marL="0" marR="0" lvl="0" indent="0" algn="l" defTabSz="914400" rtl="0" eaLnBrk="1" fontAlgn="auto" latinLnBrk="0" hangingPunct="1">
+                <a:lnSpc>
+                  <a:spcPct val="100000"/>
+                </a:lnSpc>
+                <a:spcBef>
+                  <a:spcPts val="0"/>
+                </a:spcBef>
+                <a:spcAft>
+                  <a:spcPts val="0"/>
+                </a:spcAft>
+                <a:buClrTx/>
+                <a:buSzTx/>
+                <a:buFontTx/>
+                <a:buNone/>
+                <a:tabLst/>
+                <a:defRPr/>
+              </a:pPr>
+              <a:t>1</a:t>
+            </a:fld>
+            <a:endParaRPr kumimoji="0" lang="en-US" sz="1800" b="0" i="0" u="none" strike="noStrike" kern="1200" cap="none" spc="0" normalizeH="0" baseline="0" noProof="0">
+              <a:ln>
+                <a:noFill/>
+              </a:ln>
+              <a:solidFill>
+                <a:prstClr val="black"/>
+              </a:solidFill>
+              <a:effectLst/>
+              <a:uLnTx/>
+              <a:uFillTx/>
+              <a:latin typeface="Calibri"/>
+              <a:ea typeface="+mn-ea"/>
+              <a:cs typeface="+mn-cs"/>
+            </a:endParaRPr>
+          </a:p>
+        </p:txBody>
+      </p:sp>
+    </p:spTree>
+    <p:extLst>
+      <p:ext uri="{BB962C8B-B14F-4D97-AF65-F5344CB8AC3E}">
+        <p14:creationId xmlns:p14="http://schemas.microsoft.com/office/powerpoint/2010/main" val="4261198586"/>
+      </p:ext>
+    </p:extLst>
+  </p:cSld>
+  <p:clrMapOvr>
+    <a:masterClrMapping/>
+  </p:clrMapOvr>
+</p:notes>
+</file>
+
 <file path=ppt/slideLayouts/slideLayout1.xml><?xml version="1.0" encoding="utf-8"?>
-<p:sldLayout xmlns:a="http://schemas.openxmlformats.org/drawingml/2006/main" xmlns:r="http://schemas.openxmlformats.org/officeDocument/2006/relationships" xmlns:p="http://schemas.openxmlformats.org/presentationml/2006/main" type="title" preserve="1">
+<p:sldLayout xmlns:a="http://schemas.openxmlformats.org/drawingml/2006/main" xmlns:r="http://schemas.openxmlformats.org/officeDocument/2006/relationships" xmlns:p="http://schemas.openxmlformats.org/presentationml/2006/main" showMasterSp="0" type="title" preserve="1">
   <p:cSld name="Title Slide">
     <p:spTree>
       <p:nvGrpSpPr>
@@ -126,25 +637,115 @@
       </p:grpSpPr>
       <p:sp>
         <p:nvSpPr>
-          <p:cNvPr id="2" name="Title 1"/>
-          <p:cNvSpPr>
-            <a:spLocks noGrp="1"/>
-          </p:cNvSpPr>
-          <p:nvPr>
-            <p:ph type="ctrTitle"/>
-          </p:nvPr>
+          <p:cNvPr id="7" name="Rectangle 6"/>
+          <p:cNvSpPr/>
+          <p:nvPr/>
         </p:nvSpPr>
         <p:spPr>
           <a:xfrm>
-            <a:off x="1524000" y="1122363"/>
-            <a:ext cx="9144000" cy="2387600"/>
+            <a:off x="3175" y="6400800"/>
+            <a:ext cx="12188825" cy="457200"/>
+          </a:xfrm>
+          <a:prstGeom prst="rect">
+            <a:avLst/>
+          </a:prstGeom>
+          <a:solidFill>
+            <a:schemeClr val="accent1">
+              <a:lumMod val="75000"/>
+            </a:schemeClr>
+          </a:solidFill>
+          <a:ln>
+            <a:noFill/>
+          </a:ln>
+        </p:spPr>
+        <p:style>
+          <a:lnRef idx="2">
+            <a:schemeClr val="accent1">
+              <a:shade val="50000"/>
+            </a:schemeClr>
+          </a:lnRef>
+          <a:fillRef idx="1">
+            <a:schemeClr val="accent1"/>
+          </a:fillRef>
+          <a:effectRef idx="0">
+            <a:schemeClr val="accent1"/>
+          </a:effectRef>
+          <a:fontRef idx="minor">
+            <a:schemeClr val="lt1"/>
+          </a:fontRef>
+        </p:style>
+      </p:sp>
+      <p:sp>
+        <p:nvSpPr>
+          <p:cNvPr id="8" name="Rectangle 7"/>
+          <p:cNvSpPr/>
+          <p:nvPr/>
+        </p:nvSpPr>
+        <p:spPr>
+          <a:xfrm>
+            <a:off x="15" y="6334316"/>
+            <a:ext cx="12188825" cy="64008"/>
+          </a:xfrm>
+          <a:prstGeom prst="rect">
+            <a:avLst/>
+          </a:prstGeom>
+          <a:solidFill>
+            <a:schemeClr val="accent1"/>
+          </a:solidFill>
+          <a:ln>
+            <a:noFill/>
+          </a:ln>
+        </p:spPr>
+        <p:style>
+          <a:lnRef idx="2">
+            <a:schemeClr val="accent1">
+              <a:shade val="50000"/>
+            </a:schemeClr>
+          </a:lnRef>
+          <a:fillRef idx="1">
+            <a:schemeClr val="accent1"/>
+          </a:fillRef>
+          <a:effectRef idx="0">
+            <a:schemeClr val="accent1"/>
+          </a:effectRef>
+          <a:fontRef idx="minor">
+            <a:schemeClr val="lt1"/>
+          </a:fontRef>
+        </p:style>
+      </p:sp>
+      <p:sp>
+        <p:nvSpPr>
+          <p:cNvPr id="2" name="Title 1"/>
+          <p:cNvSpPr>
+            <a:spLocks noGrp="1"/>
+          </p:cNvSpPr>
+          <p:nvPr>
+            <p:ph type="ctrTitle"/>
+          </p:nvPr>
+        </p:nvSpPr>
+        <p:spPr>
+          <a:xfrm>
+            <a:off x="1097280" y="758952"/>
+            <a:ext cx="10058400" cy="3566160"/>
           </a:xfrm>
         </p:spPr>
         <p:txBody>
-          <a:bodyPr anchor="b"/>
+          <a:bodyPr anchor="b">
+            <a:normAutofit/>
+          </a:bodyPr>
           <a:lstStyle>
-            <a:lvl1pPr algn="ctr">
-              <a:defRPr sz="6000"/>
+            <a:lvl1pPr algn="l">
+              <a:lnSpc>
+                <a:spcPct val="85000"/>
+              </a:lnSpc>
+              <a:defRPr sz="8000" spc="-50" baseline="0">
+                <a:solidFill>
+                  <a:schemeClr val="tx1">
+                    <a:lumMod val="85000"/>
+                    <a:lumOff val="15000"/>
+                  </a:schemeClr>
+                </a:solidFill>
+              </a:defRPr>
             </a:lvl1pPr>
           </a:lstStyle>
           <a:p>
@@ -168,48 +769,55 @@
         </p:nvSpPr>
         <p:spPr>
           <a:xfrm>
-            <a:off x="1524000" y="3602038"/>
-            <a:ext cx="9144000" cy="1655762"/>
+            <a:off x="1100051" y="4455621"/>
+            <a:ext cx="10058400" cy="1143000"/>
           </a:xfrm>
         </p:spPr>
         <p:txBody>
-          <a:bodyPr/>
+          <a:bodyPr lIns="91440" rIns="91440">
+            <a:normAutofit/>
+          </a:bodyPr>
           <a:lstStyle>
-            <a:lvl1pPr marL="0" indent="0" algn="ctr">
-              <a:buNone/>
-              <a:defRPr sz="2400"/>
+            <a:lvl1pPr marL="0" indent="0" algn="l">
+              <a:buNone/>
+              <a:defRPr sz="2400" cap="all" spc="200" baseline="0">
+                <a:solidFill>
+                  <a:schemeClr val="tx2"/>
+                </a:solidFill>
+                <a:latin typeface="+mj-lt"/>
+              </a:defRPr>
             </a:lvl1pPr>
             <a:lvl2pPr marL="457200" indent="0" algn="ctr">
               <a:buNone/>
-              <a:defRPr sz="2000"/>
+              <a:defRPr sz="2400"/>
             </a:lvl2pPr>
             <a:lvl3pPr marL="914400" indent="0" algn="ctr">
               <a:buNone/>
-              <a:defRPr sz="1800"/>
+              <a:defRPr sz="2400"/>
             </a:lvl3pPr>
             <a:lvl4pPr marL="1371600" indent="0" algn="ctr">
               <a:buNone/>
-              <a:defRPr sz="1600"/>
+              <a:defRPr sz="2000"/>
             </a:lvl4pPr>
             <a:lvl5pPr marL="1828800" indent="0" algn="ctr">
               <a:buNone/>
-              <a:defRPr sz="1600"/>
+              <a:defRPr sz="2000"/>
             </a:lvl5pPr>
             <a:lvl6pPr marL="2286000" indent="0" algn="ctr">
               <a:buNone/>
-              <a:defRPr sz="1600"/>
+              <a:defRPr sz="2000"/>
             </a:lvl6pPr>
             <a:lvl7pPr marL="2743200" indent="0" algn="ctr">
               <a:buNone/>
-              <a:defRPr sz="1600"/>
+              <a:defRPr sz="2000"/>
             </a:lvl7pPr>
             <a:lvl8pPr marL="3200400" indent="0" algn="ctr">
               <a:buNone/>
-              <a:defRPr sz="1600"/>
+              <a:defRPr sz="2000"/>
             </a:lvl8pPr>
             <a:lvl9pPr marL="3657600" indent="0" algn="ctr">
               <a:buNone/>
-              <a:defRPr sz="1600"/>
+              <a:defRPr sz="2000"/>
             </a:lvl9pPr>
           </a:lstStyle>
           <a:p>
@@ -238,7 +846,7 @@
           <a:p>
             <a:fld id="{87AD7A9C-0B6C-41F8-9955-659C1CA2BF56}" type="datetimeFigureOut">
               <a:rPr lang="en-US" smtClean="0"/>
-              <a:t>8/30/2021</a:t>
+              <a:t>9/22/2021</a:t>
             </a:fld>
             <a:endParaRPr lang="en-US"/>
           </a:p>
@@ -286,10 +894,48 @@
           </a:p>
         </p:txBody>
       </p:sp>
+      <p:cxnSp>
+        <p:nvCxnSpPr>
+          <p:cNvPr id="9" name="Straight Connector 8"/>
+          <p:cNvCxnSpPr/>
+          <p:nvPr/>
+        </p:nvCxnSpPr>
+        <p:spPr>
+          <a:xfrm>
+            <a:off x="1207658" y="4343400"/>
+            <a:ext cx="9875520" cy="0"/>
+          </a:xfrm>
+          <a:prstGeom prst="line">
+            <a:avLst/>
+          </a:prstGeom>
+          <a:ln w="6350">
+            <a:solidFill>
+              <a:schemeClr val="tx1">
+                <a:lumMod val="50000"/>
+                <a:lumOff val="50000"/>
+              </a:schemeClr>
+            </a:solidFill>
+          </a:ln>
+        </p:spPr>
+        <p:style>
+          <a:lnRef idx="1">
+            <a:schemeClr val="accent1"/>
+          </a:lnRef>
+          <a:fillRef idx="0">
+            <a:schemeClr val="accent1"/>
+          </a:fillRef>
+          <a:effectRef idx="0">
+            <a:schemeClr val="accent1"/>
+          </a:effectRef>
+          <a:fontRef idx="minor">
+            <a:schemeClr val="tx1"/>
+          </a:fontRef>
+        </p:style>
+      </p:cxnSp>
     </p:spTree>
     <p:extLst>
       <p:ext uri="{BB962C8B-B14F-4D97-AF65-F5344CB8AC3E}">
-        <p14:creationId xmlns:p14="http://schemas.microsoft.com/office/powerpoint/2010/main" val="581896894"/>
+        <p14:creationId xmlns:p14="http://schemas.microsoft.com/office/powerpoint/2010/main" val="2746313590"/>
       </p:ext>
     </p:extLst>
   </p:cSld>
@@ -351,7 +997,7 @@
         </p:nvSpPr>
         <p:spPr/>
         <p:txBody>
-          <a:bodyPr vert="eaVert"/>
+          <a:bodyPr vert="eaVert" lIns="45720" tIns="0" rIns="45720" bIns="0"/>
           <a:lstStyle/>
           <a:p>
             <a:pPr lvl="0"/>
@@ -408,7 +1054,7 @@
           <a:p>
             <a:fld id="{87AD7A9C-0B6C-41F8-9955-659C1CA2BF56}" type="datetimeFigureOut">
               <a:rPr lang="en-US" smtClean="0"/>
-              <a:t>8/30/2021</a:t>
+              <a:t>9/22/2021</a:t>
             </a:fld>
             <a:endParaRPr lang="en-US"/>
           </a:p>
@@ -459,7 +1105,7 @@
     </p:spTree>
     <p:extLst>
       <p:ext uri="{BB962C8B-B14F-4D97-AF65-F5344CB8AC3E}">
-        <p14:creationId xmlns:p14="http://schemas.microsoft.com/office/powerpoint/2010/main" val="1840684456"/>
+        <p14:creationId xmlns:p14="http://schemas.microsoft.com/office/powerpoint/2010/main" val="1172246642"/>
       </p:ext>
     </p:extLst>
   </p:cSld>
@@ -470,7 +1116,7 @@
 </file>
 
 <file path=ppt/slideLayouts/slideLayout11.xml><?xml version="1.0" encoding="utf-8"?>
-<p:sldLayout xmlns:a="http://schemas.openxmlformats.org/drawingml/2006/main" xmlns:r="http://schemas.openxmlformats.org/officeDocument/2006/relationships" xmlns:p="http://schemas.openxmlformats.org/presentationml/2006/main" type="vertTitleAndTx" preserve="1">
+<p:sldLayout xmlns:a="http://schemas.openxmlformats.org/drawingml/2006/main" xmlns:r="http://schemas.openxmlformats.org/officeDocument/2006/relationships" xmlns:p="http://schemas.openxmlformats.org/presentationml/2006/main" showMasterSp="0" type="vertTitleAndTx" preserve="1">
   <p:cSld name="Vertical Title and Text">
     <p:spTree>
       <p:nvGrpSpPr>
@@ -488,18 +1134,96 @@
       </p:grpSpPr>
       <p:sp>
         <p:nvSpPr>
-          <p:cNvPr id="2" name="Vertical Title 1"/>
-          <p:cNvSpPr>
-            <a:spLocks noGrp="1"/>
-          </p:cNvSpPr>
-          <p:nvPr>
-            <p:ph type="title" orient="vert"/>
-          </p:nvPr>
+          <p:cNvPr id="7" name="Rectangle 6"/>
+          <p:cNvSpPr/>
+          <p:nvPr/>
         </p:nvSpPr>
         <p:spPr>
           <a:xfrm>
-            <a:off x="8724900" y="365125"/>
-            <a:ext cx="2628900" cy="5811838"/>
+            <a:off x="3175" y="6400800"/>
+            <a:ext cx="12188825" cy="457200"/>
+          </a:xfrm>
+          <a:prstGeom prst="rect">
+            <a:avLst/>
+          </a:prstGeom>
+          <a:solidFill>
+            <a:schemeClr val="accent1">
+              <a:lumMod val="75000"/>
+            </a:schemeClr>
+          </a:solidFill>
+          <a:ln>
+            <a:noFill/>
+          </a:ln>
+        </p:spPr>
+        <p:style>
+          <a:lnRef idx="2">
+            <a:schemeClr val="accent1">
+              <a:shade val="50000"/>
+            </a:schemeClr>
+          </a:lnRef>
+          <a:fillRef idx="1">
+            <a:schemeClr val="accent1"/>
+          </a:fillRef>
+          <a:effectRef idx="0">
+            <a:schemeClr val="accent1"/>
+          </a:effectRef>
+          <a:fontRef idx="minor">
+            <a:schemeClr val="lt1"/>
+          </a:fontRef>
+        </p:style>
+      </p:sp>
+      <p:sp>
+        <p:nvSpPr>
+          <p:cNvPr id="8" name="Rectangle 7"/>
+          <p:cNvSpPr/>
+          <p:nvPr/>
+        </p:nvSpPr>
+        <p:spPr>
+          <a:xfrm>
+            <a:off x="15" y="6334316"/>
+            <a:ext cx="12188825" cy="64008"/>
+          </a:xfrm>
+          <a:prstGeom prst="rect">
+            <a:avLst/>
+          </a:prstGeom>
+          <a:solidFill>
+            <a:schemeClr val="accent1"/>
+          </a:solidFill>
+          <a:ln>
+            <a:noFill/>
+          </a:ln>
+        </p:spPr>
+        <p:style>
+          <a:lnRef idx="2">
+            <a:schemeClr val="accent1">
+              <a:shade val="50000"/>
+            </a:schemeClr>
+          </a:lnRef>
+          <a:fillRef idx="1">
+            <a:schemeClr val="accent1"/>
+          </a:fillRef>
+          <a:effectRef idx="0">
+            <a:schemeClr val="accent1"/>
+          </a:effectRef>
+          <a:fontRef idx="minor">
+            <a:schemeClr val="lt1"/>
+          </a:fontRef>
+        </p:style>
+      </p:sp>
+      <p:sp>
+        <p:nvSpPr>
+          <p:cNvPr id="2" name="Vertical Title 1"/>
+          <p:cNvSpPr>
+            <a:spLocks noGrp="1"/>
+          </p:cNvSpPr>
+          <p:nvPr>
+            <p:ph type="title" orient="vert"/>
+          </p:nvPr>
+        </p:nvSpPr>
+        <p:spPr>
+          <a:xfrm>
+            <a:off x="8724900" y="412302"/>
+            <a:ext cx="2628900" cy="5759898"/>
           </a:xfrm>
         </p:spPr>
         <p:txBody>
@@ -526,12 +1250,12 @@
         </p:nvSpPr>
         <p:spPr>
           <a:xfrm>
-            <a:off x="838200" y="365125"/>
-            <a:ext cx="7734300" cy="5811838"/>
+            <a:off x="838200" y="412302"/>
+            <a:ext cx="7734300" cy="5759898"/>
           </a:xfrm>
         </p:spPr>
         <p:txBody>
-          <a:bodyPr vert="eaVert"/>
+          <a:bodyPr vert="eaVert" lIns="45720" tIns="0" rIns="45720" bIns="0"/>
           <a:lstStyle/>
           <a:p>
             <a:pPr lvl="0"/>
@@ -588,7 +1312,7 @@
           <a:p>
             <a:fld id="{87AD7A9C-0B6C-41F8-9955-659C1CA2BF56}" type="datetimeFigureOut">
               <a:rPr lang="en-US" smtClean="0"/>
-              <a:t>8/30/2021</a:t>
+              <a:t>9/22/2021</a:t>
             </a:fld>
             <a:endParaRPr lang="en-US"/>
           </a:p>
@@ -639,7 +1363,1851 @@
     </p:spTree>
     <p:extLst>
       <p:ext uri="{BB962C8B-B14F-4D97-AF65-F5344CB8AC3E}">
-        <p14:creationId xmlns:p14="http://schemas.microsoft.com/office/powerpoint/2010/main" val="2048197319"/>
+        <p14:creationId xmlns:p14="http://schemas.microsoft.com/office/powerpoint/2010/main" val="815831280"/>
+      </p:ext>
+    </p:extLst>
+  </p:cSld>
+  <p:clrMapOvr>
+    <a:masterClrMapping/>
+  </p:clrMapOvr>
+</p:sldLayout>
+</file>
+
+<file path=ppt/slideLayouts/slideLayout12.xml><?xml version="1.0" encoding="utf-8"?>
+<p:sldLayout xmlns:a="http://schemas.openxmlformats.org/drawingml/2006/main" xmlns:r="http://schemas.openxmlformats.org/officeDocument/2006/relationships" xmlns:p="http://schemas.openxmlformats.org/presentationml/2006/main" type="title" preserve="1">
+  <p:cSld name="Title Slide">
+    <p:spTree>
+      <p:nvGrpSpPr>
+        <p:cNvPr id="1" name=""/>
+        <p:cNvGrpSpPr/>
+        <p:nvPr/>
+      </p:nvGrpSpPr>
+      <p:grpSpPr>
+        <a:xfrm>
+          <a:off x="0" y="0"/>
+          <a:ext cx="0" cy="0"/>
+          <a:chOff x="0" y="0"/>
+          <a:chExt cx="0" cy="0"/>
+        </a:xfrm>
+      </p:grpSpPr>
+      <p:sp>
+        <p:nvSpPr>
+          <p:cNvPr id="2" name="Title 1"/>
+          <p:cNvSpPr>
+            <a:spLocks noGrp="1"/>
+          </p:cNvSpPr>
+          <p:nvPr>
+            <p:ph type="ctrTitle"/>
+          </p:nvPr>
+        </p:nvSpPr>
+        <p:spPr>
+          <a:xfrm>
+            <a:off x="914400" y="2131485"/>
+            <a:ext cx="10363200" cy="1468967"/>
+          </a:xfrm>
+        </p:spPr>
+        <p:txBody>
+          <a:bodyPr/>
+          <a:lstStyle/>
+          <a:p>
+            <a:r>
+              <a:rPr lang="en-US"/>
+              <a:t>Click to edit Master title style</a:t>
+            </a:r>
+          </a:p>
+        </p:txBody>
+      </p:sp>
+      <p:sp>
+        <p:nvSpPr>
+          <p:cNvPr id="3" name="Subtitle 2"/>
+          <p:cNvSpPr>
+            <a:spLocks noGrp="1"/>
+          </p:cNvSpPr>
+          <p:nvPr>
+            <p:ph type="subTitle" idx="1"/>
+          </p:nvPr>
+        </p:nvSpPr>
+        <p:spPr>
+          <a:xfrm>
+            <a:off x="1828800" y="3886200"/>
+            <a:ext cx="8534400" cy="1752600"/>
+          </a:xfrm>
+        </p:spPr>
+        <p:txBody>
+          <a:bodyPr/>
+          <a:lstStyle>
+            <a:lvl1pPr marL="0" indent="0" algn="ctr">
+              <a:buNone/>
+              <a:defRPr>
+                <a:solidFill>
+                  <a:schemeClr val="tx1">
+                    <a:tint val="75000"/>
+                  </a:schemeClr>
+                </a:solidFill>
+              </a:defRPr>
+            </a:lvl1pPr>
+            <a:lvl2pPr marL="609585" indent="0" algn="ctr">
+              <a:buNone/>
+              <a:defRPr>
+                <a:solidFill>
+                  <a:schemeClr val="tx1">
+                    <a:tint val="75000"/>
+                  </a:schemeClr>
+                </a:solidFill>
+              </a:defRPr>
+            </a:lvl2pPr>
+            <a:lvl3pPr marL="1219170" indent="0" algn="ctr">
+              <a:buNone/>
+              <a:defRPr>
+                <a:solidFill>
+                  <a:schemeClr val="tx1">
+                    <a:tint val="75000"/>
+                  </a:schemeClr>
+                </a:solidFill>
+              </a:defRPr>
+            </a:lvl3pPr>
+            <a:lvl4pPr marL="1828754" indent="0" algn="ctr">
+              <a:buNone/>
+              <a:defRPr>
+                <a:solidFill>
+                  <a:schemeClr val="tx1">
+                    <a:tint val="75000"/>
+                  </a:schemeClr>
+                </a:solidFill>
+              </a:defRPr>
+            </a:lvl4pPr>
+            <a:lvl5pPr marL="2438339" indent="0" algn="ctr">
+              <a:buNone/>
+              <a:defRPr>
+                <a:solidFill>
+                  <a:schemeClr val="tx1">
+                    <a:tint val="75000"/>
+                  </a:schemeClr>
+                </a:solidFill>
+              </a:defRPr>
+            </a:lvl5pPr>
+            <a:lvl6pPr marL="3047924" indent="0" algn="ctr">
+              <a:buNone/>
+              <a:defRPr>
+                <a:solidFill>
+                  <a:schemeClr val="tx1">
+                    <a:tint val="75000"/>
+                  </a:schemeClr>
+                </a:solidFill>
+              </a:defRPr>
+            </a:lvl6pPr>
+            <a:lvl7pPr marL="3657509" indent="0" algn="ctr">
+              <a:buNone/>
+              <a:defRPr>
+                <a:solidFill>
+                  <a:schemeClr val="tx1">
+                    <a:tint val="75000"/>
+                  </a:schemeClr>
+                </a:solidFill>
+              </a:defRPr>
+            </a:lvl7pPr>
+            <a:lvl8pPr marL="4267093" indent="0" algn="ctr">
+              <a:buNone/>
+              <a:defRPr>
+                <a:solidFill>
+                  <a:schemeClr val="tx1">
+                    <a:tint val="75000"/>
+                  </a:schemeClr>
+                </a:solidFill>
+              </a:defRPr>
+            </a:lvl8pPr>
+            <a:lvl9pPr marL="4876678" indent="0" algn="ctr">
+              <a:buNone/>
+              <a:defRPr>
+                <a:solidFill>
+                  <a:schemeClr val="tx1">
+                    <a:tint val="75000"/>
+                  </a:schemeClr>
+                </a:solidFill>
+              </a:defRPr>
+            </a:lvl9pPr>
+          </a:lstStyle>
+          <a:p>
+            <a:r>
+              <a:rPr lang="en-US"/>
+              <a:t>Click to edit Master subtitle style</a:t>
+            </a:r>
+          </a:p>
+        </p:txBody>
+      </p:sp>
+      <p:sp>
+        <p:nvSpPr>
+          <p:cNvPr id="4" name="Date Placeholder 3"/>
+          <p:cNvSpPr>
+            <a:spLocks noGrp="1"/>
+          </p:cNvSpPr>
+          <p:nvPr>
+            <p:ph type="dt" sz="half" idx="10"/>
+          </p:nvPr>
+        </p:nvSpPr>
+        <p:spPr/>
+        <p:txBody>
+          <a:bodyPr/>
+          <a:lstStyle/>
+          <a:p>
+            <a:fld id="{D088F999-7A4E-6B4F-9FED-EF75B73AD044}" type="datetimeFigureOut">
+              <a:rPr lang="en-US" smtClean="0"/>
+              <a:t>9/22/2021</a:t>
+            </a:fld>
+            <a:endParaRPr lang="en-US"/>
+          </a:p>
+        </p:txBody>
+      </p:sp>
+      <p:sp>
+        <p:nvSpPr>
+          <p:cNvPr id="5" name="Footer Placeholder 4"/>
+          <p:cNvSpPr>
+            <a:spLocks noGrp="1"/>
+          </p:cNvSpPr>
+          <p:nvPr>
+            <p:ph type="ftr" sz="quarter" idx="11"/>
+          </p:nvPr>
+        </p:nvSpPr>
+        <p:spPr/>
+        <p:txBody>
+          <a:bodyPr/>
+          <a:lstStyle/>
+          <a:p>
+            <a:endParaRPr lang="en-US"/>
+          </a:p>
+        </p:txBody>
+      </p:sp>
+      <p:sp>
+        <p:nvSpPr>
+          <p:cNvPr id="6" name="Slide Number Placeholder 5"/>
+          <p:cNvSpPr>
+            <a:spLocks noGrp="1"/>
+          </p:cNvSpPr>
+          <p:nvPr>
+            <p:ph type="sldNum" sz="quarter" idx="12"/>
+          </p:nvPr>
+        </p:nvSpPr>
+        <p:spPr/>
+        <p:txBody>
+          <a:bodyPr/>
+          <a:lstStyle/>
+          <a:p>
+            <a:fld id="{5D024AAD-DF78-DE44-A1F3-EEB19EDC9165}" type="slidenum">
+              <a:rPr lang="en-US" smtClean="0"/>
+              <a:t>‹#›</a:t>
+            </a:fld>
+            <a:endParaRPr lang="en-US"/>
+          </a:p>
+        </p:txBody>
+      </p:sp>
+    </p:spTree>
+    <p:extLst>
+      <p:ext uri="{BB962C8B-B14F-4D97-AF65-F5344CB8AC3E}">
+        <p14:creationId xmlns:p14="http://schemas.microsoft.com/office/powerpoint/2010/main" val="124332752"/>
+      </p:ext>
+    </p:extLst>
+  </p:cSld>
+  <p:clrMapOvr>
+    <a:masterClrMapping/>
+  </p:clrMapOvr>
+</p:sldLayout>
+</file>
+
+<file path=ppt/slideLayouts/slideLayout13.xml><?xml version="1.0" encoding="utf-8"?>
+<p:sldLayout xmlns:a="http://schemas.openxmlformats.org/drawingml/2006/main" xmlns:r="http://schemas.openxmlformats.org/officeDocument/2006/relationships" xmlns:p="http://schemas.openxmlformats.org/presentationml/2006/main" type="obj" preserve="1">
+  <p:cSld name="Title and Content">
+    <p:spTree>
+      <p:nvGrpSpPr>
+        <p:cNvPr id="1" name=""/>
+        <p:cNvGrpSpPr/>
+        <p:nvPr/>
+      </p:nvGrpSpPr>
+      <p:grpSpPr>
+        <a:xfrm>
+          <a:off x="0" y="0"/>
+          <a:ext cx="0" cy="0"/>
+          <a:chOff x="0" y="0"/>
+          <a:chExt cx="0" cy="0"/>
+        </a:xfrm>
+      </p:grpSpPr>
+      <p:sp>
+        <p:nvSpPr>
+          <p:cNvPr id="2" name="Title 1"/>
+          <p:cNvSpPr>
+            <a:spLocks noGrp="1"/>
+          </p:cNvSpPr>
+          <p:nvPr>
+            <p:ph type="title"/>
+          </p:nvPr>
+        </p:nvSpPr>
+        <p:spPr/>
+        <p:txBody>
+          <a:bodyPr/>
+          <a:lstStyle/>
+          <a:p>
+            <a:r>
+              <a:rPr lang="en-US"/>
+              <a:t>Click to edit Master title style</a:t>
+            </a:r>
+          </a:p>
+        </p:txBody>
+      </p:sp>
+      <p:sp>
+        <p:nvSpPr>
+          <p:cNvPr id="3" name="Content Placeholder 2"/>
+          <p:cNvSpPr>
+            <a:spLocks noGrp="1"/>
+          </p:cNvSpPr>
+          <p:nvPr>
+            <p:ph idx="1"/>
+          </p:nvPr>
+        </p:nvSpPr>
+        <p:spPr/>
+        <p:txBody>
+          <a:bodyPr/>
+          <a:lstStyle/>
+          <a:p>
+            <a:pPr lvl="0"/>
+            <a:r>
+              <a:rPr lang="en-US"/>
+              <a:t>Click to edit Master text styles</a:t>
+            </a:r>
+          </a:p>
+          <a:p>
+            <a:pPr lvl="1"/>
+            <a:r>
+              <a:rPr lang="en-US"/>
+              <a:t>Second level</a:t>
+            </a:r>
+          </a:p>
+          <a:p>
+            <a:pPr lvl="2"/>
+            <a:r>
+              <a:rPr lang="en-US"/>
+              <a:t>Third level</a:t>
+            </a:r>
+          </a:p>
+          <a:p>
+            <a:pPr lvl="3"/>
+            <a:r>
+              <a:rPr lang="en-US"/>
+              <a:t>Fourth level</a:t>
+            </a:r>
+          </a:p>
+          <a:p>
+            <a:pPr lvl="4"/>
+            <a:r>
+              <a:rPr lang="en-US"/>
+              <a:t>Fifth level</a:t>
+            </a:r>
+          </a:p>
+        </p:txBody>
+      </p:sp>
+      <p:sp>
+        <p:nvSpPr>
+          <p:cNvPr id="4" name="Date Placeholder 3"/>
+          <p:cNvSpPr>
+            <a:spLocks noGrp="1"/>
+          </p:cNvSpPr>
+          <p:nvPr>
+            <p:ph type="dt" sz="half" idx="10"/>
+          </p:nvPr>
+        </p:nvSpPr>
+        <p:spPr/>
+        <p:txBody>
+          <a:bodyPr/>
+          <a:lstStyle/>
+          <a:p>
+            <a:fld id="{D088F999-7A4E-6B4F-9FED-EF75B73AD044}" type="datetimeFigureOut">
+              <a:rPr lang="en-US" smtClean="0"/>
+              <a:t>9/22/2021</a:t>
+            </a:fld>
+            <a:endParaRPr lang="en-US"/>
+          </a:p>
+        </p:txBody>
+      </p:sp>
+      <p:sp>
+        <p:nvSpPr>
+          <p:cNvPr id="5" name="Footer Placeholder 4"/>
+          <p:cNvSpPr>
+            <a:spLocks noGrp="1"/>
+          </p:cNvSpPr>
+          <p:nvPr>
+            <p:ph type="ftr" sz="quarter" idx="11"/>
+          </p:nvPr>
+        </p:nvSpPr>
+        <p:spPr/>
+        <p:txBody>
+          <a:bodyPr/>
+          <a:lstStyle/>
+          <a:p>
+            <a:endParaRPr lang="en-US"/>
+          </a:p>
+        </p:txBody>
+      </p:sp>
+      <p:sp>
+        <p:nvSpPr>
+          <p:cNvPr id="6" name="Slide Number Placeholder 5"/>
+          <p:cNvSpPr>
+            <a:spLocks noGrp="1"/>
+          </p:cNvSpPr>
+          <p:nvPr>
+            <p:ph type="sldNum" sz="quarter" idx="12"/>
+          </p:nvPr>
+        </p:nvSpPr>
+        <p:spPr/>
+        <p:txBody>
+          <a:bodyPr/>
+          <a:lstStyle/>
+          <a:p>
+            <a:fld id="{5D024AAD-DF78-DE44-A1F3-EEB19EDC9165}" type="slidenum">
+              <a:rPr lang="en-US" smtClean="0"/>
+              <a:t>‹#›</a:t>
+            </a:fld>
+            <a:endParaRPr lang="en-US"/>
+          </a:p>
+        </p:txBody>
+      </p:sp>
+    </p:spTree>
+    <p:extLst>
+      <p:ext uri="{BB962C8B-B14F-4D97-AF65-F5344CB8AC3E}">
+        <p14:creationId xmlns:p14="http://schemas.microsoft.com/office/powerpoint/2010/main" val="3636735227"/>
+      </p:ext>
+    </p:extLst>
+  </p:cSld>
+  <p:clrMapOvr>
+    <a:masterClrMapping/>
+  </p:clrMapOvr>
+</p:sldLayout>
+</file>
+
+<file path=ppt/slideLayouts/slideLayout14.xml><?xml version="1.0" encoding="utf-8"?>
+<p:sldLayout xmlns:a="http://schemas.openxmlformats.org/drawingml/2006/main" xmlns:r="http://schemas.openxmlformats.org/officeDocument/2006/relationships" xmlns:p="http://schemas.openxmlformats.org/presentationml/2006/main" type="secHead" preserve="1">
+  <p:cSld name="Section Header">
+    <p:spTree>
+      <p:nvGrpSpPr>
+        <p:cNvPr id="1" name=""/>
+        <p:cNvGrpSpPr/>
+        <p:nvPr/>
+      </p:nvGrpSpPr>
+      <p:grpSpPr>
+        <a:xfrm>
+          <a:off x="0" y="0"/>
+          <a:ext cx="0" cy="0"/>
+          <a:chOff x="0" y="0"/>
+          <a:chExt cx="0" cy="0"/>
+        </a:xfrm>
+      </p:grpSpPr>
+      <p:sp>
+        <p:nvSpPr>
+          <p:cNvPr id="2" name="Title 1"/>
+          <p:cNvSpPr>
+            <a:spLocks noGrp="1"/>
+          </p:cNvSpPr>
+          <p:nvPr>
+            <p:ph type="title"/>
+          </p:nvPr>
+        </p:nvSpPr>
+        <p:spPr>
+          <a:xfrm>
+            <a:off x="963084" y="4406900"/>
+            <a:ext cx="10363200" cy="1363133"/>
+          </a:xfrm>
+        </p:spPr>
+        <p:txBody>
+          <a:bodyPr anchor="t"/>
+          <a:lstStyle>
+            <a:lvl1pPr algn="l">
+              <a:defRPr sz="5333" b="1" cap="all"/>
+            </a:lvl1pPr>
+          </a:lstStyle>
+          <a:p>
+            <a:r>
+              <a:rPr lang="en-US"/>
+              <a:t>Click to edit Master title style</a:t>
+            </a:r>
+          </a:p>
+        </p:txBody>
+      </p:sp>
+      <p:sp>
+        <p:nvSpPr>
+          <p:cNvPr id="3" name="Text Placeholder 2"/>
+          <p:cNvSpPr>
+            <a:spLocks noGrp="1"/>
+          </p:cNvSpPr>
+          <p:nvPr>
+            <p:ph type="body" idx="1"/>
+          </p:nvPr>
+        </p:nvSpPr>
+        <p:spPr>
+          <a:xfrm>
+            <a:off x="963084" y="2906185"/>
+            <a:ext cx="10363200" cy="1500716"/>
+          </a:xfrm>
+        </p:spPr>
+        <p:txBody>
+          <a:bodyPr anchor="b"/>
+          <a:lstStyle>
+            <a:lvl1pPr marL="0" indent="0">
+              <a:buNone/>
+              <a:defRPr sz="2667">
+                <a:solidFill>
+                  <a:schemeClr val="tx1">
+                    <a:tint val="75000"/>
+                  </a:schemeClr>
+                </a:solidFill>
+              </a:defRPr>
+            </a:lvl1pPr>
+            <a:lvl2pPr marL="609585" indent="0">
+              <a:buNone/>
+              <a:defRPr sz="2400">
+                <a:solidFill>
+                  <a:schemeClr val="tx1">
+                    <a:tint val="75000"/>
+                  </a:schemeClr>
+                </a:solidFill>
+              </a:defRPr>
+            </a:lvl2pPr>
+            <a:lvl3pPr marL="1219170" indent="0">
+              <a:buNone/>
+              <a:defRPr sz="2133">
+                <a:solidFill>
+                  <a:schemeClr val="tx1">
+                    <a:tint val="75000"/>
+                  </a:schemeClr>
+                </a:solidFill>
+              </a:defRPr>
+            </a:lvl3pPr>
+            <a:lvl4pPr marL="1828754" indent="0">
+              <a:buNone/>
+              <a:defRPr sz="1867">
+                <a:solidFill>
+                  <a:schemeClr val="tx1">
+                    <a:tint val="75000"/>
+                  </a:schemeClr>
+                </a:solidFill>
+              </a:defRPr>
+            </a:lvl4pPr>
+            <a:lvl5pPr marL="2438339" indent="0">
+              <a:buNone/>
+              <a:defRPr sz="1867">
+                <a:solidFill>
+                  <a:schemeClr val="tx1">
+                    <a:tint val="75000"/>
+                  </a:schemeClr>
+                </a:solidFill>
+              </a:defRPr>
+            </a:lvl5pPr>
+            <a:lvl6pPr marL="3047924" indent="0">
+              <a:buNone/>
+              <a:defRPr sz="1867">
+                <a:solidFill>
+                  <a:schemeClr val="tx1">
+                    <a:tint val="75000"/>
+                  </a:schemeClr>
+                </a:solidFill>
+              </a:defRPr>
+            </a:lvl6pPr>
+            <a:lvl7pPr marL="3657509" indent="0">
+              <a:buNone/>
+              <a:defRPr sz="1867">
+                <a:solidFill>
+                  <a:schemeClr val="tx1">
+                    <a:tint val="75000"/>
+                  </a:schemeClr>
+                </a:solidFill>
+              </a:defRPr>
+            </a:lvl7pPr>
+            <a:lvl8pPr marL="4267093" indent="0">
+              <a:buNone/>
+              <a:defRPr sz="1867">
+                <a:solidFill>
+                  <a:schemeClr val="tx1">
+                    <a:tint val="75000"/>
+                  </a:schemeClr>
+                </a:solidFill>
+              </a:defRPr>
+            </a:lvl8pPr>
+            <a:lvl9pPr marL="4876678" indent="0">
+              <a:buNone/>
+              <a:defRPr sz="1867">
+                <a:solidFill>
+                  <a:schemeClr val="tx1">
+                    <a:tint val="75000"/>
+                  </a:schemeClr>
+                </a:solidFill>
+              </a:defRPr>
+            </a:lvl9pPr>
+          </a:lstStyle>
+          <a:p>
+            <a:pPr lvl="0"/>
+            <a:r>
+              <a:rPr lang="en-US"/>
+              <a:t>Click to edit Master text styles</a:t>
+            </a:r>
+          </a:p>
+        </p:txBody>
+      </p:sp>
+      <p:sp>
+        <p:nvSpPr>
+          <p:cNvPr id="4" name="Date Placeholder 3"/>
+          <p:cNvSpPr>
+            <a:spLocks noGrp="1"/>
+          </p:cNvSpPr>
+          <p:nvPr>
+            <p:ph type="dt" sz="half" idx="10"/>
+          </p:nvPr>
+        </p:nvSpPr>
+        <p:spPr/>
+        <p:txBody>
+          <a:bodyPr/>
+          <a:lstStyle/>
+          <a:p>
+            <a:fld id="{D088F999-7A4E-6B4F-9FED-EF75B73AD044}" type="datetimeFigureOut">
+              <a:rPr lang="en-US" smtClean="0"/>
+              <a:t>9/22/2021</a:t>
+            </a:fld>
+            <a:endParaRPr lang="en-US"/>
+          </a:p>
+        </p:txBody>
+      </p:sp>
+      <p:sp>
+        <p:nvSpPr>
+          <p:cNvPr id="5" name="Footer Placeholder 4"/>
+          <p:cNvSpPr>
+            <a:spLocks noGrp="1"/>
+          </p:cNvSpPr>
+          <p:nvPr>
+            <p:ph type="ftr" sz="quarter" idx="11"/>
+          </p:nvPr>
+        </p:nvSpPr>
+        <p:spPr/>
+        <p:txBody>
+          <a:bodyPr/>
+          <a:lstStyle/>
+          <a:p>
+            <a:endParaRPr lang="en-US"/>
+          </a:p>
+        </p:txBody>
+      </p:sp>
+      <p:sp>
+        <p:nvSpPr>
+          <p:cNvPr id="6" name="Slide Number Placeholder 5"/>
+          <p:cNvSpPr>
+            <a:spLocks noGrp="1"/>
+          </p:cNvSpPr>
+          <p:nvPr>
+            <p:ph type="sldNum" sz="quarter" idx="12"/>
+          </p:nvPr>
+        </p:nvSpPr>
+        <p:spPr/>
+        <p:txBody>
+          <a:bodyPr/>
+          <a:lstStyle/>
+          <a:p>
+            <a:fld id="{5D024AAD-DF78-DE44-A1F3-EEB19EDC9165}" type="slidenum">
+              <a:rPr lang="en-US" smtClean="0"/>
+              <a:t>‹#›</a:t>
+            </a:fld>
+            <a:endParaRPr lang="en-US"/>
+          </a:p>
+        </p:txBody>
+      </p:sp>
+    </p:spTree>
+    <p:extLst>
+      <p:ext uri="{BB962C8B-B14F-4D97-AF65-F5344CB8AC3E}">
+        <p14:creationId xmlns:p14="http://schemas.microsoft.com/office/powerpoint/2010/main" val="3095826566"/>
+      </p:ext>
+    </p:extLst>
+  </p:cSld>
+  <p:clrMapOvr>
+    <a:masterClrMapping/>
+  </p:clrMapOvr>
+</p:sldLayout>
+</file>
+
+<file path=ppt/slideLayouts/slideLayout15.xml><?xml version="1.0" encoding="utf-8"?>
+<p:sldLayout xmlns:a="http://schemas.openxmlformats.org/drawingml/2006/main" xmlns:r="http://schemas.openxmlformats.org/officeDocument/2006/relationships" xmlns:p="http://schemas.openxmlformats.org/presentationml/2006/main" type="twoObj" preserve="1">
+  <p:cSld name="Two Content">
+    <p:spTree>
+      <p:nvGrpSpPr>
+        <p:cNvPr id="1" name=""/>
+        <p:cNvGrpSpPr/>
+        <p:nvPr/>
+      </p:nvGrpSpPr>
+      <p:grpSpPr>
+        <a:xfrm>
+          <a:off x="0" y="0"/>
+          <a:ext cx="0" cy="0"/>
+          <a:chOff x="0" y="0"/>
+          <a:chExt cx="0" cy="0"/>
+        </a:xfrm>
+      </p:grpSpPr>
+      <p:sp>
+        <p:nvSpPr>
+          <p:cNvPr id="2" name="Title 1"/>
+          <p:cNvSpPr>
+            <a:spLocks noGrp="1"/>
+          </p:cNvSpPr>
+          <p:nvPr>
+            <p:ph type="title"/>
+          </p:nvPr>
+        </p:nvSpPr>
+        <p:spPr/>
+        <p:txBody>
+          <a:bodyPr/>
+          <a:lstStyle/>
+          <a:p>
+            <a:r>
+              <a:rPr lang="en-US"/>
+              <a:t>Click to edit Master title style</a:t>
+            </a:r>
+          </a:p>
+        </p:txBody>
+      </p:sp>
+      <p:sp>
+        <p:nvSpPr>
+          <p:cNvPr id="3" name="Content Placeholder 2"/>
+          <p:cNvSpPr>
+            <a:spLocks noGrp="1"/>
+          </p:cNvSpPr>
+          <p:nvPr>
+            <p:ph sz="half" idx="1"/>
+          </p:nvPr>
+        </p:nvSpPr>
+        <p:spPr>
+          <a:xfrm>
+            <a:off x="609600" y="1600201"/>
+            <a:ext cx="5384800" cy="4525433"/>
+          </a:xfrm>
+        </p:spPr>
+        <p:txBody>
+          <a:bodyPr/>
+          <a:lstStyle>
+            <a:lvl1pPr>
+              <a:defRPr sz="3733"/>
+            </a:lvl1pPr>
+            <a:lvl2pPr>
+              <a:defRPr sz="3200"/>
+            </a:lvl2pPr>
+            <a:lvl3pPr>
+              <a:defRPr sz="2667"/>
+            </a:lvl3pPr>
+            <a:lvl4pPr>
+              <a:defRPr sz="2400"/>
+            </a:lvl4pPr>
+            <a:lvl5pPr>
+              <a:defRPr sz="2400"/>
+            </a:lvl5pPr>
+            <a:lvl6pPr>
+              <a:defRPr sz="2400"/>
+            </a:lvl6pPr>
+            <a:lvl7pPr>
+              <a:defRPr sz="2400"/>
+            </a:lvl7pPr>
+            <a:lvl8pPr>
+              <a:defRPr sz="2400"/>
+            </a:lvl8pPr>
+            <a:lvl9pPr>
+              <a:defRPr sz="2400"/>
+            </a:lvl9pPr>
+          </a:lstStyle>
+          <a:p>
+            <a:pPr lvl="0"/>
+            <a:r>
+              <a:rPr lang="en-US"/>
+              <a:t>Click to edit Master text styles</a:t>
+            </a:r>
+          </a:p>
+          <a:p>
+            <a:pPr lvl="1"/>
+            <a:r>
+              <a:rPr lang="en-US"/>
+              <a:t>Second level</a:t>
+            </a:r>
+          </a:p>
+          <a:p>
+            <a:pPr lvl="2"/>
+            <a:r>
+              <a:rPr lang="en-US"/>
+              <a:t>Third level</a:t>
+            </a:r>
+          </a:p>
+          <a:p>
+            <a:pPr lvl="3"/>
+            <a:r>
+              <a:rPr lang="en-US"/>
+              <a:t>Fourth level</a:t>
+            </a:r>
+          </a:p>
+          <a:p>
+            <a:pPr lvl="4"/>
+            <a:r>
+              <a:rPr lang="en-US"/>
+              <a:t>Fifth level</a:t>
+            </a:r>
+          </a:p>
+        </p:txBody>
+      </p:sp>
+      <p:sp>
+        <p:nvSpPr>
+          <p:cNvPr id="4" name="Content Placeholder 3"/>
+          <p:cNvSpPr>
+            <a:spLocks noGrp="1"/>
+          </p:cNvSpPr>
+          <p:nvPr>
+            <p:ph sz="half" idx="2"/>
+          </p:nvPr>
+        </p:nvSpPr>
+        <p:spPr>
+          <a:xfrm>
+            <a:off x="6197600" y="1600201"/>
+            <a:ext cx="5384800" cy="4525433"/>
+          </a:xfrm>
+        </p:spPr>
+        <p:txBody>
+          <a:bodyPr/>
+          <a:lstStyle>
+            <a:lvl1pPr>
+              <a:defRPr sz="3733"/>
+            </a:lvl1pPr>
+            <a:lvl2pPr>
+              <a:defRPr sz="3200"/>
+            </a:lvl2pPr>
+            <a:lvl3pPr>
+              <a:defRPr sz="2667"/>
+            </a:lvl3pPr>
+            <a:lvl4pPr>
+              <a:defRPr sz="2400"/>
+            </a:lvl4pPr>
+            <a:lvl5pPr>
+              <a:defRPr sz="2400"/>
+            </a:lvl5pPr>
+            <a:lvl6pPr>
+              <a:defRPr sz="2400"/>
+            </a:lvl6pPr>
+            <a:lvl7pPr>
+              <a:defRPr sz="2400"/>
+            </a:lvl7pPr>
+            <a:lvl8pPr>
+              <a:defRPr sz="2400"/>
+            </a:lvl8pPr>
+            <a:lvl9pPr>
+              <a:defRPr sz="2400"/>
+            </a:lvl9pPr>
+          </a:lstStyle>
+          <a:p>
+            <a:pPr lvl="0"/>
+            <a:r>
+              <a:rPr lang="en-US"/>
+              <a:t>Click to edit Master text styles</a:t>
+            </a:r>
+          </a:p>
+          <a:p>
+            <a:pPr lvl="1"/>
+            <a:r>
+              <a:rPr lang="en-US"/>
+              <a:t>Second level</a:t>
+            </a:r>
+          </a:p>
+          <a:p>
+            <a:pPr lvl="2"/>
+            <a:r>
+              <a:rPr lang="en-US"/>
+              <a:t>Third level</a:t>
+            </a:r>
+          </a:p>
+          <a:p>
+            <a:pPr lvl="3"/>
+            <a:r>
+              <a:rPr lang="en-US"/>
+              <a:t>Fourth level</a:t>
+            </a:r>
+          </a:p>
+          <a:p>
+            <a:pPr lvl="4"/>
+            <a:r>
+              <a:rPr lang="en-US"/>
+              <a:t>Fifth level</a:t>
+            </a:r>
+          </a:p>
+        </p:txBody>
+      </p:sp>
+      <p:sp>
+        <p:nvSpPr>
+          <p:cNvPr id="5" name="Date Placeholder 4"/>
+          <p:cNvSpPr>
+            <a:spLocks noGrp="1"/>
+          </p:cNvSpPr>
+          <p:nvPr>
+            <p:ph type="dt" sz="half" idx="10"/>
+          </p:nvPr>
+        </p:nvSpPr>
+        <p:spPr/>
+        <p:txBody>
+          <a:bodyPr/>
+          <a:lstStyle/>
+          <a:p>
+            <a:fld id="{D088F999-7A4E-6B4F-9FED-EF75B73AD044}" type="datetimeFigureOut">
+              <a:rPr lang="en-US" smtClean="0"/>
+              <a:t>9/22/2021</a:t>
+            </a:fld>
+            <a:endParaRPr lang="en-US"/>
+          </a:p>
+        </p:txBody>
+      </p:sp>
+      <p:sp>
+        <p:nvSpPr>
+          <p:cNvPr id="6" name="Footer Placeholder 5"/>
+          <p:cNvSpPr>
+            <a:spLocks noGrp="1"/>
+          </p:cNvSpPr>
+          <p:nvPr>
+            <p:ph type="ftr" sz="quarter" idx="11"/>
+          </p:nvPr>
+        </p:nvSpPr>
+        <p:spPr/>
+        <p:txBody>
+          <a:bodyPr/>
+          <a:lstStyle/>
+          <a:p>
+            <a:endParaRPr lang="en-US"/>
+          </a:p>
+        </p:txBody>
+      </p:sp>
+      <p:sp>
+        <p:nvSpPr>
+          <p:cNvPr id="7" name="Slide Number Placeholder 6"/>
+          <p:cNvSpPr>
+            <a:spLocks noGrp="1"/>
+          </p:cNvSpPr>
+          <p:nvPr>
+            <p:ph type="sldNum" sz="quarter" idx="12"/>
+          </p:nvPr>
+        </p:nvSpPr>
+        <p:spPr/>
+        <p:txBody>
+          <a:bodyPr/>
+          <a:lstStyle/>
+          <a:p>
+            <a:fld id="{5D024AAD-DF78-DE44-A1F3-EEB19EDC9165}" type="slidenum">
+              <a:rPr lang="en-US" smtClean="0"/>
+              <a:t>‹#›</a:t>
+            </a:fld>
+            <a:endParaRPr lang="en-US"/>
+          </a:p>
+        </p:txBody>
+      </p:sp>
+    </p:spTree>
+    <p:extLst>
+      <p:ext uri="{BB962C8B-B14F-4D97-AF65-F5344CB8AC3E}">
+        <p14:creationId xmlns:p14="http://schemas.microsoft.com/office/powerpoint/2010/main" val="1440679351"/>
+      </p:ext>
+    </p:extLst>
+  </p:cSld>
+  <p:clrMapOvr>
+    <a:masterClrMapping/>
+  </p:clrMapOvr>
+</p:sldLayout>
+</file>
+
+<file path=ppt/slideLayouts/slideLayout16.xml><?xml version="1.0" encoding="utf-8"?>
+<p:sldLayout xmlns:a="http://schemas.openxmlformats.org/drawingml/2006/main" xmlns:r="http://schemas.openxmlformats.org/officeDocument/2006/relationships" xmlns:p="http://schemas.openxmlformats.org/presentationml/2006/main" type="twoTxTwoObj" preserve="1">
+  <p:cSld name="Comparison">
+    <p:spTree>
+      <p:nvGrpSpPr>
+        <p:cNvPr id="1" name=""/>
+        <p:cNvGrpSpPr/>
+        <p:nvPr/>
+      </p:nvGrpSpPr>
+      <p:grpSpPr>
+        <a:xfrm>
+          <a:off x="0" y="0"/>
+          <a:ext cx="0" cy="0"/>
+          <a:chOff x="0" y="0"/>
+          <a:chExt cx="0" cy="0"/>
+        </a:xfrm>
+      </p:grpSpPr>
+      <p:sp>
+        <p:nvSpPr>
+          <p:cNvPr id="2" name="Title 1"/>
+          <p:cNvSpPr>
+            <a:spLocks noGrp="1"/>
+          </p:cNvSpPr>
+          <p:nvPr>
+            <p:ph type="title"/>
+          </p:nvPr>
+        </p:nvSpPr>
+        <p:spPr/>
+        <p:txBody>
+          <a:bodyPr/>
+          <a:lstStyle>
+            <a:lvl1pPr>
+              <a:defRPr/>
+            </a:lvl1pPr>
+          </a:lstStyle>
+          <a:p>
+            <a:r>
+              <a:rPr lang="en-US"/>
+              <a:t>Click to edit Master title style</a:t>
+            </a:r>
+          </a:p>
+        </p:txBody>
+      </p:sp>
+      <p:sp>
+        <p:nvSpPr>
+          <p:cNvPr id="3" name="Text Placeholder 2"/>
+          <p:cNvSpPr>
+            <a:spLocks noGrp="1"/>
+          </p:cNvSpPr>
+          <p:nvPr>
+            <p:ph type="body" idx="1"/>
+          </p:nvPr>
+        </p:nvSpPr>
+        <p:spPr>
+          <a:xfrm>
+            <a:off x="609600" y="1534584"/>
+            <a:ext cx="5386917" cy="641349"/>
+          </a:xfrm>
+        </p:spPr>
+        <p:txBody>
+          <a:bodyPr anchor="b"/>
+          <a:lstStyle>
+            <a:lvl1pPr marL="0" indent="0">
+              <a:buNone/>
+              <a:defRPr sz="3200" b="1"/>
+            </a:lvl1pPr>
+            <a:lvl2pPr marL="609585" indent="0">
+              <a:buNone/>
+              <a:defRPr sz="2667" b="1"/>
+            </a:lvl2pPr>
+            <a:lvl3pPr marL="1219170" indent="0">
+              <a:buNone/>
+              <a:defRPr sz="2400" b="1"/>
+            </a:lvl3pPr>
+            <a:lvl4pPr marL="1828754" indent="0">
+              <a:buNone/>
+              <a:defRPr sz="2133" b="1"/>
+            </a:lvl4pPr>
+            <a:lvl5pPr marL="2438339" indent="0">
+              <a:buNone/>
+              <a:defRPr sz="2133" b="1"/>
+            </a:lvl5pPr>
+            <a:lvl6pPr marL="3047924" indent="0">
+              <a:buNone/>
+              <a:defRPr sz="2133" b="1"/>
+            </a:lvl6pPr>
+            <a:lvl7pPr marL="3657509" indent="0">
+              <a:buNone/>
+              <a:defRPr sz="2133" b="1"/>
+            </a:lvl7pPr>
+            <a:lvl8pPr marL="4267093" indent="0">
+              <a:buNone/>
+              <a:defRPr sz="2133" b="1"/>
+            </a:lvl8pPr>
+            <a:lvl9pPr marL="4876678" indent="0">
+              <a:buNone/>
+              <a:defRPr sz="2133" b="1"/>
+            </a:lvl9pPr>
+          </a:lstStyle>
+          <a:p>
+            <a:pPr lvl="0"/>
+            <a:r>
+              <a:rPr lang="en-US"/>
+              <a:t>Click to edit Master text styles</a:t>
+            </a:r>
+          </a:p>
+        </p:txBody>
+      </p:sp>
+      <p:sp>
+        <p:nvSpPr>
+          <p:cNvPr id="4" name="Content Placeholder 3"/>
+          <p:cNvSpPr>
+            <a:spLocks noGrp="1"/>
+          </p:cNvSpPr>
+          <p:nvPr>
+            <p:ph sz="half" idx="2"/>
+          </p:nvPr>
+        </p:nvSpPr>
+        <p:spPr>
+          <a:xfrm>
+            <a:off x="609600" y="2175934"/>
+            <a:ext cx="5386917" cy="3949700"/>
+          </a:xfrm>
+        </p:spPr>
+        <p:txBody>
+          <a:bodyPr/>
+          <a:lstStyle>
+            <a:lvl1pPr>
+              <a:defRPr sz="3200"/>
+            </a:lvl1pPr>
+            <a:lvl2pPr>
+              <a:defRPr sz="2667"/>
+            </a:lvl2pPr>
+            <a:lvl3pPr>
+              <a:defRPr sz="2400"/>
+            </a:lvl3pPr>
+            <a:lvl4pPr>
+              <a:defRPr sz="2133"/>
+            </a:lvl4pPr>
+            <a:lvl5pPr>
+              <a:defRPr sz="2133"/>
+            </a:lvl5pPr>
+            <a:lvl6pPr>
+              <a:defRPr sz="2133"/>
+            </a:lvl6pPr>
+            <a:lvl7pPr>
+              <a:defRPr sz="2133"/>
+            </a:lvl7pPr>
+            <a:lvl8pPr>
+              <a:defRPr sz="2133"/>
+            </a:lvl8pPr>
+            <a:lvl9pPr>
+              <a:defRPr sz="2133"/>
+            </a:lvl9pPr>
+          </a:lstStyle>
+          <a:p>
+            <a:pPr lvl="0"/>
+            <a:r>
+              <a:rPr lang="en-US"/>
+              <a:t>Click to edit Master text styles</a:t>
+            </a:r>
+          </a:p>
+          <a:p>
+            <a:pPr lvl="1"/>
+            <a:r>
+              <a:rPr lang="en-US"/>
+              <a:t>Second level</a:t>
+            </a:r>
+          </a:p>
+          <a:p>
+            <a:pPr lvl="2"/>
+            <a:r>
+              <a:rPr lang="en-US"/>
+              <a:t>Third level</a:t>
+            </a:r>
+          </a:p>
+          <a:p>
+            <a:pPr lvl="3"/>
+            <a:r>
+              <a:rPr lang="en-US"/>
+              <a:t>Fourth level</a:t>
+            </a:r>
+          </a:p>
+          <a:p>
+            <a:pPr lvl="4"/>
+            <a:r>
+              <a:rPr lang="en-US"/>
+              <a:t>Fifth level</a:t>
+            </a:r>
+          </a:p>
+        </p:txBody>
+      </p:sp>
+      <p:sp>
+        <p:nvSpPr>
+          <p:cNvPr id="5" name="Text Placeholder 4"/>
+          <p:cNvSpPr>
+            <a:spLocks noGrp="1"/>
+          </p:cNvSpPr>
+          <p:nvPr>
+            <p:ph type="body" sz="quarter" idx="3"/>
+          </p:nvPr>
+        </p:nvSpPr>
+        <p:spPr>
+          <a:xfrm>
+            <a:off x="6193368" y="1534584"/>
+            <a:ext cx="5389033" cy="641349"/>
+          </a:xfrm>
+        </p:spPr>
+        <p:txBody>
+          <a:bodyPr anchor="b"/>
+          <a:lstStyle>
+            <a:lvl1pPr marL="0" indent="0">
+              <a:buNone/>
+              <a:defRPr sz="3200" b="1"/>
+            </a:lvl1pPr>
+            <a:lvl2pPr marL="609585" indent="0">
+              <a:buNone/>
+              <a:defRPr sz="2667" b="1"/>
+            </a:lvl2pPr>
+            <a:lvl3pPr marL="1219170" indent="0">
+              <a:buNone/>
+              <a:defRPr sz="2400" b="1"/>
+            </a:lvl3pPr>
+            <a:lvl4pPr marL="1828754" indent="0">
+              <a:buNone/>
+              <a:defRPr sz="2133" b="1"/>
+            </a:lvl4pPr>
+            <a:lvl5pPr marL="2438339" indent="0">
+              <a:buNone/>
+              <a:defRPr sz="2133" b="1"/>
+            </a:lvl5pPr>
+            <a:lvl6pPr marL="3047924" indent="0">
+              <a:buNone/>
+              <a:defRPr sz="2133" b="1"/>
+            </a:lvl6pPr>
+            <a:lvl7pPr marL="3657509" indent="0">
+              <a:buNone/>
+              <a:defRPr sz="2133" b="1"/>
+            </a:lvl7pPr>
+            <a:lvl8pPr marL="4267093" indent="0">
+              <a:buNone/>
+              <a:defRPr sz="2133" b="1"/>
+            </a:lvl8pPr>
+            <a:lvl9pPr marL="4876678" indent="0">
+              <a:buNone/>
+              <a:defRPr sz="2133" b="1"/>
+            </a:lvl9pPr>
+          </a:lstStyle>
+          <a:p>
+            <a:pPr lvl="0"/>
+            <a:r>
+              <a:rPr lang="en-US"/>
+              <a:t>Click to edit Master text styles</a:t>
+            </a:r>
+          </a:p>
+        </p:txBody>
+      </p:sp>
+      <p:sp>
+        <p:nvSpPr>
+          <p:cNvPr id="6" name="Content Placeholder 5"/>
+          <p:cNvSpPr>
+            <a:spLocks noGrp="1"/>
+          </p:cNvSpPr>
+          <p:nvPr>
+            <p:ph sz="quarter" idx="4"/>
+          </p:nvPr>
+        </p:nvSpPr>
+        <p:spPr>
+          <a:xfrm>
+            <a:off x="6193368" y="2175934"/>
+            <a:ext cx="5389033" cy="3949700"/>
+          </a:xfrm>
+        </p:spPr>
+        <p:txBody>
+          <a:bodyPr/>
+          <a:lstStyle>
+            <a:lvl1pPr>
+              <a:defRPr sz="3200"/>
+            </a:lvl1pPr>
+            <a:lvl2pPr>
+              <a:defRPr sz="2667"/>
+            </a:lvl2pPr>
+            <a:lvl3pPr>
+              <a:defRPr sz="2400"/>
+            </a:lvl3pPr>
+            <a:lvl4pPr>
+              <a:defRPr sz="2133"/>
+            </a:lvl4pPr>
+            <a:lvl5pPr>
+              <a:defRPr sz="2133"/>
+            </a:lvl5pPr>
+            <a:lvl6pPr>
+              <a:defRPr sz="2133"/>
+            </a:lvl6pPr>
+            <a:lvl7pPr>
+              <a:defRPr sz="2133"/>
+            </a:lvl7pPr>
+            <a:lvl8pPr>
+              <a:defRPr sz="2133"/>
+            </a:lvl8pPr>
+            <a:lvl9pPr>
+              <a:defRPr sz="2133"/>
+            </a:lvl9pPr>
+          </a:lstStyle>
+          <a:p>
+            <a:pPr lvl="0"/>
+            <a:r>
+              <a:rPr lang="en-US"/>
+              <a:t>Click to edit Master text styles</a:t>
+            </a:r>
+          </a:p>
+          <a:p>
+            <a:pPr lvl="1"/>
+            <a:r>
+              <a:rPr lang="en-US"/>
+              <a:t>Second level</a:t>
+            </a:r>
+          </a:p>
+          <a:p>
+            <a:pPr lvl="2"/>
+            <a:r>
+              <a:rPr lang="en-US"/>
+              <a:t>Third level</a:t>
+            </a:r>
+          </a:p>
+          <a:p>
+            <a:pPr lvl="3"/>
+            <a:r>
+              <a:rPr lang="en-US"/>
+              <a:t>Fourth level</a:t>
+            </a:r>
+          </a:p>
+          <a:p>
+            <a:pPr lvl="4"/>
+            <a:r>
+              <a:rPr lang="en-US"/>
+              <a:t>Fifth level</a:t>
+            </a:r>
+          </a:p>
+        </p:txBody>
+      </p:sp>
+      <p:sp>
+        <p:nvSpPr>
+          <p:cNvPr id="7" name="Date Placeholder 6"/>
+          <p:cNvSpPr>
+            <a:spLocks noGrp="1"/>
+          </p:cNvSpPr>
+          <p:nvPr>
+            <p:ph type="dt" sz="half" idx="10"/>
+          </p:nvPr>
+        </p:nvSpPr>
+        <p:spPr/>
+        <p:txBody>
+          <a:bodyPr/>
+          <a:lstStyle/>
+          <a:p>
+            <a:fld id="{D088F999-7A4E-6B4F-9FED-EF75B73AD044}" type="datetimeFigureOut">
+              <a:rPr lang="en-US" smtClean="0"/>
+              <a:t>9/22/2021</a:t>
+            </a:fld>
+            <a:endParaRPr lang="en-US"/>
+          </a:p>
+        </p:txBody>
+      </p:sp>
+      <p:sp>
+        <p:nvSpPr>
+          <p:cNvPr id="8" name="Footer Placeholder 7"/>
+          <p:cNvSpPr>
+            <a:spLocks noGrp="1"/>
+          </p:cNvSpPr>
+          <p:nvPr>
+            <p:ph type="ftr" sz="quarter" idx="11"/>
+          </p:nvPr>
+        </p:nvSpPr>
+        <p:spPr/>
+        <p:txBody>
+          <a:bodyPr/>
+          <a:lstStyle/>
+          <a:p>
+            <a:endParaRPr lang="en-US"/>
+          </a:p>
+        </p:txBody>
+      </p:sp>
+      <p:sp>
+        <p:nvSpPr>
+          <p:cNvPr id="9" name="Slide Number Placeholder 8"/>
+          <p:cNvSpPr>
+            <a:spLocks noGrp="1"/>
+          </p:cNvSpPr>
+          <p:nvPr>
+            <p:ph type="sldNum" sz="quarter" idx="12"/>
+          </p:nvPr>
+        </p:nvSpPr>
+        <p:spPr/>
+        <p:txBody>
+          <a:bodyPr/>
+          <a:lstStyle/>
+          <a:p>
+            <a:fld id="{5D024AAD-DF78-DE44-A1F3-EEB19EDC9165}" type="slidenum">
+              <a:rPr lang="en-US" smtClean="0"/>
+              <a:t>‹#›</a:t>
+            </a:fld>
+            <a:endParaRPr lang="en-US"/>
+          </a:p>
+        </p:txBody>
+      </p:sp>
+    </p:spTree>
+    <p:extLst>
+      <p:ext uri="{BB962C8B-B14F-4D97-AF65-F5344CB8AC3E}">
+        <p14:creationId xmlns:p14="http://schemas.microsoft.com/office/powerpoint/2010/main" val="1926679841"/>
+      </p:ext>
+    </p:extLst>
+  </p:cSld>
+  <p:clrMapOvr>
+    <a:masterClrMapping/>
+  </p:clrMapOvr>
+</p:sldLayout>
+</file>
+
+<file path=ppt/slideLayouts/slideLayout17.xml><?xml version="1.0" encoding="utf-8"?>
+<p:sldLayout xmlns:a="http://schemas.openxmlformats.org/drawingml/2006/main" xmlns:r="http://schemas.openxmlformats.org/officeDocument/2006/relationships" xmlns:p="http://schemas.openxmlformats.org/presentationml/2006/main" type="titleOnly" preserve="1">
+  <p:cSld name="Title Only">
+    <p:spTree>
+      <p:nvGrpSpPr>
+        <p:cNvPr id="1" name=""/>
+        <p:cNvGrpSpPr/>
+        <p:nvPr/>
+      </p:nvGrpSpPr>
+      <p:grpSpPr>
+        <a:xfrm>
+          <a:off x="0" y="0"/>
+          <a:ext cx="0" cy="0"/>
+          <a:chOff x="0" y="0"/>
+          <a:chExt cx="0" cy="0"/>
+        </a:xfrm>
+      </p:grpSpPr>
+      <p:sp>
+        <p:nvSpPr>
+          <p:cNvPr id="2" name="Title 1"/>
+          <p:cNvSpPr>
+            <a:spLocks noGrp="1"/>
+          </p:cNvSpPr>
+          <p:nvPr>
+            <p:ph type="title"/>
+          </p:nvPr>
+        </p:nvSpPr>
+        <p:spPr/>
+        <p:txBody>
+          <a:bodyPr/>
+          <a:lstStyle/>
+          <a:p>
+            <a:r>
+              <a:rPr lang="en-US"/>
+              <a:t>Click to edit Master title style</a:t>
+            </a:r>
+          </a:p>
+        </p:txBody>
+      </p:sp>
+      <p:sp>
+        <p:nvSpPr>
+          <p:cNvPr id="3" name="Date Placeholder 2"/>
+          <p:cNvSpPr>
+            <a:spLocks noGrp="1"/>
+          </p:cNvSpPr>
+          <p:nvPr>
+            <p:ph type="dt" sz="half" idx="10"/>
+          </p:nvPr>
+        </p:nvSpPr>
+        <p:spPr/>
+        <p:txBody>
+          <a:bodyPr/>
+          <a:lstStyle/>
+          <a:p>
+            <a:fld id="{D088F999-7A4E-6B4F-9FED-EF75B73AD044}" type="datetimeFigureOut">
+              <a:rPr lang="en-US" smtClean="0"/>
+              <a:t>9/22/2021</a:t>
+            </a:fld>
+            <a:endParaRPr lang="en-US"/>
+          </a:p>
+        </p:txBody>
+      </p:sp>
+      <p:sp>
+        <p:nvSpPr>
+          <p:cNvPr id="4" name="Footer Placeholder 3"/>
+          <p:cNvSpPr>
+            <a:spLocks noGrp="1"/>
+          </p:cNvSpPr>
+          <p:nvPr>
+            <p:ph type="ftr" sz="quarter" idx="11"/>
+          </p:nvPr>
+        </p:nvSpPr>
+        <p:spPr/>
+        <p:txBody>
+          <a:bodyPr/>
+          <a:lstStyle/>
+          <a:p>
+            <a:endParaRPr lang="en-US"/>
+          </a:p>
+        </p:txBody>
+      </p:sp>
+      <p:sp>
+        <p:nvSpPr>
+          <p:cNvPr id="5" name="Slide Number Placeholder 4"/>
+          <p:cNvSpPr>
+            <a:spLocks noGrp="1"/>
+          </p:cNvSpPr>
+          <p:nvPr>
+            <p:ph type="sldNum" sz="quarter" idx="12"/>
+          </p:nvPr>
+        </p:nvSpPr>
+        <p:spPr/>
+        <p:txBody>
+          <a:bodyPr/>
+          <a:lstStyle/>
+          <a:p>
+            <a:fld id="{5D024AAD-DF78-DE44-A1F3-EEB19EDC9165}" type="slidenum">
+              <a:rPr lang="en-US" smtClean="0"/>
+              <a:t>‹#›</a:t>
+            </a:fld>
+            <a:endParaRPr lang="en-US"/>
+          </a:p>
+        </p:txBody>
+      </p:sp>
+    </p:spTree>
+    <p:extLst>
+      <p:ext uri="{BB962C8B-B14F-4D97-AF65-F5344CB8AC3E}">
+        <p14:creationId xmlns:p14="http://schemas.microsoft.com/office/powerpoint/2010/main" val="2292924252"/>
+      </p:ext>
+    </p:extLst>
+  </p:cSld>
+  <p:clrMapOvr>
+    <a:masterClrMapping/>
+  </p:clrMapOvr>
+</p:sldLayout>
+</file>
+
+<file path=ppt/slideLayouts/slideLayout18.xml><?xml version="1.0" encoding="utf-8"?>
+<p:sldLayout xmlns:a="http://schemas.openxmlformats.org/drawingml/2006/main" xmlns:r="http://schemas.openxmlformats.org/officeDocument/2006/relationships" xmlns:p="http://schemas.openxmlformats.org/presentationml/2006/main" type="blank" preserve="1">
+  <p:cSld name="Blank">
+    <p:spTree>
+      <p:nvGrpSpPr>
+        <p:cNvPr id="1" name=""/>
+        <p:cNvGrpSpPr/>
+        <p:nvPr/>
+      </p:nvGrpSpPr>
+      <p:grpSpPr>
+        <a:xfrm>
+          <a:off x="0" y="0"/>
+          <a:ext cx="0" cy="0"/>
+          <a:chOff x="0" y="0"/>
+          <a:chExt cx="0" cy="0"/>
+        </a:xfrm>
+      </p:grpSpPr>
+      <p:sp>
+        <p:nvSpPr>
+          <p:cNvPr id="2" name="Date Placeholder 1"/>
+          <p:cNvSpPr>
+            <a:spLocks noGrp="1"/>
+          </p:cNvSpPr>
+          <p:nvPr>
+            <p:ph type="dt" sz="half" idx="10"/>
+          </p:nvPr>
+        </p:nvSpPr>
+        <p:spPr/>
+        <p:txBody>
+          <a:bodyPr/>
+          <a:lstStyle/>
+          <a:p>
+            <a:fld id="{D088F999-7A4E-6B4F-9FED-EF75B73AD044}" type="datetimeFigureOut">
+              <a:rPr lang="en-US" smtClean="0"/>
+              <a:t>9/22/2021</a:t>
+            </a:fld>
+            <a:endParaRPr lang="en-US"/>
+          </a:p>
+        </p:txBody>
+      </p:sp>
+      <p:sp>
+        <p:nvSpPr>
+          <p:cNvPr id="3" name="Footer Placeholder 2"/>
+          <p:cNvSpPr>
+            <a:spLocks noGrp="1"/>
+          </p:cNvSpPr>
+          <p:nvPr>
+            <p:ph type="ftr" sz="quarter" idx="11"/>
+          </p:nvPr>
+        </p:nvSpPr>
+        <p:spPr/>
+        <p:txBody>
+          <a:bodyPr/>
+          <a:lstStyle/>
+          <a:p>
+            <a:endParaRPr lang="en-US"/>
+          </a:p>
+        </p:txBody>
+      </p:sp>
+      <p:sp>
+        <p:nvSpPr>
+          <p:cNvPr id="4" name="Slide Number Placeholder 3"/>
+          <p:cNvSpPr>
+            <a:spLocks noGrp="1"/>
+          </p:cNvSpPr>
+          <p:nvPr>
+            <p:ph type="sldNum" sz="quarter" idx="12"/>
+          </p:nvPr>
+        </p:nvSpPr>
+        <p:spPr/>
+        <p:txBody>
+          <a:bodyPr/>
+          <a:lstStyle/>
+          <a:p>
+            <a:fld id="{5D024AAD-DF78-DE44-A1F3-EEB19EDC9165}" type="slidenum">
+              <a:rPr lang="en-US" smtClean="0"/>
+              <a:t>‹#›</a:t>
+            </a:fld>
+            <a:endParaRPr lang="en-US"/>
+          </a:p>
+        </p:txBody>
+      </p:sp>
+    </p:spTree>
+    <p:extLst>
+      <p:ext uri="{BB962C8B-B14F-4D97-AF65-F5344CB8AC3E}">
+        <p14:creationId xmlns:p14="http://schemas.microsoft.com/office/powerpoint/2010/main" val="330579214"/>
+      </p:ext>
+    </p:extLst>
+  </p:cSld>
+  <p:clrMapOvr>
+    <a:masterClrMapping/>
+  </p:clrMapOvr>
+</p:sldLayout>
+</file>
+
+<file path=ppt/slideLayouts/slideLayout19.xml><?xml version="1.0" encoding="utf-8"?>
+<p:sldLayout xmlns:a="http://schemas.openxmlformats.org/drawingml/2006/main" xmlns:r="http://schemas.openxmlformats.org/officeDocument/2006/relationships" xmlns:p="http://schemas.openxmlformats.org/presentationml/2006/main" type="objTx" preserve="1">
+  <p:cSld name="Content with Caption">
+    <p:spTree>
+      <p:nvGrpSpPr>
+        <p:cNvPr id="1" name=""/>
+        <p:cNvGrpSpPr/>
+        <p:nvPr/>
+      </p:nvGrpSpPr>
+      <p:grpSpPr>
+        <a:xfrm>
+          <a:off x="0" y="0"/>
+          <a:ext cx="0" cy="0"/>
+          <a:chOff x="0" y="0"/>
+          <a:chExt cx="0" cy="0"/>
+        </a:xfrm>
+      </p:grpSpPr>
+      <p:sp>
+        <p:nvSpPr>
+          <p:cNvPr id="2" name="Title 1"/>
+          <p:cNvSpPr>
+            <a:spLocks noGrp="1"/>
+          </p:cNvSpPr>
+          <p:nvPr>
+            <p:ph type="title"/>
+          </p:nvPr>
+        </p:nvSpPr>
+        <p:spPr>
+          <a:xfrm>
+            <a:off x="609601" y="273052"/>
+            <a:ext cx="4011084" cy="1162049"/>
+          </a:xfrm>
+        </p:spPr>
+        <p:txBody>
+          <a:bodyPr anchor="b"/>
+          <a:lstStyle>
+            <a:lvl1pPr algn="l">
+              <a:defRPr sz="2667" b="1"/>
+            </a:lvl1pPr>
+          </a:lstStyle>
+          <a:p>
+            <a:r>
+              <a:rPr lang="en-US"/>
+              <a:t>Click to edit Master title style</a:t>
+            </a:r>
+          </a:p>
+        </p:txBody>
+      </p:sp>
+      <p:sp>
+        <p:nvSpPr>
+          <p:cNvPr id="3" name="Content Placeholder 2"/>
+          <p:cNvSpPr>
+            <a:spLocks noGrp="1"/>
+          </p:cNvSpPr>
+          <p:nvPr>
+            <p:ph idx="1"/>
+          </p:nvPr>
+        </p:nvSpPr>
+        <p:spPr>
+          <a:xfrm>
+            <a:off x="4766733" y="273051"/>
+            <a:ext cx="6815667" cy="5852583"/>
+          </a:xfrm>
+        </p:spPr>
+        <p:txBody>
+          <a:bodyPr/>
+          <a:lstStyle>
+            <a:lvl1pPr>
+              <a:defRPr sz="4267"/>
+            </a:lvl1pPr>
+            <a:lvl2pPr>
+              <a:defRPr sz="3733"/>
+            </a:lvl2pPr>
+            <a:lvl3pPr>
+              <a:defRPr sz="3200"/>
+            </a:lvl3pPr>
+            <a:lvl4pPr>
+              <a:defRPr sz="2667"/>
+            </a:lvl4pPr>
+            <a:lvl5pPr>
+              <a:defRPr sz="2667"/>
+            </a:lvl5pPr>
+            <a:lvl6pPr>
+              <a:defRPr sz="2667"/>
+            </a:lvl6pPr>
+            <a:lvl7pPr>
+              <a:defRPr sz="2667"/>
+            </a:lvl7pPr>
+            <a:lvl8pPr>
+              <a:defRPr sz="2667"/>
+            </a:lvl8pPr>
+            <a:lvl9pPr>
+              <a:defRPr sz="2667"/>
+            </a:lvl9pPr>
+          </a:lstStyle>
+          <a:p>
+            <a:pPr lvl="0"/>
+            <a:r>
+              <a:rPr lang="en-US"/>
+              <a:t>Click to edit Master text styles</a:t>
+            </a:r>
+          </a:p>
+          <a:p>
+            <a:pPr lvl="1"/>
+            <a:r>
+              <a:rPr lang="en-US"/>
+              <a:t>Second level</a:t>
+            </a:r>
+          </a:p>
+          <a:p>
+            <a:pPr lvl="2"/>
+            <a:r>
+              <a:rPr lang="en-US"/>
+              <a:t>Third level</a:t>
+            </a:r>
+          </a:p>
+          <a:p>
+            <a:pPr lvl="3"/>
+            <a:r>
+              <a:rPr lang="en-US"/>
+              <a:t>Fourth level</a:t>
+            </a:r>
+          </a:p>
+          <a:p>
+            <a:pPr lvl="4"/>
+            <a:r>
+              <a:rPr lang="en-US"/>
+              <a:t>Fifth level</a:t>
+            </a:r>
+          </a:p>
+        </p:txBody>
+      </p:sp>
+      <p:sp>
+        <p:nvSpPr>
+          <p:cNvPr id="4" name="Text Placeholder 3"/>
+          <p:cNvSpPr>
+            <a:spLocks noGrp="1"/>
+          </p:cNvSpPr>
+          <p:nvPr>
+            <p:ph type="body" sz="half" idx="2"/>
+          </p:nvPr>
+        </p:nvSpPr>
+        <p:spPr>
+          <a:xfrm>
+            <a:off x="609601" y="1435100"/>
+            <a:ext cx="4011084" cy="4690533"/>
+          </a:xfrm>
+        </p:spPr>
+        <p:txBody>
+          <a:bodyPr/>
+          <a:lstStyle>
+            <a:lvl1pPr marL="0" indent="0">
+              <a:buNone/>
+              <a:defRPr sz="1867"/>
+            </a:lvl1pPr>
+            <a:lvl2pPr marL="609585" indent="0">
+              <a:buNone/>
+              <a:defRPr sz="1600"/>
+            </a:lvl2pPr>
+            <a:lvl3pPr marL="1219170" indent="0">
+              <a:buNone/>
+              <a:defRPr sz="1333"/>
+            </a:lvl3pPr>
+            <a:lvl4pPr marL="1828754" indent="0">
+              <a:buNone/>
+              <a:defRPr sz="1200"/>
+            </a:lvl4pPr>
+            <a:lvl5pPr marL="2438339" indent="0">
+              <a:buNone/>
+              <a:defRPr sz="1200"/>
+            </a:lvl5pPr>
+            <a:lvl6pPr marL="3047924" indent="0">
+              <a:buNone/>
+              <a:defRPr sz="1200"/>
+            </a:lvl6pPr>
+            <a:lvl7pPr marL="3657509" indent="0">
+              <a:buNone/>
+              <a:defRPr sz="1200"/>
+            </a:lvl7pPr>
+            <a:lvl8pPr marL="4267093" indent="0">
+              <a:buNone/>
+              <a:defRPr sz="1200"/>
+            </a:lvl8pPr>
+            <a:lvl9pPr marL="4876678" indent="0">
+              <a:buNone/>
+              <a:defRPr sz="1200"/>
+            </a:lvl9pPr>
+          </a:lstStyle>
+          <a:p>
+            <a:pPr lvl="0"/>
+            <a:r>
+              <a:rPr lang="en-US"/>
+              <a:t>Click to edit Master text styles</a:t>
+            </a:r>
+          </a:p>
+        </p:txBody>
+      </p:sp>
+      <p:sp>
+        <p:nvSpPr>
+          <p:cNvPr id="5" name="Date Placeholder 4"/>
+          <p:cNvSpPr>
+            <a:spLocks noGrp="1"/>
+          </p:cNvSpPr>
+          <p:nvPr>
+            <p:ph type="dt" sz="half" idx="10"/>
+          </p:nvPr>
+        </p:nvSpPr>
+        <p:spPr/>
+        <p:txBody>
+          <a:bodyPr/>
+          <a:lstStyle/>
+          <a:p>
+            <a:fld id="{D088F999-7A4E-6B4F-9FED-EF75B73AD044}" type="datetimeFigureOut">
+              <a:rPr lang="en-US" smtClean="0"/>
+              <a:t>9/22/2021</a:t>
+            </a:fld>
+            <a:endParaRPr lang="en-US"/>
+          </a:p>
+        </p:txBody>
+      </p:sp>
+      <p:sp>
+        <p:nvSpPr>
+          <p:cNvPr id="6" name="Footer Placeholder 5"/>
+          <p:cNvSpPr>
+            <a:spLocks noGrp="1"/>
+          </p:cNvSpPr>
+          <p:nvPr>
+            <p:ph type="ftr" sz="quarter" idx="11"/>
+          </p:nvPr>
+        </p:nvSpPr>
+        <p:spPr/>
+        <p:txBody>
+          <a:bodyPr/>
+          <a:lstStyle/>
+          <a:p>
+            <a:endParaRPr lang="en-US"/>
+          </a:p>
+        </p:txBody>
+      </p:sp>
+      <p:sp>
+        <p:nvSpPr>
+          <p:cNvPr id="7" name="Slide Number Placeholder 6"/>
+          <p:cNvSpPr>
+            <a:spLocks noGrp="1"/>
+          </p:cNvSpPr>
+          <p:nvPr>
+            <p:ph type="sldNum" sz="quarter" idx="12"/>
+          </p:nvPr>
+        </p:nvSpPr>
+        <p:spPr/>
+        <p:txBody>
+          <a:bodyPr/>
+          <a:lstStyle/>
+          <a:p>
+            <a:fld id="{5D024AAD-DF78-DE44-A1F3-EEB19EDC9165}" type="slidenum">
+              <a:rPr lang="en-US" smtClean="0"/>
+              <a:t>‹#›</a:t>
+            </a:fld>
+            <a:endParaRPr lang="en-US"/>
+          </a:p>
+        </p:txBody>
+      </p:sp>
+    </p:spTree>
+    <p:extLst>
+      <p:ext uri="{BB962C8B-B14F-4D97-AF65-F5344CB8AC3E}">
+        <p14:creationId xmlns:p14="http://schemas.microsoft.com/office/powerpoint/2010/main" val="1148942231"/>
       </p:ext>
     </p:extLst>
   </p:cSld>
@@ -758,7 +3326,7 @@
           <a:p>
             <a:fld id="{87AD7A9C-0B6C-41F8-9955-659C1CA2BF56}" type="datetimeFigureOut">
               <a:rPr lang="en-US" smtClean="0"/>
-              <a:t>8/30/2021</a:t>
+              <a:t>9/22/2021</a:t>
             </a:fld>
             <a:endParaRPr lang="en-US"/>
           </a:p>
@@ -809,7 +3377,605 @@
     </p:spTree>
     <p:extLst>
       <p:ext uri="{BB962C8B-B14F-4D97-AF65-F5344CB8AC3E}">
-        <p14:creationId xmlns:p14="http://schemas.microsoft.com/office/powerpoint/2010/main" val="435833161"/>
+        <p14:creationId xmlns:p14="http://schemas.microsoft.com/office/powerpoint/2010/main" val="55862579"/>
+      </p:ext>
+    </p:extLst>
+  </p:cSld>
+  <p:clrMapOvr>
+    <a:masterClrMapping/>
+  </p:clrMapOvr>
+</p:sldLayout>
+</file>
+
+<file path=ppt/slideLayouts/slideLayout20.xml><?xml version="1.0" encoding="utf-8"?>
+<p:sldLayout xmlns:a="http://schemas.openxmlformats.org/drawingml/2006/main" xmlns:r="http://schemas.openxmlformats.org/officeDocument/2006/relationships" xmlns:p="http://schemas.openxmlformats.org/presentationml/2006/main" type="picTx" preserve="1">
+  <p:cSld name="Picture with Caption">
+    <p:spTree>
+      <p:nvGrpSpPr>
+        <p:cNvPr id="1" name=""/>
+        <p:cNvGrpSpPr/>
+        <p:nvPr/>
+      </p:nvGrpSpPr>
+      <p:grpSpPr>
+        <a:xfrm>
+          <a:off x="0" y="0"/>
+          <a:ext cx="0" cy="0"/>
+          <a:chOff x="0" y="0"/>
+          <a:chExt cx="0" cy="0"/>
+        </a:xfrm>
+      </p:grpSpPr>
+      <p:sp>
+        <p:nvSpPr>
+          <p:cNvPr id="2" name="Title 1"/>
+          <p:cNvSpPr>
+            <a:spLocks noGrp="1"/>
+          </p:cNvSpPr>
+          <p:nvPr>
+            <p:ph type="title"/>
+          </p:nvPr>
+        </p:nvSpPr>
+        <p:spPr>
+          <a:xfrm>
+            <a:off x="2389717" y="4800600"/>
+            <a:ext cx="7315200" cy="567267"/>
+          </a:xfrm>
+        </p:spPr>
+        <p:txBody>
+          <a:bodyPr anchor="b"/>
+          <a:lstStyle>
+            <a:lvl1pPr algn="l">
+              <a:defRPr sz="2667" b="1"/>
+            </a:lvl1pPr>
+          </a:lstStyle>
+          <a:p>
+            <a:r>
+              <a:rPr lang="en-US"/>
+              <a:t>Click to edit Master title style</a:t>
+            </a:r>
+          </a:p>
+        </p:txBody>
+      </p:sp>
+      <p:sp>
+        <p:nvSpPr>
+          <p:cNvPr id="3" name="Picture Placeholder 2"/>
+          <p:cNvSpPr>
+            <a:spLocks noGrp="1"/>
+          </p:cNvSpPr>
+          <p:nvPr>
+            <p:ph type="pic" idx="1"/>
+          </p:nvPr>
+        </p:nvSpPr>
+        <p:spPr>
+          <a:xfrm>
+            <a:off x="2389717" y="613833"/>
+            <a:ext cx="7315200" cy="4114800"/>
+          </a:xfrm>
+        </p:spPr>
+        <p:txBody>
+          <a:bodyPr/>
+          <a:lstStyle>
+            <a:lvl1pPr marL="0" indent="0">
+              <a:buNone/>
+              <a:defRPr sz="4267"/>
+            </a:lvl1pPr>
+            <a:lvl2pPr marL="609585" indent="0">
+              <a:buNone/>
+              <a:defRPr sz="3733"/>
+            </a:lvl2pPr>
+            <a:lvl3pPr marL="1219170" indent="0">
+              <a:buNone/>
+              <a:defRPr sz="3200"/>
+            </a:lvl3pPr>
+            <a:lvl4pPr marL="1828754" indent="0">
+              <a:buNone/>
+              <a:defRPr sz="2667"/>
+            </a:lvl4pPr>
+            <a:lvl5pPr marL="2438339" indent="0">
+              <a:buNone/>
+              <a:defRPr sz="2667"/>
+            </a:lvl5pPr>
+            <a:lvl6pPr marL="3047924" indent="0">
+              <a:buNone/>
+              <a:defRPr sz="2667"/>
+            </a:lvl6pPr>
+            <a:lvl7pPr marL="3657509" indent="0">
+              <a:buNone/>
+              <a:defRPr sz="2667"/>
+            </a:lvl7pPr>
+            <a:lvl8pPr marL="4267093" indent="0">
+              <a:buNone/>
+              <a:defRPr sz="2667"/>
+            </a:lvl8pPr>
+            <a:lvl9pPr marL="4876678" indent="0">
+              <a:buNone/>
+              <a:defRPr sz="2667"/>
+            </a:lvl9pPr>
+          </a:lstStyle>
+          <a:p>
+            <a:endParaRPr lang="en-US"/>
+          </a:p>
+        </p:txBody>
+      </p:sp>
+      <p:sp>
+        <p:nvSpPr>
+          <p:cNvPr id="4" name="Text Placeholder 3"/>
+          <p:cNvSpPr>
+            <a:spLocks noGrp="1"/>
+          </p:cNvSpPr>
+          <p:nvPr>
+            <p:ph type="body" sz="half" idx="2"/>
+          </p:nvPr>
+        </p:nvSpPr>
+        <p:spPr>
+          <a:xfrm>
+            <a:off x="2389717" y="5367867"/>
+            <a:ext cx="7315200" cy="804333"/>
+          </a:xfrm>
+        </p:spPr>
+        <p:txBody>
+          <a:bodyPr/>
+          <a:lstStyle>
+            <a:lvl1pPr marL="0" indent="0">
+              <a:buNone/>
+              <a:defRPr sz="1867"/>
+            </a:lvl1pPr>
+            <a:lvl2pPr marL="609585" indent="0">
+              <a:buNone/>
+              <a:defRPr sz="1600"/>
+            </a:lvl2pPr>
+            <a:lvl3pPr marL="1219170" indent="0">
+              <a:buNone/>
+              <a:defRPr sz="1333"/>
+            </a:lvl3pPr>
+            <a:lvl4pPr marL="1828754" indent="0">
+              <a:buNone/>
+              <a:defRPr sz="1200"/>
+            </a:lvl4pPr>
+            <a:lvl5pPr marL="2438339" indent="0">
+              <a:buNone/>
+              <a:defRPr sz="1200"/>
+            </a:lvl5pPr>
+            <a:lvl6pPr marL="3047924" indent="0">
+              <a:buNone/>
+              <a:defRPr sz="1200"/>
+            </a:lvl6pPr>
+            <a:lvl7pPr marL="3657509" indent="0">
+              <a:buNone/>
+              <a:defRPr sz="1200"/>
+            </a:lvl7pPr>
+            <a:lvl8pPr marL="4267093" indent="0">
+              <a:buNone/>
+              <a:defRPr sz="1200"/>
+            </a:lvl8pPr>
+            <a:lvl9pPr marL="4876678" indent="0">
+              <a:buNone/>
+              <a:defRPr sz="1200"/>
+            </a:lvl9pPr>
+          </a:lstStyle>
+          <a:p>
+            <a:pPr lvl="0"/>
+            <a:r>
+              <a:rPr lang="en-US"/>
+              <a:t>Click to edit Master text styles</a:t>
+            </a:r>
+          </a:p>
+        </p:txBody>
+      </p:sp>
+      <p:sp>
+        <p:nvSpPr>
+          <p:cNvPr id="5" name="Date Placeholder 4"/>
+          <p:cNvSpPr>
+            <a:spLocks noGrp="1"/>
+          </p:cNvSpPr>
+          <p:nvPr>
+            <p:ph type="dt" sz="half" idx="10"/>
+          </p:nvPr>
+        </p:nvSpPr>
+        <p:spPr/>
+        <p:txBody>
+          <a:bodyPr/>
+          <a:lstStyle/>
+          <a:p>
+            <a:fld id="{D088F999-7A4E-6B4F-9FED-EF75B73AD044}" type="datetimeFigureOut">
+              <a:rPr lang="en-US" smtClean="0"/>
+              <a:t>9/22/2021</a:t>
+            </a:fld>
+            <a:endParaRPr lang="en-US"/>
+          </a:p>
+        </p:txBody>
+      </p:sp>
+      <p:sp>
+        <p:nvSpPr>
+          <p:cNvPr id="6" name="Footer Placeholder 5"/>
+          <p:cNvSpPr>
+            <a:spLocks noGrp="1"/>
+          </p:cNvSpPr>
+          <p:nvPr>
+            <p:ph type="ftr" sz="quarter" idx="11"/>
+          </p:nvPr>
+        </p:nvSpPr>
+        <p:spPr/>
+        <p:txBody>
+          <a:bodyPr/>
+          <a:lstStyle/>
+          <a:p>
+            <a:endParaRPr lang="en-US"/>
+          </a:p>
+        </p:txBody>
+      </p:sp>
+      <p:sp>
+        <p:nvSpPr>
+          <p:cNvPr id="7" name="Slide Number Placeholder 6"/>
+          <p:cNvSpPr>
+            <a:spLocks noGrp="1"/>
+          </p:cNvSpPr>
+          <p:nvPr>
+            <p:ph type="sldNum" sz="quarter" idx="12"/>
+          </p:nvPr>
+        </p:nvSpPr>
+        <p:spPr/>
+        <p:txBody>
+          <a:bodyPr/>
+          <a:lstStyle/>
+          <a:p>
+            <a:fld id="{5D024AAD-DF78-DE44-A1F3-EEB19EDC9165}" type="slidenum">
+              <a:rPr lang="en-US" smtClean="0"/>
+              <a:t>‹#›</a:t>
+            </a:fld>
+            <a:endParaRPr lang="en-US"/>
+          </a:p>
+        </p:txBody>
+      </p:sp>
+    </p:spTree>
+    <p:extLst>
+      <p:ext uri="{BB962C8B-B14F-4D97-AF65-F5344CB8AC3E}">
+        <p14:creationId xmlns:p14="http://schemas.microsoft.com/office/powerpoint/2010/main" val="3098452219"/>
+      </p:ext>
+    </p:extLst>
+  </p:cSld>
+  <p:clrMapOvr>
+    <a:masterClrMapping/>
+  </p:clrMapOvr>
+</p:sldLayout>
+</file>
+
+<file path=ppt/slideLayouts/slideLayout21.xml><?xml version="1.0" encoding="utf-8"?>
+<p:sldLayout xmlns:a="http://schemas.openxmlformats.org/drawingml/2006/main" xmlns:r="http://schemas.openxmlformats.org/officeDocument/2006/relationships" xmlns:p="http://schemas.openxmlformats.org/presentationml/2006/main" type="vertTx" preserve="1">
+  <p:cSld name="Title and Vertical Text">
+    <p:spTree>
+      <p:nvGrpSpPr>
+        <p:cNvPr id="1" name=""/>
+        <p:cNvGrpSpPr/>
+        <p:nvPr/>
+      </p:nvGrpSpPr>
+      <p:grpSpPr>
+        <a:xfrm>
+          <a:off x="0" y="0"/>
+          <a:ext cx="0" cy="0"/>
+          <a:chOff x="0" y="0"/>
+          <a:chExt cx="0" cy="0"/>
+        </a:xfrm>
+      </p:grpSpPr>
+      <p:sp>
+        <p:nvSpPr>
+          <p:cNvPr id="2" name="Title 1"/>
+          <p:cNvSpPr>
+            <a:spLocks noGrp="1"/>
+          </p:cNvSpPr>
+          <p:nvPr>
+            <p:ph type="title"/>
+          </p:nvPr>
+        </p:nvSpPr>
+        <p:spPr/>
+        <p:txBody>
+          <a:bodyPr/>
+          <a:lstStyle/>
+          <a:p>
+            <a:r>
+              <a:rPr lang="en-US"/>
+              <a:t>Click to edit Master title style</a:t>
+            </a:r>
+          </a:p>
+        </p:txBody>
+      </p:sp>
+      <p:sp>
+        <p:nvSpPr>
+          <p:cNvPr id="3" name="Vertical Text Placeholder 2"/>
+          <p:cNvSpPr>
+            <a:spLocks noGrp="1"/>
+          </p:cNvSpPr>
+          <p:nvPr>
+            <p:ph type="body" orient="vert" idx="1"/>
+          </p:nvPr>
+        </p:nvSpPr>
+        <p:spPr/>
+        <p:txBody>
+          <a:bodyPr vert="eaVert"/>
+          <a:lstStyle/>
+          <a:p>
+            <a:pPr lvl="0"/>
+            <a:r>
+              <a:rPr lang="en-US"/>
+              <a:t>Click to edit Master text styles</a:t>
+            </a:r>
+          </a:p>
+          <a:p>
+            <a:pPr lvl="1"/>
+            <a:r>
+              <a:rPr lang="en-US"/>
+              <a:t>Second level</a:t>
+            </a:r>
+          </a:p>
+          <a:p>
+            <a:pPr lvl="2"/>
+            <a:r>
+              <a:rPr lang="en-US"/>
+              <a:t>Third level</a:t>
+            </a:r>
+          </a:p>
+          <a:p>
+            <a:pPr lvl="3"/>
+            <a:r>
+              <a:rPr lang="en-US"/>
+              <a:t>Fourth level</a:t>
+            </a:r>
+          </a:p>
+          <a:p>
+            <a:pPr lvl="4"/>
+            <a:r>
+              <a:rPr lang="en-US"/>
+              <a:t>Fifth level</a:t>
+            </a:r>
+          </a:p>
+        </p:txBody>
+      </p:sp>
+      <p:sp>
+        <p:nvSpPr>
+          <p:cNvPr id="4" name="Date Placeholder 3"/>
+          <p:cNvSpPr>
+            <a:spLocks noGrp="1"/>
+          </p:cNvSpPr>
+          <p:nvPr>
+            <p:ph type="dt" sz="half" idx="10"/>
+          </p:nvPr>
+        </p:nvSpPr>
+        <p:spPr/>
+        <p:txBody>
+          <a:bodyPr/>
+          <a:lstStyle/>
+          <a:p>
+            <a:fld id="{D088F999-7A4E-6B4F-9FED-EF75B73AD044}" type="datetimeFigureOut">
+              <a:rPr lang="en-US" smtClean="0"/>
+              <a:t>9/22/2021</a:t>
+            </a:fld>
+            <a:endParaRPr lang="en-US"/>
+          </a:p>
+        </p:txBody>
+      </p:sp>
+      <p:sp>
+        <p:nvSpPr>
+          <p:cNvPr id="5" name="Footer Placeholder 4"/>
+          <p:cNvSpPr>
+            <a:spLocks noGrp="1"/>
+          </p:cNvSpPr>
+          <p:nvPr>
+            <p:ph type="ftr" sz="quarter" idx="11"/>
+          </p:nvPr>
+        </p:nvSpPr>
+        <p:spPr/>
+        <p:txBody>
+          <a:bodyPr/>
+          <a:lstStyle/>
+          <a:p>
+            <a:endParaRPr lang="en-US"/>
+          </a:p>
+        </p:txBody>
+      </p:sp>
+      <p:sp>
+        <p:nvSpPr>
+          <p:cNvPr id="6" name="Slide Number Placeholder 5"/>
+          <p:cNvSpPr>
+            <a:spLocks noGrp="1"/>
+          </p:cNvSpPr>
+          <p:nvPr>
+            <p:ph type="sldNum" sz="quarter" idx="12"/>
+          </p:nvPr>
+        </p:nvSpPr>
+        <p:spPr/>
+        <p:txBody>
+          <a:bodyPr/>
+          <a:lstStyle/>
+          <a:p>
+            <a:fld id="{5D024AAD-DF78-DE44-A1F3-EEB19EDC9165}" type="slidenum">
+              <a:rPr lang="en-US" smtClean="0"/>
+              <a:t>‹#›</a:t>
+            </a:fld>
+            <a:endParaRPr lang="en-US"/>
+          </a:p>
+        </p:txBody>
+      </p:sp>
+    </p:spTree>
+    <p:extLst>
+      <p:ext uri="{BB962C8B-B14F-4D97-AF65-F5344CB8AC3E}">
+        <p14:creationId xmlns:p14="http://schemas.microsoft.com/office/powerpoint/2010/main" val="2660206127"/>
+      </p:ext>
+    </p:extLst>
+  </p:cSld>
+  <p:clrMapOvr>
+    <a:masterClrMapping/>
+  </p:clrMapOvr>
+</p:sldLayout>
+</file>
+
+<file path=ppt/slideLayouts/slideLayout22.xml><?xml version="1.0" encoding="utf-8"?>
+<p:sldLayout xmlns:a="http://schemas.openxmlformats.org/drawingml/2006/main" xmlns:r="http://schemas.openxmlformats.org/officeDocument/2006/relationships" xmlns:p="http://schemas.openxmlformats.org/presentationml/2006/main" type="vertTitleAndTx" preserve="1">
+  <p:cSld name="Vertical Title and Text">
+    <p:spTree>
+      <p:nvGrpSpPr>
+        <p:cNvPr id="1" name=""/>
+        <p:cNvGrpSpPr/>
+        <p:nvPr/>
+      </p:nvGrpSpPr>
+      <p:grpSpPr>
+        <a:xfrm>
+          <a:off x="0" y="0"/>
+          <a:ext cx="0" cy="0"/>
+          <a:chOff x="0" y="0"/>
+          <a:chExt cx="0" cy="0"/>
+        </a:xfrm>
+      </p:grpSpPr>
+      <p:sp>
+        <p:nvSpPr>
+          <p:cNvPr id="2" name="Vertical Title 1"/>
+          <p:cNvSpPr>
+            <a:spLocks noGrp="1"/>
+          </p:cNvSpPr>
+          <p:nvPr>
+            <p:ph type="title" orient="vert"/>
+          </p:nvPr>
+        </p:nvSpPr>
+        <p:spPr>
+          <a:xfrm>
+            <a:off x="8839200" y="275167"/>
+            <a:ext cx="2743200" cy="5850467"/>
+          </a:xfrm>
+        </p:spPr>
+        <p:txBody>
+          <a:bodyPr vert="eaVert"/>
+          <a:lstStyle/>
+          <a:p>
+            <a:r>
+              <a:rPr lang="en-US"/>
+              <a:t>Click to edit Master title style</a:t>
+            </a:r>
+          </a:p>
+        </p:txBody>
+      </p:sp>
+      <p:sp>
+        <p:nvSpPr>
+          <p:cNvPr id="3" name="Vertical Text Placeholder 2"/>
+          <p:cNvSpPr>
+            <a:spLocks noGrp="1"/>
+          </p:cNvSpPr>
+          <p:nvPr>
+            <p:ph type="body" orient="vert" idx="1"/>
+          </p:nvPr>
+        </p:nvSpPr>
+        <p:spPr>
+          <a:xfrm>
+            <a:off x="609600" y="275167"/>
+            <a:ext cx="8026400" cy="5850467"/>
+          </a:xfrm>
+        </p:spPr>
+        <p:txBody>
+          <a:bodyPr vert="eaVert"/>
+          <a:lstStyle/>
+          <a:p>
+            <a:pPr lvl="0"/>
+            <a:r>
+              <a:rPr lang="en-US"/>
+              <a:t>Click to edit Master text styles</a:t>
+            </a:r>
+          </a:p>
+          <a:p>
+            <a:pPr lvl="1"/>
+            <a:r>
+              <a:rPr lang="en-US"/>
+              <a:t>Second level</a:t>
+            </a:r>
+          </a:p>
+          <a:p>
+            <a:pPr lvl="2"/>
+            <a:r>
+              <a:rPr lang="en-US"/>
+              <a:t>Third level</a:t>
+            </a:r>
+          </a:p>
+          <a:p>
+            <a:pPr lvl="3"/>
+            <a:r>
+              <a:rPr lang="en-US"/>
+              <a:t>Fourth level</a:t>
+            </a:r>
+          </a:p>
+          <a:p>
+            <a:pPr lvl="4"/>
+            <a:r>
+              <a:rPr lang="en-US"/>
+              <a:t>Fifth level</a:t>
+            </a:r>
+          </a:p>
+        </p:txBody>
+      </p:sp>
+      <p:sp>
+        <p:nvSpPr>
+          <p:cNvPr id="4" name="Date Placeholder 3"/>
+          <p:cNvSpPr>
+            <a:spLocks noGrp="1"/>
+          </p:cNvSpPr>
+          <p:nvPr>
+            <p:ph type="dt" sz="half" idx="10"/>
+          </p:nvPr>
+        </p:nvSpPr>
+        <p:spPr/>
+        <p:txBody>
+          <a:bodyPr/>
+          <a:lstStyle/>
+          <a:p>
+            <a:fld id="{D088F999-7A4E-6B4F-9FED-EF75B73AD044}" type="datetimeFigureOut">
+              <a:rPr lang="en-US" smtClean="0"/>
+              <a:t>9/22/2021</a:t>
+            </a:fld>
+            <a:endParaRPr lang="en-US"/>
+          </a:p>
+        </p:txBody>
+      </p:sp>
+      <p:sp>
+        <p:nvSpPr>
+          <p:cNvPr id="5" name="Footer Placeholder 4"/>
+          <p:cNvSpPr>
+            <a:spLocks noGrp="1"/>
+          </p:cNvSpPr>
+          <p:nvPr>
+            <p:ph type="ftr" sz="quarter" idx="11"/>
+          </p:nvPr>
+        </p:nvSpPr>
+        <p:spPr/>
+        <p:txBody>
+          <a:bodyPr/>
+          <a:lstStyle/>
+          <a:p>
+            <a:endParaRPr lang="en-US"/>
+          </a:p>
+        </p:txBody>
+      </p:sp>
+      <p:sp>
+        <p:nvSpPr>
+          <p:cNvPr id="6" name="Slide Number Placeholder 5"/>
+          <p:cNvSpPr>
+            <a:spLocks noGrp="1"/>
+          </p:cNvSpPr>
+          <p:nvPr>
+            <p:ph type="sldNum" sz="quarter" idx="12"/>
+          </p:nvPr>
+        </p:nvSpPr>
+        <p:spPr/>
+        <p:txBody>
+          <a:bodyPr/>
+          <a:lstStyle/>
+          <a:p>
+            <a:fld id="{5D024AAD-DF78-DE44-A1F3-EEB19EDC9165}" type="slidenum">
+              <a:rPr lang="en-US" smtClean="0"/>
+              <a:t>‹#›</a:t>
+            </a:fld>
+            <a:endParaRPr lang="en-US"/>
+          </a:p>
+        </p:txBody>
+      </p:sp>
+    </p:spTree>
+    <p:extLst>
+      <p:ext uri="{BB962C8B-B14F-4D97-AF65-F5344CB8AC3E}">
+        <p14:creationId xmlns:p14="http://schemas.microsoft.com/office/powerpoint/2010/main" val="2264080752"/>
       </p:ext>
     </p:extLst>
   </p:cSld>
@@ -820,7 +3986,7 @@
 </file>
 
 <file path=ppt/slideLayouts/slideLayout3.xml><?xml version="1.0" encoding="utf-8"?>
-<p:sldLayout xmlns:a="http://schemas.openxmlformats.org/drawingml/2006/main" xmlns:r="http://schemas.openxmlformats.org/officeDocument/2006/relationships" xmlns:p="http://schemas.openxmlformats.org/presentationml/2006/main" type="secHead" preserve="1">
+<p:sldLayout xmlns:a="http://schemas.openxmlformats.org/drawingml/2006/main" xmlns:r="http://schemas.openxmlformats.org/officeDocument/2006/relationships" xmlns:p="http://schemas.openxmlformats.org/presentationml/2006/main" showMasterSp="0" type="secHead" preserve="1">
   <p:cSld name="Section Header">
     <p:spTree>
       <p:nvGrpSpPr>
@@ -838,68 +4004,159 @@
       </p:grpSpPr>
       <p:sp>
         <p:nvSpPr>
-          <p:cNvPr id="2" name="Title 1"/>
-          <p:cNvSpPr>
-            <a:spLocks noGrp="1"/>
-          </p:cNvSpPr>
-          <p:nvPr>
-            <p:ph type="title"/>
-          </p:nvPr>
+          <p:cNvPr id="7" name="Rectangle 6"/>
+          <p:cNvSpPr/>
+          <p:nvPr/>
         </p:nvSpPr>
         <p:spPr>
           <a:xfrm>
-            <a:off x="831850" y="1709738"/>
-            <a:ext cx="10515600" cy="2852737"/>
+            <a:off x="3175" y="6400800"/>
+            <a:ext cx="12188825" cy="457200"/>
+          </a:xfrm>
+          <a:prstGeom prst="rect">
+            <a:avLst/>
+          </a:prstGeom>
+          <a:solidFill>
+            <a:schemeClr val="accent1">
+              <a:lumMod val="75000"/>
+            </a:schemeClr>
+          </a:solidFill>
+          <a:ln>
+            <a:noFill/>
+          </a:ln>
+        </p:spPr>
+        <p:style>
+          <a:lnRef idx="2">
+            <a:schemeClr val="accent1">
+              <a:shade val="50000"/>
+            </a:schemeClr>
+          </a:lnRef>
+          <a:fillRef idx="1">
+            <a:schemeClr val="accent1"/>
+          </a:fillRef>
+          <a:effectRef idx="0">
+            <a:schemeClr val="accent1"/>
+          </a:effectRef>
+          <a:fontRef idx="minor">
+            <a:schemeClr val="lt1"/>
+          </a:fontRef>
+        </p:style>
+      </p:sp>
+      <p:sp>
+        <p:nvSpPr>
+          <p:cNvPr id="8" name="Rectangle 7"/>
+          <p:cNvSpPr/>
+          <p:nvPr/>
+        </p:nvSpPr>
+        <p:spPr>
+          <a:xfrm>
+            <a:off x="15" y="6334316"/>
+            <a:ext cx="12188825" cy="64008"/>
+          </a:xfrm>
+          <a:prstGeom prst="rect">
+            <a:avLst/>
+          </a:prstGeom>
+          <a:solidFill>
+            <a:schemeClr val="accent1"/>
+          </a:solidFill>
+          <a:ln>
+            <a:noFill/>
+          </a:ln>
+        </p:spPr>
+        <p:style>
+          <a:lnRef idx="2">
+            <a:schemeClr val="accent1">
+              <a:shade val="50000"/>
+            </a:schemeClr>
+          </a:lnRef>
+          <a:fillRef idx="1">
+            <a:schemeClr val="accent1"/>
+          </a:fillRef>
+          <a:effectRef idx="0">
+            <a:schemeClr val="accent1"/>
+          </a:effectRef>
+          <a:fontRef idx="minor">
+            <a:schemeClr val="lt1"/>
+          </a:fontRef>
+        </p:style>
+      </p:sp>
+      <p:sp>
+        <p:nvSpPr>
+          <p:cNvPr id="2" name="Title 1"/>
+          <p:cNvSpPr>
+            <a:spLocks noGrp="1"/>
+          </p:cNvSpPr>
+          <p:nvPr>
+            <p:ph type="title"/>
+          </p:nvPr>
+        </p:nvSpPr>
+        <p:spPr>
+          <a:xfrm>
+            <a:off x="1097280" y="758952"/>
+            <a:ext cx="10058400" cy="3566160"/>
           </a:xfrm>
         </p:spPr>
         <p:txBody>
-          <a:bodyPr anchor="b"/>
+          <a:bodyPr anchor="b" anchorCtr="0">
+            <a:normAutofit/>
+          </a:bodyPr>
           <a:lstStyle>
             <a:lvl1pPr>
-              <a:defRPr sz="6000"/>
-            </a:lvl1pPr>
-          </a:lstStyle>
-          <a:p>
-            <a:r>
-              <a:rPr lang="en-US"/>
-              <a:t>Click to edit Master title style</a:t>
-            </a:r>
-            <a:endParaRPr lang="en-US" dirty="0"/>
-          </a:p>
-        </p:txBody>
-      </p:sp>
-      <p:sp>
-        <p:nvSpPr>
-          <p:cNvPr id="3" name="Text Placeholder 2"/>
-          <p:cNvSpPr>
-            <a:spLocks noGrp="1"/>
-          </p:cNvSpPr>
-          <p:nvPr>
-            <p:ph type="body" idx="1"/>
-          </p:nvPr>
-        </p:nvSpPr>
-        <p:spPr>
-          <a:xfrm>
-            <a:off x="831850" y="4589463"/>
-            <a:ext cx="10515600" cy="1500187"/>
-          </a:xfrm>
-        </p:spPr>
-        <p:txBody>
-          <a:bodyPr/>
-          <a:lstStyle>
-            <a:lvl1pPr marL="0" indent="0">
-              <a:buNone/>
-              <a:defRPr sz="2400">
+              <a:lnSpc>
+                <a:spcPct val="85000"/>
+              </a:lnSpc>
+              <a:defRPr sz="8000" b="0">
                 <a:solidFill>
                   <a:schemeClr val="tx1">
-                    <a:tint val="75000"/>
+                    <a:lumMod val="85000"/>
+                    <a:lumOff val="15000"/>
                   </a:schemeClr>
                 </a:solidFill>
               </a:defRPr>
             </a:lvl1pPr>
+          </a:lstStyle>
+          <a:p>
+            <a:r>
+              <a:rPr lang="en-US"/>
+              <a:t>Click to edit Master title style</a:t>
+            </a:r>
+            <a:endParaRPr lang="en-US" dirty="0"/>
+          </a:p>
+        </p:txBody>
+      </p:sp>
+      <p:sp>
+        <p:nvSpPr>
+          <p:cNvPr id="3" name="Text Placeholder 2"/>
+          <p:cNvSpPr>
+            <a:spLocks noGrp="1"/>
+          </p:cNvSpPr>
+          <p:nvPr>
+            <p:ph type="body" idx="1"/>
+          </p:nvPr>
+        </p:nvSpPr>
+        <p:spPr>
+          <a:xfrm>
+            <a:off x="1097280" y="4453128"/>
+            <a:ext cx="10058400" cy="1143000"/>
+          </a:xfrm>
+        </p:spPr>
+        <p:txBody>
+          <a:bodyPr lIns="91440" rIns="91440" anchor="t" anchorCtr="0">
+            <a:normAutofit/>
+          </a:bodyPr>
+          <a:lstStyle>
+            <a:lvl1pPr marL="0" indent="0">
+              <a:buNone/>
+              <a:defRPr sz="2400" cap="all" spc="200" baseline="0">
+                <a:solidFill>
+                  <a:schemeClr val="tx2"/>
+                </a:solidFill>
+                <a:latin typeface="+mj-lt"/>
+              </a:defRPr>
+            </a:lvl1pPr>
             <a:lvl2pPr marL="457200" indent="0">
               <a:buNone/>
-              <a:defRPr sz="2000">
+              <a:defRPr sz="1800">
                 <a:solidFill>
                   <a:schemeClr val="tx1">
                     <a:tint val="75000"/>
@@ -909,7 +4166,7 @@
             </a:lvl2pPr>
             <a:lvl3pPr marL="914400" indent="0">
               <a:buNone/>
-              <a:defRPr sz="1800">
+              <a:defRPr sz="1600">
                 <a:solidFill>
                   <a:schemeClr val="tx1">
                     <a:tint val="75000"/>
@@ -919,7 +4176,7 @@
             </a:lvl3pPr>
             <a:lvl4pPr marL="1371600" indent="0">
               <a:buNone/>
-              <a:defRPr sz="1600">
+              <a:defRPr sz="1400">
                 <a:solidFill>
                   <a:schemeClr val="tx1">
                     <a:tint val="75000"/>
@@ -929,7 +4186,7 @@
             </a:lvl4pPr>
             <a:lvl5pPr marL="1828800" indent="0">
               <a:buNone/>
-              <a:defRPr sz="1600">
+              <a:defRPr sz="1400">
                 <a:solidFill>
                   <a:schemeClr val="tx1">
                     <a:tint val="75000"/>
@@ -939,7 +4196,7 @@
             </a:lvl5pPr>
             <a:lvl6pPr marL="2286000" indent="0">
               <a:buNone/>
-              <a:defRPr sz="1600">
+              <a:defRPr sz="1400">
                 <a:solidFill>
                   <a:schemeClr val="tx1">
                     <a:tint val="75000"/>
@@ -949,7 +4206,7 @@
             </a:lvl6pPr>
             <a:lvl7pPr marL="2743200" indent="0">
               <a:buNone/>
-              <a:defRPr sz="1600">
+              <a:defRPr sz="1400">
                 <a:solidFill>
                   <a:schemeClr val="tx1">
                     <a:tint val="75000"/>
@@ -959,7 +4216,7 @@
             </a:lvl7pPr>
             <a:lvl8pPr marL="3200400" indent="0">
               <a:buNone/>
-              <a:defRPr sz="1600">
+              <a:defRPr sz="1400">
                 <a:solidFill>
                   <a:schemeClr val="tx1">
                     <a:tint val="75000"/>
@@ -969,7 +4226,7 @@
             </a:lvl8pPr>
             <a:lvl9pPr marL="3657600" indent="0">
               <a:buNone/>
-              <a:defRPr sz="1600">
+              <a:defRPr sz="1400">
                 <a:solidFill>
                   <a:schemeClr val="tx1">
                     <a:tint val="75000"/>
@@ -1004,7 +4261,7 @@
           <a:p>
             <a:fld id="{87AD7A9C-0B6C-41F8-9955-659C1CA2BF56}" type="datetimeFigureOut">
               <a:rPr lang="en-US" smtClean="0"/>
-              <a:t>8/30/2021</a:t>
+              <a:t>9/22/2021</a:t>
             </a:fld>
             <a:endParaRPr lang="en-US"/>
           </a:p>
@@ -1052,10 +4309,48 @@
           </a:p>
         </p:txBody>
       </p:sp>
+      <p:cxnSp>
+        <p:nvCxnSpPr>
+          <p:cNvPr id="9" name="Straight Connector 8"/>
+          <p:cNvCxnSpPr/>
+          <p:nvPr/>
+        </p:nvCxnSpPr>
+        <p:spPr>
+          <a:xfrm>
+            <a:off x="1207658" y="4343400"/>
+            <a:ext cx="9875520" cy="0"/>
+          </a:xfrm>
+          <a:prstGeom prst="line">
+            <a:avLst/>
+          </a:prstGeom>
+          <a:ln w="6350">
+            <a:solidFill>
+              <a:schemeClr val="tx1">
+                <a:lumMod val="50000"/>
+                <a:lumOff val="50000"/>
+              </a:schemeClr>
+            </a:solidFill>
+          </a:ln>
+        </p:spPr>
+        <p:style>
+          <a:lnRef idx="1">
+            <a:schemeClr val="accent1"/>
+          </a:lnRef>
+          <a:fillRef idx="0">
+            <a:schemeClr val="accent1"/>
+          </a:fillRef>
+          <a:effectRef idx="0">
+            <a:schemeClr val="accent1"/>
+          </a:effectRef>
+          <a:fontRef idx="minor">
+            <a:schemeClr val="tx1"/>
+          </a:fontRef>
+        </p:style>
+      </p:cxnSp>
     </p:spTree>
     <p:extLst>
       <p:ext uri="{BB962C8B-B14F-4D97-AF65-F5344CB8AC3E}">
-        <p14:creationId xmlns:p14="http://schemas.microsoft.com/office/powerpoint/2010/main" val="653863544"/>
+        <p14:creationId xmlns:p14="http://schemas.microsoft.com/office/powerpoint/2010/main" val="991686374"/>
       </p:ext>
     </p:extLst>
   </p:cSld>
@@ -1084,79 +4379,27 @@
       </p:grpSpPr>
       <p:sp>
         <p:nvSpPr>
-          <p:cNvPr id="2" name="Title 1"/>
+          <p:cNvPr id="8" name="Title 7"/>
           <p:cNvSpPr>
             <a:spLocks noGrp="1"/>
           </p:cNvSpPr>
           <p:nvPr>
             <p:ph type="title"/>
-          </p:nvPr>
-        </p:nvSpPr>
-        <p:spPr/>
-        <p:txBody>
-          <a:bodyPr/>
-          <a:lstStyle/>
-          <a:p>
-            <a:r>
-              <a:rPr lang="en-US"/>
-              <a:t>Click to edit Master title style</a:t>
-            </a:r>
-            <a:endParaRPr lang="en-US" dirty="0"/>
-          </a:p>
-        </p:txBody>
-      </p:sp>
-      <p:sp>
-        <p:nvSpPr>
-          <p:cNvPr id="3" name="Content Placeholder 2"/>
-          <p:cNvSpPr>
-            <a:spLocks noGrp="1"/>
-          </p:cNvSpPr>
-          <p:nvPr>
-            <p:ph sz="half" idx="1"/>
           </p:nvPr>
         </p:nvSpPr>
         <p:spPr>
           <a:xfrm>
-            <a:off x="838200" y="1825625"/>
-            <a:ext cx="5181600" cy="4351338"/>
+            <a:off x="1097280" y="286603"/>
+            <a:ext cx="10058400" cy="1450757"/>
           </a:xfrm>
         </p:spPr>
         <p:txBody>
           <a:bodyPr/>
           <a:lstStyle/>
           <a:p>
-            <a:pPr lvl="0"/>
-            <a:r>
-              <a:rPr lang="en-US"/>
-              <a:t>Click to edit Master text styles</a:t>
-            </a:r>
-          </a:p>
-          <a:p>
-            <a:pPr lvl="1"/>
-            <a:r>
-              <a:rPr lang="en-US"/>
-              <a:t>Second level</a:t>
-            </a:r>
-          </a:p>
-          <a:p>
-            <a:pPr lvl="2"/>
-            <a:r>
-              <a:rPr lang="en-US"/>
-              <a:t>Third level</a:t>
-            </a:r>
-          </a:p>
-          <a:p>
-            <a:pPr lvl="3"/>
-            <a:r>
-              <a:rPr lang="en-US"/>
-              <a:t>Fourth level</a:t>
-            </a:r>
-          </a:p>
-          <a:p>
-            <a:pPr lvl="4"/>
-            <a:r>
-              <a:rPr lang="en-US"/>
-              <a:t>Fifth level</a:t>
+            <a:r>
+              <a:rPr lang="en-US"/>
+              <a:t>Click to edit Master title style</a:t>
             </a:r>
             <a:endParaRPr lang="en-US" dirty="0"/>
           </a:p>
@@ -1164,18 +4407,18 @@
       </p:sp>
       <p:sp>
         <p:nvSpPr>
-          <p:cNvPr id="4" name="Content Placeholder 3"/>
-          <p:cNvSpPr>
-            <a:spLocks noGrp="1"/>
-          </p:cNvSpPr>
-          <p:nvPr>
-            <p:ph sz="half" idx="2"/>
+          <p:cNvPr id="3" name="Content Placeholder 2"/>
+          <p:cNvSpPr>
+            <a:spLocks noGrp="1"/>
+          </p:cNvSpPr>
+          <p:nvPr>
+            <p:ph sz="half" idx="1"/>
           </p:nvPr>
         </p:nvSpPr>
         <p:spPr>
           <a:xfrm>
-            <a:off x="6172200" y="1825625"/>
-            <a:ext cx="5181600" cy="4351338"/>
+            <a:off x="1097278" y="1845734"/>
+            <a:ext cx="4937760" cy="4023359"/>
           </a:xfrm>
         </p:spPr>
         <p:txBody>
@@ -1221,6 +4464,63 @@
       </p:sp>
       <p:sp>
         <p:nvSpPr>
+          <p:cNvPr id="4" name="Content Placeholder 3"/>
+          <p:cNvSpPr>
+            <a:spLocks noGrp="1"/>
+          </p:cNvSpPr>
+          <p:nvPr>
+            <p:ph sz="half" idx="2"/>
+          </p:nvPr>
+        </p:nvSpPr>
+        <p:spPr>
+          <a:xfrm>
+            <a:off x="6217920" y="1845735"/>
+            <a:ext cx="4937760" cy="4023360"/>
+          </a:xfrm>
+        </p:spPr>
+        <p:txBody>
+          <a:bodyPr/>
+          <a:lstStyle/>
+          <a:p>
+            <a:pPr lvl="0"/>
+            <a:r>
+              <a:rPr lang="en-US"/>
+              <a:t>Click to edit Master text styles</a:t>
+            </a:r>
+          </a:p>
+          <a:p>
+            <a:pPr lvl="1"/>
+            <a:r>
+              <a:rPr lang="en-US"/>
+              <a:t>Second level</a:t>
+            </a:r>
+          </a:p>
+          <a:p>
+            <a:pPr lvl="2"/>
+            <a:r>
+              <a:rPr lang="en-US"/>
+              <a:t>Third level</a:t>
+            </a:r>
+          </a:p>
+          <a:p>
+            <a:pPr lvl="3"/>
+            <a:r>
+              <a:rPr lang="en-US"/>
+              <a:t>Fourth level</a:t>
+            </a:r>
+          </a:p>
+          <a:p>
+            <a:pPr lvl="4"/>
+            <a:r>
+              <a:rPr lang="en-US"/>
+              <a:t>Fifth level</a:t>
+            </a:r>
+            <a:endParaRPr lang="en-US" dirty="0"/>
+          </a:p>
+        </p:txBody>
+      </p:sp>
+      <p:sp>
+        <p:nvSpPr>
           <p:cNvPr id="5" name="Date Placeholder 4"/>
           <p:cNvSpPr>
             <a:spLocks noGrp="1"/>
@@ -1236,7 +4536,7 @@
           <a:p>
             <a:fld id="{87AD7A9C-0B6C-41F8-9955-659C1CA2BF56}" type="datetimeFigureOut">
               <a:rPr lang="en-US" smtClean="0"/>
-              <a:t>8/30/2021</a:t>
+              <a:t>9/22/2021</a:t>
             </a:fld>
             <a:endParaRPr lang="en-US"/>
           </a:p>
@@ -1287,7 +4587,7 @@
     </p:spTree>
     <p:extLst>
       <p:ext uri="{BB962C8B-B14F-4D97-AF65-F5344CB8AC3E}">
-        <p14:creationId xmlns:p14="http://schemas.microsoft.com/office/powerpoint/2010/main" val="4219458166"/>
+        <p14:creationId xmlns:p14="http://schemas.microsoft.com/office/powerpoint/2010/main" val="1223630454"/>
       </p:ext>
     </p:extLst>
   </p:cSld>
@@ -1316,7 +4616,7 @@
       </p:grpSpPr>
       <p:sp>
         <p:nvSpPr>
-          <p:cNvPr id="2" name="Title 1"/>
+          <p:cNvPr id="10" name="Title 9"/>
           <p:cNvSpPr>
             <a:spLocks noGrp="1"/>
           </p:cNvSpPr>
@@ -1326,8 +4626,8 @@
         </p:nvSpPr>
         <p:spPr>
           <a:xfrm>
-            <a:off x="839788" y="365125"/>
-            <a:ext cx="10515600" cy="1325563"/>
+            <a:off x="1097280" y="286603"/>
+            <a:ext cx="10058400" cy="1450757"/>
           </a:xfrm>
         </p:spPr>
         <p:txBody>
@@ -1354,16 +4654,24 @@
         </p:nvSpPr>
         <p:spPr>
           <a:xfrm>
-            <a:off x="839788" y="1681163"/>
-            <a:ext cx="5157787" cy="823912"/>
+            <a:off x="1097280" y="1846052"/>
+            <a:ext cx="4937760" cy="736282"/>
           </a:xfrm>
         </p:spPr>
         <p:txBody>
-          <a:bodyPr anchor="b"/>
+          <a:bodyPr lIns="91440" rIns="91440" anchor="ctr">
+            <a:normAutofit/>
+          </a:bodyPr>
           <a:lstStyle>
             <a:lvl1pPr marL="0" indent="0">
               <a:buNone/>
-              <a:defRPr sz="2400" b="1"/>
+              <a:defRPr sz="2000" b="0" cap="all" baseline="0">
+                <a:solidFill>
+                  <a:schemeClr val="tx2">
+                    <a:lumMod val="90000"/>
+                  </a:schemeClr>
+                </a:solidFill>
+              </a:defRPr>
             </a:lvl1pPr>
             <a:lvl2pPr marL="457200" indent="0">
               <a:buNone/>
@@ -1419,8 +4727,8 @@
         </p:nvSpPr>
         <p:spPr>
           <a:xfrm>
-            <a:off x="839788" y="2505075"/>
-            <a:ext cx="5157787" cy="3684588"/>
+            <a:off x="1097280" y="2582334"/>
+            <a:ext cx="4937760" cy="3378200"/>
           </a:xfrm>
         </p:spPr>
         <p:txBody>
@@ -1476,16 +4784,24 @@
         </p:nvSpPr>
         <p:spPr>
           <a:xfrm>
-            <a:off x="6172200" y="1681163"/>
-            <a:ext cx="5183188" cy="823912"/>
+            <a:off x="6217920" y="1846052"/>
+            <a:ext cx="4937760" cy="736282"/>
           </a:xfrm>
         </p:spPr>
         <p:txBody>
-          <a:bodyPr anchor="b"/>
+          <a:bodyPr lIns="91440" rIns="91440" anchor="ctr">
+            <a:normAutofit/>
+          </a:bodyPr>
           <a:lstStyle>
             <a:lvl1pPr marL="0" indent="0">
               <a:buNone/>
-              <a:defRPr sz="2400" b="1"/>
+              <a:defRPr sz="2000" b="0" cap="all" baseline="0">
+                <a:solidFill>
+                  <a:schemeClr val="tx2">
+                    <a:lumMod val="90000"/>
+                  </a:schemeClr>
+                </a:solidFill>
+              </a:defRPr>
             </a:lvl1pPr>
             <a:lvl2pPr marL="457200" indent="0">
               <a:buNone/>
@@ -1541,8 +4857,8 @@
         </p:nvSpPr>
         <p:spPr>
           <a:xfrm>
-            <a:off x="6172200" y="2505075"/>
-            <a:ext cx="5183188" cy="3684588"/>
+            <a:off x="6217920" y="2582334"/>
+            <a:ext cx="4937760" cy="3378200"/>
           </a:xfrm>
         </p:spPr>
         <p:txBody>
@@ -1603,7 +4919,7 @@
           <a:p>
             <a:fld id="{87AD7A9C-0B6C-41F8-9955-659C1CA2BF56}" type="datetimeFigureOut">
               <a:rPr lang="en-US" smtClean="0"/>
-              <a:t>8/30/2021</a:t>
+              <a:t>9/22/2021</a:t>
             </a:fld>
             <a:endParaRPr lang="en-US"/>
           </a:p>
@@ -1654,7 +4970,7 @@
     </p:spTree>
     <p:extLst>
       <p:ext uri="{BB962C8B-B14F-4D97-AF65-F5344CB8AC3E}">
-        <p14:creationId xmlns:p14="http://schemas.microsoft.com/office/powerpoint/2010/main" val="2664542709"/>
+        <p14:creationId xmlns:p14="http://schemas.microsoft.com/office/powerpoint/2010/main" val="2063748152"/>
       </p:ext>
     </p:extLst>
   </p:cSld>
@@ -1721,7 +5037,7 @@
           <a:p>
             <a:fld id="{87AD7A9C-0B6C-41F8-9955-659C1CA2BF56}" type="datetimeFigureOut">
               <a:rPr lang="en-US" smtClean="0"/>
-              <a:t>8/30/2021</a:t>
+              <a:t>9/22/2021</a:t>
             </a:fld>
             <a:endParaRPr lang="en-US"/>
           </a:p>
@@ -1772,7 +5088,7 @@
     </p:spTree>
     <p:extLst>
       <p:ext uri="{BB962C8B-B14F-4D97-AF65-F5344CB8AC3E}">
-        <p14:creationId xmlns:p14="http://schemas.microsoft.com/office/powerpoint/2010/main" val="2646089088"/>
+        <p14:creationId xmlns:p14="http://schemas.microsoft.com/office/powerpoint/2010/main" val="649280758"/>
       </p:ext>
     </p:extLst>
   </p:cSld>
@@ -1783,7 +5099,7 @@
 </file>
 
 <file path=ppt/slideLayouts/slideLayout7.xml><?xml version="1.0" encoding="utf-8"?>
-<p:sldLayout xmlns:a="http://schemas.openxmlformats.org/drawingml/2006/main" xmlns:r="http://schemas.openxmlformats.org/officeDocument/2006/relationships" xmlns:p="http://schemas.openxmlformats.org/presentationml/2006/main" type="blank" preserve="1">
+<p:sldLayout xmlns:a="http://schemas.openxmlformats.org/drawingml/2006/main" xmlns:r="http://schemas.openxmlformats.org/officeDocument/2006/relationships" xmlns:p="http://schemas.openxmlformats.org/presentationml/2006/main" showMasterSp="0" type="blank" preserve="1">
   <p:cSld name="Blank">
     <p:spTree>
       <p:nvGrpSpPr>
@@ -1801,7 +5117,85 @@
       </p:grpSpPr>
       <p:sp>
         <p:nvSpPr>
-          <p:cNvPr id="2" name="Date Placeholder 1"/>
+          <p:cNvPr id="5" name="Rectangle 4"/>
+          <p:cNvSpPr/>
+          <p:nvPr/>
+        </p:nvSpPr>
+        <p:spPr>
+          <a:xfrm>
+            <a:off x="3175" y="6400800"/>
+            <a:ext cx="12188825" cy="457200"/>
+          </a:xfrm>
+          <a:prstGeom prst="rect">
+            <a:avLst/>
+          </a:prstGeom>
+          <a:solidFill>
+            <a:schemeClr val="accent1">
+              <a:lumMod val="75000"/>
+            </a:schemeClr>
+          </a:solidFill>
+          <a:ln>
+            <a:noFill/>
+          </a:ln>
+        </p:spPr>
+        <p:style>
+          <a:lnRef idx="2">
+            <a:schemeClr val="accent1">
+              <a:shade val="50000"/>
+            </a:schemeClr>
+          </a:lnRef>
+          <a:fillRef idx="1">
+            <a:schemeClr val="accent1"/>
+          </a:fillRef>
+          <a:effectRef idx="0">
+            <a:schemeClr val="accent1"/>
+          </a:effectRef>
+          <a:fontRef idx="minor">
+            <a:schemeClr val="lt1"/>
+          </a:fontRef>
+        </p:style>
+      </p:sp>
+      <p:sp>
+        <p:nvSpPr>
+          <p:cNvPr id="6" name="Rectangle 5"/>
+          <p:cNvSpPr/>
+          <p:nvPr/>
+        </p:nvSpPr>
+        <p:spPr>
+          <a:xfrm>
+            <a:off x="15" y="6334316"/>
+            <a:ext cx="12188825" cy="64008"/>
+          </a:xfrm>
+          <a:prstGeom prst="rect">
+            <a:avLst/>
+          </a:prstGeom>
+          <a:solidFill>
+            <a:schemeClr val="accent1"/>
+          </a:solidFill>
+          <a:ln>
+            <a:noFill/>
+          </a:ln>
+        </p:spPr>
+        <p:style>
+          <a:lnRef idx="2">
+            <a:schemeClr val="accent1">
+              <a:shade val="50000"/>
+            </a:schemeClr>
+          </a:lnRef>
+          <a:fillRef idx="1">
+            <a:schemeClr val="accent1"/>
+          </a:fillRef>
+          <a:effectRef idx="0">
+            <a:schemeClr val="accent1"/>
+          </a:effectRef>
+          <a:fontRef idx="minor">
+            <a:schemeClr val="lt1"/>
+          </a:fontRef>
+        </p:style>
+      </p:sp>
+      <p:sp>
+        <p:nvSpPr>
+          <p:cNvPr id="7" name="Date Placeholder 6"/>
           <p:cNvSpPr>
             <a:spLocks noGrp="1"/>
           </p:cNvSpPr>
@@ -1816,7 +5210,7 @@
           <a:p>
             <a:fld id="{87AD7A9C-0B6C-41F8-9955-659C1CA2BF56}" type="datetimeFigureOut">
               <a:rPr lang="en-US" smtClean="0"/>
-              <a:t>8/30/2021</a:t>
+              <a:t>9/22/2021</a:t>
             </a:fld>
             <a:endParaRPr lang="en-US"/>
           </a:p>
@@ -1824,7 +5218,7 @@
       </p:sp>
       <p:sp>
         <p:nvSpPr>
-          <p:cNvPr id="3" name="Footer Placeholder 2"/>
+          <p:cNvPr id="8" name="Footer Placeholder 7"/>
           <p:cNvSpPr>
             <a:spLocks noGrp="1"/>
           </p:cNvSpPr>
@@ -1835,7 +5229,15 @@
         <p:spPr/>
         <p:txBody>
           <a:bodyPr/>
-          <a:lstStyle/>
+          <a:lstStyle>
+            <a:lvl1pPr>
+              <a:defRPr>
+                <a:solidFill>
+                  <a:srgbClr val="FFFFFF"/>
+                </a:solidFill>
+              </a:defRPr>
+            </a:lvl1pPr>
+          </a:lstStyle>
           <a:p>
             <a:endParaRPr lang="en-US"/>
           </a:p>
@@ -1843,7 +5245,7 @@
       </p:sp>
       <p:sp>
         <p:nvSpPr>
-          <p:cNvPr id="4" name="Slide Number Placeholder 3"/>
+          <p:cNvPr id="9" name="Slide Number Placeholder 8"/>
           <p:cNvSpPr>
             <a:spLocks noGrp="1"/>
           </p:cNvSpPr>
@@ -1867,7 +5269,7 @@
     </p:spTree>
     <p:extLst>
       <p:ext uri="{BB962C8B-B14F-4D97-AF65-F5344CB8AC3E}">
-        <p14:creationId xmlns:p14="http://schemas.microsoft.com/office/powerpoint/2010/main" val="340875183"/>
+        <p14:creationId xmlns:p14="http://schemas.microsoft.com/office/powerpoint/2010/main" val="3768165913"/>
       </p:ext>
     </p:extLst>
   </p:cSld>
@@ -1878,7 +5280,7 @@
 </file>
 
 <file path=ppt/slideLayouts/slideLayout8.xml><?xml version="1.0" encoding="utf-8"?>
-<p:sldLayout xmlns:a="http://schemas.openxmlformats.org/drawingml/2006/main" xmlns:r="http://schemas.openxmlformats.org/officeDocument/2006/relationships" xmlns:p="http://schemas.openxmlformats.org/presentationml/2006/main" type="objTx" preserve="1">
+<p:sldLayout xmlns:a="http://schemas.openxmlformats.org/drawingml/2006/main" xmlns:r="http://schemas.openxmlformats.org/officeDocument/2006/relationships" xmlns:p="http://schemas.openxmlformats.org/presentationml/2006/main" showMasterSp="0" type="objTx" preserve="1">
   <p:cSld name="Content with Caption">
     <p:spTree>
       <p:nvGrpSpPr>
@@ -1896,25 +5298,109 @@
       </p:grpSpPr>
       <p:sp>
         <p:nvSpPr>
-          <p:cNvPr id="2" name="Title 1"/>
-          <p:cNvSpPr>
-            <a:spLocks noGrp="1"/>
-          </p:cNvSpPr>
-          <p:nvPr>
-            <p:ph type="title"/>
-          </p:nvPr>
+          <p:cNvPr id="8" name="Rectangle 7"/>
+          <p:cNvSpPr/>
+          <p:nvPr/>
         </p:nvSpPr>
         <p:spPr>
           <a:xfrm>
-            <a:off x="839788" y="457200"/>
-            <a:ext cx="3932237" cy="1600200"/>
+            <a:off x="0" y="0"/>
+            <a:ext cx="4050791" cy="6858000"/>
+          </a:xfrm>
+          <a:prstGeom prst="rect">
+            <a:avLst/>
+          </a:prstGeom>
+          <a:solidFill>
+            <a:schemeClr val="accent1">
+              <a:lumMod val="75000"/>
+            </a:schemeClr>
+          </a:solidFill>
+          <a:ln>
+            <a:noFill/>
+          </a:ln>
+        </p:spPr>
+        <p:style>
+          <a:lnRef idx="2">
+            <a:schemeClr val="accent1">
+              <a:shade val="50000"/>
+            </a:schemeClr>
+          </a:lnRef>
+          <a:fillRef idx="1">
+            <a:schemeClr val="accent1"/>
+          </a:fillRef>
+          <a:effectRef idx="0">
+            <a:schemeClr val="accent1"/>
+          </a:effectRef>
+          <a:fontRef idx="minor">
+            <a:schemeClr val="lt1"/>
+          </a:fontRef>
+        </p:style>
+      </p:sp>
+      <p:sp>
+        <p:nvSpPr>
+          <p:cNvPr id="9" name="Rectangle 8"/>
+          <p:cNvSpPr/>
+          <p:nvPr/>
+        </p:nvSpPr>
+        <p:spPr>
+          <a:xfrm>
+            <a:off x="4040071" y="0"/>
+            <a:ext cx="64008" cy="6858000"/>
+          </a:xfrm>
+          <a:prstGeom prst="rect">
+            <a:avLst/>
+          </a:prstGeom>
+          <a:solidFill>
+            <a:schemeClr val="accent1"/>
+          </a:solidFill>
+          <a:ln>
+            <a:noFill/>
+          </a:ln>
+        </p:spPr>
+        <p:style>
+          <a:lnRef idx="2">
+            <a:schemeClr val="accent1">
+              <a:shade val="50000"/>
+            </a:schemeClr>
+          </a:lnRef>
+          <a:fillRef idx="1">
+            <a:schemeClr val="accent1"/>
+          </a:fillRef>
+          <a:effectRef idx="0">
+            <a:schemeClr val="accent1"/>
+          </a:effectRef>
+          <a:fontRef idx="minor">
+            <a:schemeClr val="lt1"/>
+          </a:fontRef>
+        </p:style>
+      </p:sp>
+      <p:sp>
+        <p:nvSpPr>
+          <p:cNvPr id="2" name="Title 1"/>
+          <p:cNvSpPr>
+            <a:spLocks noGrp="1"/>
+          </p:cNvSpPr>
+          <p:nvPr>
+            <p:ph type="title"/>
+          </p:nvPr>
+        </p:nvSpPr>
+        <p:spPr>
+          <a:xfrm>
+            <a:off x="457200" y="594359"/>
+            <a:ext cx="3200400" cy="2286000"/>
           </a:xfrm>
         </p:spPr>
         <p:txBody>
-          <a:bodyPr anchor="b"/>
+          <a:bodyPr anchor="b">
+            <a:normAutofit/>
+          </a:bodyPr>
           <a:lstStyle>
             <a:lvl1pPr>
-              <a:defRPr sz="3200"/>
+              <a:defRPr sz="3600" b="0">
+                <a:solidFill>
+                  <a:srgbClr val="FFFFFF"/>
+                </a:solidFill>
+              </a:defRPr>
             </a:lvl1pPr>
           </a:lstStyle>
           <a:p>
@@ -1938,200 +5424,208 @@
         </p:nvSpPr>
         <p:spPr>
           <a:xfrm>
-            <a:off x="5183188" y="987425"/>
-            <a:ext cx="6172200" cy="4873625"/>
+            <a:off x="4800600" y="731520"/>
+            <a:ext cx="6492240" cy="5257800"/>
           </a:xfrm>
         </p:spPr>
         <p:txBody>
           <a:bodyPr/>
+          <a:lstStyle/>
+          <a:p>
+            <a:pPr lvl="0"/>
+            <a:r>
+              <a:rPr lang="en-US"/>
+              <a:t>Click to edit Master text styles</a:t>
+            </a:r>
+          </a:p>
+          <a:p>
+            <a:pPr lvl="1"/>
+            <a:r>
+              <a:rPr lang="en-US"/>
+              <a:t>Second level</a:t>
+            </a:r>
+          </a:p>
+          <a:p>
+            <a:pPr lvl="2"/>
+            <a:r>
+              <a:rPr lang="en-US"/>
+              <a:t>Third level</a:t>
+            </a:r>
+          </a:p>
+          <a:p>
+            <a:pPr lvl="3"/>
+            <a:r>
+              <a:rPr lang="en-US"/>
+              <a:t>Fourth level</a:t>
+            </a:r>
+          </a:p>
+          <a:p>
+            <a:pPr lvl="4"/>
+            <a:r>
+              <a:rPr lang="en-US"/>
+              <a:t>Fifth level</a:t>
+            </a:r>
+            <a:endParaRPr lang="en-US" dirty="0"/>
+          </a:p>
+        </p:txBody>
+      </p:sp>
+      <p:sp>
+        <p:nvSpPr>
+          <p:cNvPr id="4" name="Text Placeholder 3"/>
+          <p:cNvSpPr>
+            <a:spLocks noGrp="1"/>
+          </p:cNvSpPr>
+          <p:nvPr>
+            <p:ph type="body" sz="half" idx="2"/>
+          </p:nvPr>
+        </p:nvSpPr>
+        <p:spPr>
+          <a:xfrm>
+            <a:off x="457200" y="2926080"/>
+            <a:ext cx="3200400" cy="3379124"/>
+          </a:xfrm>
+        </p:spPr>
+        <p:txBody>
+          <a:bodyPr lIns="91440" rIns="91440">
+            <a:normAutofit/>
+          </a:bodyPr>
+          <a:lstStyle>
+            <a:lvl1pPr marL="0" indent="0">
+              <a:buNone/>
+              <a:defRPr sz="1500">
+                <a:solidFill>
+                  <a:srgbClr val="FFFFFF"/>
+                </a:solidFill>
+              </a:defRPr>
+            </a:lvl1pPr>
+            <a:lvl2pPr marL="457200" indent="0">
+              <a:buNone/>
+              <a:defRPr sz="1200"/>
+            </a:lvl2pPr>
+            <a:lvl3pPr marL="914400" indent="0">
+              <a:buNone/>
+              <a:defRPr sz="1000"/>
+            </a:lvl3pPr>
+            <a:lvl4pPr marL="1371600" indent="0">
+              <a:buNone/>
+              <a:defRPr sz="900"/>
+            </a:lvl4pPr>
+            <a:lvl5pPr marL="1828800" indent="0">
+              <a:buNone/>
+              <a:defRPr sz="900"/>
+            </a:lvl5pPr>
+            <a:lvl6pPr marL="2286000" indent="0">
+              <a:buNone/>
+              <a:defRPr sz="900"/>
+            </a:lvl6pPr>
+            <a:lvl7pPr marL="2743200" indent="0">
+              <a:buNone/>
+              <a:defRPr sz="900"/>
+            </a:lvl7pPr>
+            <a:lvl8pPr marL="3200400" indent="0">
+              <a:buNone/>
+              <a:defRPr sz="900"/>
+            </a:lvl8pPr>
+            <a:lvl9pPr marL="3657600" indent="0">
+              <a:buNone/>
+              <a:defRPr sz="900"/>
+            </a:lvl9pPr>
+          </a:lstStyle>
+          <a:p>
+            <a:pPr lvl="0"/>
+            <a:r>
+              <a:rPr lang="en-US"/>
+              <a:t>Click to edit Master text styles</a:t>
+            </a:r>
+          </a:p>
+        </p:txBody>
+      </p:sp>
+      <p:sp>
+        <p:nvSpPr>
+          <p:cNvPr id="5" name="Date Placeholder 4"/>
+          <p:cNvSpPr>
+            <a:spLocks noGrp="1"/>
+          </p:cNvSpPr>
+          <p:nvPr>
+            <p:ph type="dt" sz="half" idx="10"/>
+          </p:nvPr>
+        </p:nvSpPr>
+        <p:spPr>
+          <a:xfrm>
+            <a:off x="465512" y="6459785"/>
+            <a:ext cx="2618510" cy="365125"/>
+          </a:xfrm>
+        </p:spPr>
+        <p:txBody>
+          <a:bodyPr/>
+          <a:lstStyle>
+            <a:lvl1pPr algn="l">
+              <a:defRPr/>
+            </a:lvl1pPr>
+          </a:lstStyle>
+          <a:p>
+            <a:fld id="{87AD7A9C-0B6C-41F8-9955-659C1CA2BF56}" type="datetimeFigureOut">
+              <a:rPr lang="en-US" smtClean="0"/>
+              <a:t>9/22/2021</a:t>
+            </a:fld>
+            <a:endParaRPr lang="en-US"/>
+          </a:p>
+        </p:txBody>
+      </p:sp>
+      <p:sp>
+        <p:nvSpPr>
+          <p:cNvPr id="6" name="Footer Placeholder 5"/>
+          <p:cNvSpPr>
+            <a:spLocks noGrp="1"/>
+          </p:cNvSpPr>
+          <p:nvPr>
+            <p:ph type="ftr" sz="quarter" idx="11"/>
+          </p:nvPr>
+        </p:nvSpPr>
+        <p:spPr>
+          <a:xfrm>
+            <a:off x="4800600" y="6459785"/>
+            <a:ext cx="4648200" cy="365125"/>
+          </a:xfrm>
+        </p:spPr>
+        <p:txBody>
+          <a:bodyPr/>
+          <a:lstStyle>
+            <a:lvl1pPr algn="l">
+              <a:defRPr>
+                <a:solidFill>
+                  <a:schemeClr val="tx2"/>
+                </a:solidFill>
+              </a:defRPr>
+            </a:lvl1pPr>
+          </a:lstStyle>
+          <a:p>
+            <a:endParaRPr lang="en-US"/>
+          </a:p>
+        </p:txBody>
+      </p:sp>
+      <p:sp>
+        <p:nvSpPr>
+          <p:cNvPr id="7" name="Slide Number Placeholder 6"/>
+          <p:cNvSpPr>
+            <a:spLocks noGrp="1"/>
+          </p:cNvSpPr>
+          <p:nvPr>
+            <p:ph type="sldNum" sz="quarter" idx="12"/>
+          </p:nvPr>
+        </p:nvSpPr>
+        <p:spPr/>
+        <p:txBody>
+          <a:bodyPr/>
           <a:lstStyle>
             <a:lvl1pPr>
-              <a:defRPr sz="3200"/>
+              <a:defRPr>
+                <a:solidFill>
+                  <a:schemeClr val="tx2"/>
+                </a:solidFill>
+              </a:defRPr>
             </a:lvl1pPr>
-            <a:lvl2pPr>
-              <a:defRPr sz="2800"/>
-            </a:lvl2pPr>
-            <a:lvl3pPr>
-              <a:defRPr sz="2400"/>
-            </a:lvl3pPr>
-            <a:lvl4pPr>
-              <a:defRPr sz="2000"/>
-            </a:lvl4pPr>
-            <a:lvl5pPr>
-              <a:defRPr sz="2000"/>
-            </a:lvl5pPr>
-            <a:lvl6pPr>
-              <a:defRPr sz="2000"/>
-            </a:lvl6pPr>
-            <a:lvl7pPr>
-              <a:defRPr sz="2000"/>
-            </a:lvl7pPr>
-            <a:lvl8pPr>
-              <a:defRPr sz="2000"/>
-            </a:lvl8pPr>
-            <a:lvl9pPr>
-              <a:defRPr sz="2000"/>
-            </a:lvl9pPr>
           </a:lstStyle>
-          <a:p>
-            <a:pPr lvl="0"/>
-            <a:r>
-              <a:rPr lang="en-US"/>
-              <a:t>Click to edit Master text styles</a:t>
-            </a:r>
-          </a:p>
-          <a:p>
-            <a:pPr lvl="1"/>
-            <a:r>
-              <a:rPr lang="en-US"/>
-              <a:t>Second level</a:t>
-            </a:r>
-          </a:p>
-          <a:p>
-            <a:pPr lvl="2"/>
-            <a:r>
-              <a:rPr lang="en-US"/>
-              <a:t>Third level</a:t>
-            </a:r>
-          </a:p>
-          <a:p>
-            <a:pPr lvl="3"/>
-            <a:r>
-              <a:rPr lang="en-US"/>
-              <a:t>Fourth level</a:t>
-            </a:r>
-          </a:p>
-          <a:p>
-            <a:pPr lvl="4"/>
-            <a:r>
-              <a:rPr lang="en-US"/>
-              <a:t>Fifth level</a:t>
-            </a:r>
-            <a:endParaRPr lang="en-US" dirty="0"/>
-          </a:p>
-        </p:txBody>
-      </p:sp>
-      <p:sp>
-        <p:nvSpPr>
-          <p:cNvPr id="4" name="Text Placeholder 3"/>
-          <p:cNvSpPr>
-            <a:spLocks noGrp="1"/>
-          </p:cNvSpPr>
-          <p:nvPr>
-            <p:ph type="body" sz="half" idx="2"/>
-          </p:nvPr>
-        </p:nvSpPr>
-        <p:spPr>
-          <a:xfrm>
-            <a:off x="839788" y="2057400"/>
-            <a:ext cx="3932237" cy="3811588"/>
-          </a:xfrm>
-        </p:spPr>
-        <p:txBody>
-          <a:bodyPr/>
-          <a:lstStyle>
-            <a:lvl1pPr marL="0" indent="0">
-              <a:buNone/>
-              <a:defRPr sz="1600"/>
-            </a:lvl1pPr>
-            <a:lvl2pPr marL="457200" indent="0">
-              <a:buNone/>
-              <a:defRPr sz="1400"/>
-            </a:lvl2pPr>
-            <a:lvl3pPr marL="914400" indent="0">
-              <a:buNone/>
-              <a:defRPr sz="1200"/>
-            </a:lvl3pPr>
-            <a:lvl4pPr marL="1371600" indent="0">
-              <a:buNone/>
-              <a:defRPr sz="1000"/>
-            </a:lvl4pPr>
-            <a:lvl5pPr marL="1828800" indent="0">
-              <a:buNone/>
-              <a:defRPr sz="1000"/>
-            </a:lvl5pPr>
-            <a:lvl6pPr marL="2286000" indent="0">
-              <a:buNone/>
-              <a:defRPr sz="1000"/>
-            </a:lvl6pPr>
-            <a:lvl7pPr marL="2743200" indent="0">
-              <a:buNone/>
-              <a:defRPr sz="1000"/>
-            </a:lvl7pPr>
-            <a:lvl8pPr marL="3200400" indent="0">
-              <a:buNone/>
-              <a:defRPr sz="1000"/>
-            </a:lvl8pPr>
-            <a:lvl9pPr marL="3657600" indent="0">
-              <a:buNone/>
-              <a:defRPr sz="1000"/>
-            </a:lvl9pPr>
-          </a:lstStyle>
-          <a:p>
-            <a:pPr lvl="0"/>
-            <a:r>
-              <a:rPr lang="en-US"/>
-              <a:t>Click to edit Master text styles</a:t>
-            </a:r>
-          </a:p>
-        </p:txBody>
-      </p:sp>
-      <p:sp>
-        <p:nvSpPr>
-          <p:cNvPr id="5" name="Date Placeholder 4"/>
-          <p:cNvSpPr>
-            <a:spLocks noGrp="1"/>
-          </p:cNvSpPr>
-          <p:nvPr>
-            <p:ph type="dt" sz="half" idx="10"/>
-          </p:nvPr>
-        </p:nvSpPr>
-        <p:spPr/>
-        <p:txBody>
-          <a:bodyPr/>
-          <a:lstStyle/>
-          <a:p>
-            <a:fld id="{87AD7A9C-0B6C-41F8-9955-659C1CA2BF56}" type="datetimeFigureOut">
-              <a:rPr lang="en-US" smtClean="0"/>
-              <a:t>8/30/2021</a:t>
-            </a:fld>
-            <a:endParaRPr lang="en-US"/>
-          </a:p>
-        </p:txBody>
-      </p:sp>
-      <p:sp>
-        <p:nvSpPr>
-          <p:cNvPr id="6" name="Footer Placeholder 5"/>
-          <p:cNvSpPr>
-            <a:spLocks noGrp="1"/>
-          </p:cNvSpPr>
-          <p:nvPr>
-            <p:ph type="ftr" sz="quarter" idx="11"/>
-          </p:nvPr>
-        </p:nvSpPr>
-        <p:spPr/>
-        <p:txBody>
-          <a:bodyPr/>
-          <a:lstStyle/>
-          <a:p>
-            <a:endParaRPr lang="en-US"/>
-          </a:p>
-        </p:txBody>
-      </p:sp>
-      <p:sp>
-        <p:nvSpPr>
-          <p:cNvPr id="7" name="Slide Number Placeholder 6"/>
-          <p:cNvSpPr>
-            <a:spLocks noGrp="1"/>
-          </p:cNvSpPr>
-          <p:nvPr>
-            <p:ph type="sldNum" sz="quarter" idx="12"/>
-          </p:nvPr>
-        </p:nvSpPr>
-        <p:spPr/>
-        <p:txBody>
-          <a:bodyPr/>
-          <a:lstStyle/>
           <a:p>
             <a:fld id="{AA01919C-7D96-4738-89EF-5C6BD7ADC6AB}" type="slidenum">
               <a:rPr lang="en-US" smtClean="0"/>
@@ -2144,7 +5638,7 @@
     </p:spTree>
     <p:extLst>
       <p:ext uri="{BB962C8B-B14F-4D97-AF65-F5344CB8AC3E}">
-        <p14:creationId xmlns:p14="http://schemas.microsoft.com/office/powerpoint/2010/main" val="2585830240"/>
+        <p14:creationId xmlns:p14="http://schemas.microsoft.com/office/powerpoint/2010/main" val="3278075729"/>
       </p:ext>
     </p:extLst>
   </p:cSld>
@@ -2155,7 +5649,7 @@
 </file>
 
 <file path=ppt/slideLayouts/slideLayout9.xml><?xml version="1.0" encoding="utf-8"?>
-<p:sldLayout xmlns:a="http://schemas.openxmlformats.org/drawingml/2006/main" xmlns:r="http://schemas.openxmlformats.org/officeDocument/2006/relationships" xmlns:p="http://schemas.openxmlformats.org/presentationml/2006/main" type="picTx" preserve="1">
+<p:sldLayout xmlns:a="http://schemas.openxmlformats.org/drawingml/2006/main" xmlns:r="http://schemas.openxmlformats.org/officeDocument/2006/relationships" xmlns:p="http://schemas.openxmlformats.org/presentationml/2006/main" showMasterSp="0" type="picTx" preserve="1">
   <p:cSld name="Picture with Caption">
     <p:spTree>
       <p:nvGrpSpPr>
@@ -2173,25 +5667,69 @@
       </p:grpSpPr>
       <p:sp>
         <p:nvSpPr>
-          <p:cNvPr id="2" name="Title 1"/>
-          <p:cNvSpPr>
-            <a:spLocks noGrp="1"/>
-          </p:cNvSpPr>
-          <p:nvPr>
-            <p:ph type="title"/>
-          </p:nvPr>
+          <p:cNvPr id="9" name="Rectangle 8"/>
+          <p:cNvSpPr/>
+          <p:nvPr/>
         </p:nvSpPr>
         <p:spPr>
           <a:xfrm>
-            <a:off x="839788" y="457200"/>
-            <a:ext cx="3932237" cy="1600200"/>
+            <a:off x="15" y="4915076"/>
+            <a:ext cx="12188825" cy="64008"/>
+          </a:xfrm>
+          <a:prstGeom prst="rect">
+            <a:avLst/>
+          </a:prstGeom>
+          <a:solidFill>
+            <a:schemeClr val="accent1"/>
+          </a:solidFill>
+          <a:ln>
+            <a:noFill/>
+          </a:ln>
+        </p:spPr>
+        <p:style>
+          <a:lnRef idx="2">
+            <a:schemeClr val="accent1">
+              <a:shade val="50000"/>
+            </a:schemeClr>
+          </a:lnRef>
+          <a:fillRef idx="1">
+            <a:schemeClr val="accent1"/>
+          </a:fillRef>
+          <a:effectRef idx="0">
+            <a:schemeClr val="accent1"/>
+          </a:effectRef>
+          <a:fontRef idx="minor">
+            <a:schemeClr val="lt1"/>
+          </a:fontRef>
+        </p:style>
+      </p:sp>
+      <p:sp>
+        <p:nvSpPr>
+          <p:cNvPr id="2" name="Title 1"/>
+          <p:cNvSpPr>
+            <a:spLocks noGrp="1"/>
+          </p:cNvSpPr>
+          <p:nvPr>
+            <p:ph type="title"/>
+          </p:nvPr>
+        </p:nvSpPr>
+        <p:spPr>
+          <a:xfrm>
+            <a:off x="1097280" y="5074920"/>
+            <a:ext cx="10113645" cy="822960"/>
           </a:xfrm>
         </p:spPr>
         <p:txBody>
-          <a:bodyPr anchor="b"/>
+          <a:bodyPr tIns="0" bIns="0" anchor="b">
+            <a:noAutofit/>
+          </a:bodyPr>
           <a:lstStyle>
             <a:lvl1pPr>
-              <a:defRPr sz="3200"/>
+              <a:defRPr sz="3600" b="0">
+                <a:solidFill>
+                  <a:schemeClr val="tx1"/>
+                </a:solidFill>
+              </a:defRPr>
             </a:lvl1pPr>
           </a:lstStyle>
           <a:p>
@@ -2215,12 +5753,18 @@
         </p:nvSpPr>
         <p:spPr>
           <a:xfrm>
-            <a:off x="5183188" y="987425"/>
-            <a:ext cx="6172200" cy="4873625"/>
+            <a:off x="15" y="0"/>
+            <a:ext cx="12191985" cy="4915076"/>
           </a:xfrm>
+          <a:solidFill>
+            <a:schemeClr val="bg1">
+              <a:lumMod val="50000"/>
+              <a:lumOff val="50000"/>
+            </a:schemeClr>
+          </a:solidFill>
         </p:spPr>
         <p:txBody>
-          <a:bodyPr anchor="t"/>
+          <a:bodyPr lIns="457200" tIns="457200" anchor="t"/>
           <a:lstStyle>
             <a:lvl1pPr marL="0" indent="0">
               <a:buNone/>
@@ -2280,48 +5824,60 @@
         </p:nvSpPr>
         <p:spPr>
           <a:xfrm>
-            <a:off x="839788" y="2057400"/>
-            <a:ext cx="3932237" cy="3811588"/>
+            <a:off x="1097280" y="5907024"/>
+            <a:ext cx="10113264" cy="594360"/>
           </a:xfrm>
         </p:spPr>
         <p:txBody>
-          <a:bodyPr/>
+          <a:bodyPr lIns="91440" tIns="0" rIns="91440" bIns="0">
+            <a:normAutofit/>
+          </a:bodyPr>
           <a:lstStyle>
             <a:lvl1pPr marL="0" indent="0">
-              <a:buNone/>
-              <a:defRPr sz="1600"/>
+              <a:spcBef>
+                <a:spcPts val="0"/>
+              </a:spcBef>
+              <a:spcAft>
+                <a:spcPts val="600"/>
+              </a:spcAft>
+              <a:buNone/>
+              <a:defRPr sz="1500">
+                <a:solidFill>
+                  <a:schemeClr val="tx1"/>
+                </a:solidFill>
+              </a:defRPr>
             </a:lvl1pPr>
             <a:lvl2pPr marL="457200" indent="0">
               <a:buNone/>
-              <a:defRPr sz="1400"/>
+              <a:defRPr sz="1200"/>
             </a:lvl2pPr>
             <a:lvl3pPr marL="914400" indent="0">
               <a:buNone/>
-              <a:defRPr sz="1200"/>
+              <a:defRPr sz="1000"/>
             </a:lvl3pPr>
             <a:lvl4pPr marL="1371600" indent="0">
               <a:buNone/>
-              <a:defRPr sz="1000"/>
+              <a:defRPr sz="900"/>
             </a:lvl4pPr>
             <a:lvl5pPr marL="1828800" indent="0">
               <a:buNone/>
-              <a:defRPr sz="1000"/>
+              <a:defRPr sz="900"/>
             </a:lvl5pPr>
             <a:lvl6pPr marL="2286000" indent="0">
               <a:buNone/>
-              <a:defRPr sz="1000"/>
+              <a:defRPr sz="900"/>
             </a:lvl6pPr>
             <a:lvl7pPr marL="2743200" indent="0">
               <a:buNone/>
-              <a:defRPr sz="1000"/>
+              <a:defRPr sz="900"/>
             </a:lvl7pPr>
             <a:lvl8pPr marL="3200400" indent="0">
               <a:buNone/>
-              <a:defRPr sz="1000"/>
+              <a:defRPr sz="900"/>
             </a:lvl8pPr>
             <a:lvl9pPr marL="3657600" indent="0">
               <a:buNone/>
-              <a:defRPr sz="1000"/>
+              <a:defRPr sz="900"/>
             </a:lvl9pPr>
           </a:lstStyle>
           <a:p>
@@ -2346,11 +5902,19 @@
         <p:spPr/>
         <p:txBody>
           <a:bodyPr/>
-          <a:lstStyle/>
+          <a:lstStyle>
+            <a:lvl1pPr>
+              <a:defRPr>
+                <a:solidFill>
+                  <a:schemeClr val="tx2"/>
+                </a:solidFill>
+              </a:defRPr>
+            </a:lvl1pPr>
+          </a:lstStyle>
           <a:p>
             <a:fld id="{87AD7A9C-0B6C-41F8-9955-659C1CA2BF56}" type="datetimeFigureOut">
               <a:rPr lang="en-US" smtClean="0"/>
-              <a:t>8/30/2021</a:t>
+              <a:t>9/22/2021</a:t>
             </a:fld>
             <a:endParaRPr lang="en-US"/>
           </a:p>
@@ -2369,7 +5933,15 @@
         <p:spPr/>
         <p:txBody>
           <a:bodyPr/>
-          <a:lstStyle/>
+          <a:lstStyle>
+            <a:lvl1pPr>
+              <a:defRPr>
+                <a:solidFill>
+                  <a:schemeClr val="tx2"/>
+                </a:solidFill>
+              </a:defRPr>
+            </a:lvl1pPr>
+          </a:lstStyle>
           <a:p>
             <a:endParaRPr lang="en-US"/>
           </a:p>
@@ -2388,7 +5960,15 @@
         <p:spPr/>
         <p:txBody>
           <a:bodyPr/>
-          <a:lstStyle/>
+          <a:lstStyle>
+            <a:lvl1pPr>
+              <a:defRPr>
+                <a:solidFill>
+                  <a:schemeClr val="tx2"/>
+                </a:solidFill>
+              </a:defRPr>
+            </a:lvl1pPr>
+          </a:lstStyle>
           <a:p>
             <a:fld id="{AA01919C-7D96-4738-89EF-5C6BD7ADC6AB}" type="slidenum">
               <a:rPr lang="en-US" smtClean="0"/>
@@ -2401,7 +5981,7 @@
     </p:spTree>
     <p:extLst>
       <p:ext uri="{BB962C8B-B14F-4D97-AF65-F5344CB8AC3E}">
-        <p14:creationId xmlns:p14="http://schemas.microsoft.com/office/powerpoint/2010/main" val="3659027839"/>
+        <p14:creationId xmlns:p14="http://schemas.microsoft.com/office/powerpoint/2010/main" val="637816978"/>
       </p:ext>
     </p:extLst>
   </p:cSld>
@@ -2415,9 +5995,15 @@
 <p:sldMaster xmlns:a="http://schemas.openxmlformats.org/drawingml/2006/main" xmlns:r="http://schemas.openxmlformats.org/officeDocument/2006/relationships" xmlns:p="http://schemas.openxmlformats.org/presentationml/2006/main">
   <p:cSld>
     <p:bg>
-      <p:bgRef idx="1001">
-        <a:schemeClr val="bg1"/>
-      </p:bgRef>
+      <p:bgPr>
+        <a:solidFill>
+          <a:schemeClr val="bg1">
+            <a:lumMod val="75000"/>
+            <a:lumOff val="25000"/>
+          </a:schemeClr>
+        </a:solidFill>
+        <a:effectLst/>
+      </p:bgPr>
     </p:bg>
     <p:spTree>
       <p:nvGrpSpPr>
@@ -2435,25 +6021,103 @@
       </p:grpSpPr>
       <p:sp>
         <p:nvSpPr>
-          <p:cNvPr id="2" name="Title Placeholder 1"/>
-          <p:cNvSpPr>
-            <a:spLocks noGrp="1"/>
-          </p:cNvSpPr>
-          <p:nvPr>
-            <p:ph type="title"/>
-          </p:nvPr>
+          <p:cNvPr id="7" name="Rectangle 6"/>
+          <p:cNvSpPr/>
+          <p:nvPr/>
         </p:nvSpPr>
         <p:spPr>
           <a:xfrm>
-            <a:off x="838200" y="365125"/>
-            <a:ext cx="10515600" cy="1325563"/>
+            <a:off x="1" y="6400800"/>
+            <a:ext cx="12192000" cy="457200"/>
+          </a:xfrm>
+          <a:prstGeom prst="rect">
+            <a:avLst/>
+          </a:prstGeom>
+          <a:solidFill>
+            <a:schemeClr val="accent1">
+              <a:lumMod val="75000"/>
+            </a:schemeClr>
+          </a:solidFill>
+          <a:ln>
+            <a:noFill/>
+          </a:ln>
+        </p:spPr>
+        <p:style>
+          <a:lnRef idx="2">
+            <a:schemeClr val="accent1">
+              <a:shade val="50000"/>
+            </a:schemeClr>
+          </a:lnRef>
+          <a:fillRef idx="1">
+            <a:schemeClr val="accent1"/>
+          </a:fillRef>
+          <a:effectRef idx="0">
+            <a:schemeClr val="accent1"/>
+          </a:effectRef>
+          <a:fontRef idx="minor">
+            <a:schemeClr val="lt1"/>
+          </a:fontRef>
+        </p:style>
+      </p:sp>
+      <p:sp>
+        <p:nvSpPr>
+          <p:cNvPr id="9" name="Rectangle 8"/>
+          <p:cNvSpPr/>
+          <p:nvPr/>
+        </p:nvSpPr>
+        <p:spPr>
+          <a:xfrm>
+            <a:off x="1" y="6334316"/>
+            <a:ext cx="12192000" cy="66484"/>
+          </a:xfrm>
+          <a:prstGeom prst="rect">
+            <a:avLst/>
+          </a:prstGeom>
+          <a:solidFill>
+            <a:schemeClr val="accent1"/>
+          </a:solidFill>
+          <a:ln>
+            <a:noFill/>
+          </a:ln>
+        </p:spPr>
+        <p:style>
+          <a:lnRef idx="2">
+            <a:schemeClr val="accent1">
+              <a:shade val="50000"/>
+            </a:schemeClr>
+          </a:lnRef>
+          <a:fillRef idx="1">
+            <a:schemeClr val="accent1"/>
+          </a:fillRef>
+          <a:effectRef idx="0">
+            <a:schemeClr val="accent1"/>
+          </a:effectRef>
+          <a:fontRef idx="minor">
+            <a:schemeClr val="lt1"/>
+          </a:fontRef>
+        </p:style>
+      </p:sp>
+      <p:sp>
+        <p:nvSpPr>
+          <p:cNvPr id="2" name="Title Placeholder 1"/>
+          <p:cNvSpPr>
+            <a:spLocks noGrp="1"/>
+          </p:cNvSpPr>
+          <p:nvPr>
+            <p:ph type="title"/>
+          </p:nvPr>
+        </p:nvSpPr>
+        <p:spPr>
+          <a:xfrm>
+            <a:off x="1097280" y="286603"/>
+            <a:ext cx="10058400" cy="1450757"/>
           </a:xfrm>
           <a:prstGeom prst="rect">
             <a:avLst/>
           </a:prstGeom>
         </p:spPr>
         <p:txBody>
-          <a:bodyPr vert="horz" lIns="91440" tIns="45720" rIns="91440" bIns="45720" rtlCol="0" anchor="ctr">
+          <a:bodyPr vert="horz" lIns="91440" tIns="45720" rIns="91440" bIns="45720" rtlCol="0" anchor="b">
             <a:normAutofit/>
           </a:bodyPr>
           <a:lstStyle/>
@@ -2478,15 +6142,15 @@
         </p:nvSpPr>
         <p:spPr>
           <a:xfrm>
-            <a:off x="838200" y="1825625"/>
-            <a:ext cx="10515600" cy="4351338"/>
+            <a:off x="1097280" y="1845734"/>
+            <a:ext cx="10058400" cy="4023360"/>
           </a:xfrm>
           <a:prstGeom prst="rect">
             <a:avLst/>
           </a:prstGeom>
         </p:spPr>
         <p:txBody>
-          <a:bodyPr vert="horz" lIns="91440" tIns="45720" rIns="91440" bIns="45720" rtlCol="0">
+          <a:bodyPr vert="horz" lIns="0" tIns="45720" rIns="0" bIns="45720" rtlCol="0">
             <a:normAutofit/>
           </a:bodyPr>
           <a:lstStyle/>
@@ -2540,8 +6204,8 @@
         </p:nvSpPr>
         <p:spPr>
           <a:xfrm>
-            <a:off x="838200" y="6356350"/>
-            <a:ext cx="2743200" cy="365125"/>
+            <a:off x="1097280" y="6459785"/>
+            <a:ext cx="2472271" cy="365125"/>
           </a:xfrm>
           <a:prstGeom prst="rect">
             <a:avLst/>
@@ -2551,11 +6215,9 @@
           <a:bodyPr vert="horz" lIns="91440" tIns="45720" rIns="91440" bIns="45720" rtlCol="0" anchor="ctr"/>
           <a:lstStyle>
             <a:lvl1pPr algn="l">
-              <a:defRPr sz="1200">
+              <a:defRPr sz="900">
                 <a:solidFill>
-                  <a:schemeClr val="tx1">
-                    <a:tint val="75000"/>
-                  </a:schemeClr>
+                  <a:srgbClr val="FFFFFF"/>
                 </a:solidFill>
               </a:defRPr>
             </a:lvl1pPr>
@@ -2563,7 +6225,7 @@
           <a:p>
             <a:fld id="{87AD7A9C-0B6C-41F8-9955-659C1CA2BF56}" type="datetimeFigureOut">
               <a:rPr lang="en-US" smtClean="0"/>
-              <a:t>8/30/2021</a:t>
+              <a:t>9/22/2021</a:t>
             </a:fld>
             <a:endParaRPr lang="en-US"/>
           </a:p>
@@ -2581,8 +6243,8 @@
         </p:nvSpPr>
         <p:spPr>
           <a:xfrm>
-            <a:off x="4038600" y="6356350"/>
-            <a:ext cx="4114800" cy="365125"/>
+            <a:off x="3686185" y="6459785"/>
+            <a:ext cx="4822804" cy="365125"/>
           </a:xfrm>
           <a:prstGeom prst="rect">
             <a:avLst/>
@@ -2592,11 +6254,9 @@
           <a:bodyPr vert="horz" lIns="91440" tIns="45720" rIns="91440" bIns="45720" rtlCol="0" anchor="ctr"/>
           <a:lstStyle>
             <a:lvl1pPr algn="ctr">
-              <a:defRPr sz="1200">
+              <a:defRPr sz="900" cap="all" baseline="0">
                 <a:solidFill>
-                  <a:schemeClr val="tx1">
-                    <a:tint val="75000"/>
-                  </a:schemeClr>
+                  <a:srgbClr val="FFFFFF"/>
                 </a:solidFill>
               </a:defRPr>
             </a:lvl1pPr>
@@ -2618,8 +6278,8 @@
         </p:nvSpPr>
         <p:spPr>
           <a:xfrm>
-            <a:off x="8610600" y="6356350"/>
-            <a:ext cx="2743200" cy="365125"/>
+            <a:off x="9900458" y="6459785"/>
+            <a:ext cx="1312025" cy="365125"/>
           </a:xfrm>
           <a:prstGeom prst="rect">
             <a:avLst/>
@@ -2629,11 +6289,9 @@
           <a:bodyPr vert="horz" lIns="91440" tIns="45720" rIns="91440" bIns="45720" rtlCol="0" anchor="ctr"/>
           <a:lstStyle>
             <a:lvl1pPr algn="r">
-              <a:defRPr sz="1200">
+              <a:defRPr sz="1050">
                 <a:solidFill>
-                  <a:schemeClr val="tx1">
-                    <a:tint val="75000"/>
-                  </a:schemeClr>
+                  <a:srgbClr val="FFFFFF"/>
                 </a:solidFill>
               </a:defRPr>
             </a:lvl1pPr>
@@ -2647,40 +6305,81 @@
           </a:p>
         </p:txBody>
       </p:sp>
+      <p:cxnSp>
+        <p:nvCxnSpPr>
+          <p:cNvPr id="10" name="Straight Connector 9"/>
+          <p:cNvCxnSpPr/>
+          <p:nvPr/>
+        </p:nvCxnSpPr>
+        <p:spPr>
+          <a:xfrm>
+            <a:off x="1193532" y="1737845"/>
+            <a:ext cx="9966960" cy="0"/>
+          </a:xfrm>
+          <a:prstGeom prst="line">
+            <a:avLst/>
+          </a:prstGeom>
+          <a:ln w="6350">
+            <a:solidFill>
+              <a:schemeClr val="tx1">
+                <a:lumMod val="50000"/>
+                <a:lumOff val="50000"/>
+              </a:schemeClr>
+            </a:solidFill>
+          </a:ln>
+        </p:spPr>
+        <p:style>
+          <a:lnRef idx="1">
+            <a:schemeClr val="accent1"/>
+          </a:lnRef>
+          <a:fillRef idx="0">
+            <a:schemeClr val="accent1"/>
+          </a:fillRef>
+          <a:effectRef idx="0">
+            <a:schemeClr val="accent1"/>
+          </a:effectRef>
+          <a:fontRef idx="minor">
+            <a:schemeClr val="tx1"/>
+          </a:fontRef>
+        </p:style>
+      </p:cxnSp>
     </p:spTree>
     <p:extLst>
       <p:ext uri="{BB962C8B-B14F-4D97-AF65-F5344CB8AC3E}">
-        <p14:creationId xmlns:p14="http://schemas.microsoft.com/office/powerpoint/2010/main" val="693916796"/>
+        <p14:creationId xmlns:p14="http://schemas.microsoft.com/office/powerpoint/2010/main" val="1831218707"/>
       </p:ext>
     </p:extLst>
   </p:cSld>
-  <p:clrMap bg1="lt1" tx1="dk1" bg2="lt2" tx2="dk2" accent1="accent1" accent2="accent2" accent3="accent3" accent4="accent4" accent5="accent5" accent6="accent6" hlink="hlink" folHlink="folHlink"/>
+  <p:clrMap bg1="dk1" tx1="lt1" bg2="dk2" tx2="lt2" accent1="accent1" accent2="accent2" accent3="accent3" accent4="accent4" accent5="accent5" accent6="accent6" hlink="hlink" folHlink="folHlink"/>
   <p:sldLayoutIdLst>
-    <p:sldLayoutId id="2147483685" r:id="rId1"/>
-    <p:sldLayoutId id="2147483686" r:id="rId2"/>
-    <p:sldLayoutId id="2147483687" r:id="rId3"/>
-    <p:sldLayoutId id="2147483688" r:id="rId4"/>
-    <p:sldLayoutId id="2147483689" r:id="rId5"/>
-    <p:sldLayoutId id="2147483690" r:id="rId6"/>
-    <p:sldLayoutId id="2147483691" r:id="rId7"/>
-    <p:sldLayoutId id="2147483692" r:id="rId8"/>
-    <p:sldLayoutId id="2147483693" r:id="rId9"/>
-    <p:sldLayoutId id="2147483694" r:id="rId10"/>
-    <p:sldLayoutId id="2147483695" r:id="rId11"/>
+    <p:sldLayoutId id="2147483709" r:id="rId1"/>
+    <p:sldLayoutId id="2147483710" r:id="rId2"/>
+    <p:sldLayoutId id="2147483711" r:id="rId3"/>
+    <p:sldLayoutId id="2147483712" r:id="rId4"/>
+    <p:sldLayoutId id="2147483713" r:id="rId5"/>
+    <p:sldLayoutId id="2147483714" r:id="rId6"/>
+    <p:sldLayoutId id="2147483715" r:id="rId7"/>
+    <p:sldLayoutId id="2147483716" r:id="rId8"/>
+    <p:sldLayoutId id="2147483717" r:id="rId9"/>
+    <p:sldLayoutId id="2147483718" r:id="rId10"/>
+    <p:sldLayoutId id="2147483719" r:id="rId11"/>
   </p:sldLayoutIdLst>
   <p:txStyles>
     <p:titleStyle>
       <a:lvl1pPr algn="l" defTabSz="914400" rtl="0" eaLnBrk="1" latinLnBrk="0" hangingPunct="1">
         <a:lnSpc>
-          <a:spcPct val="90000"/>
+          <a:spcPct val="85000"/>
         </a:lnSpc>
         <a:spcBef>
           <a:spcPct val="0"/>
         </a:spcBef>
         <a:buNone/>
-        <a:defRPr sz="4400" kern="1200">
+        <a:defRPr sz="4800" kern="1200" spc="-50" baseline="0">
           <a:solidFill>
-            <a:schemeClr val="tx1"/>
+            <a:schemeClr val="tx1">
+              <a:lumMod val="75000"/>
+              <a:lumOff val="25000"/>
+            </a:schemeClr>
           </a:solidFill>
           <a:latin typeface="+mj-lt"/>
           <a:ea typeface="+mj-ea"/>
@@ -2689,162 +6388,244 @@
       </a:lvl1pPr>
     </p:titleStyle>
     <p:bodyStyle>
-      <a:lvl1pPr marL="228600" indent="-228600" algn="l" defTabSz="914400" rtl="0" eaLnBrk="1" latinLnBrk="0" hangingPunct="1">
+      <a:lvl1pPr marL="91440" indent="-91440" algn="l" defTabSz="914400" rtl="0" eaLnBrk="1" latinLnBrk="0" hangingPunct="1">
         <a:lnSpc>
           <a:spcPct val="90000"/>
         </a:lnSpc>
         <a:spcBef>
-          <a:spcPts val="1000"/>
+          <a:spcPts val="1200"/>
         </a:spcBef>
-        <a:buFont typeface="Arial" panose="020B0604020202020204" pitchFamily="34" charset="0"/>
-        <a:buChar char="•"/>
-        <a:defRPr sz="2800" kern="1200">
+        <a:spcAft>
+          <a:spcPts val="200"/>
+        </a:spcAft>
+        <a:buClr>
+          <a:schemeClr val="accent3"/>
+        </a:buClr>
+        <a:buSzPct val="100000"/>
+        <a:buFont typeface="Calibri" panose="020F0502020204030204" pitchFamily="34" charset="0"/>
+        <a:buChar char=" "/>
+        <a:defRPr sz="2000" kern="1200">
           <a:solidFill>
-            <a:schemeClr val="tx1"/>
+            <a:schemeClr val="tx1">
+              <a:lumMod val="75000"/>
+              <a:lumOff val="25000"/>
+            </a:schemeClr>
           </a:solidFill>
           <a:latin typeface="+mn-lt"/>
           <a:ea typeface="+mn-ea"/>
           <a:cs typeface="+mn-cs"/>
         </a:defRPr>
       </a:lvl1pPr>
-      <a:lvl2pPr marL="685800" indent="-228600" algn="l" defTabSz="914400" rtl="0" eaLnBrk="1" latinLnBrk="0" hangingPunct="1">
+      <a:lvl2pPr marL="384048" indent="-182880" algn="l" defTabSz="914400" rtl="0" eaLnBrk="1" latinLnBrk="0" hangingPunct="1">
         <a:lnSpc>
           <a:spcPct val="90000"/>
         </a:lnSpc>
         <a:spcBef>
-          <a:spcPts val="500"/>
+          <a:spcPts val="200"/>
         </a:spcBef>
-        <a:buFont typeface="Arial" panose="020B0604020202020204" pitchFamily="34" charset="0"/>
-        <a:buChar char="•"/>
-        <a:defRPr sz="2400" kern="1200">
+        <a:spcAft>
+          <a:spcPts val="400"/>
+        </a:spcAft>
+        <a:buClr>
+          <a:schemeClr val="accent3"/>
+        </a:buClr>
+        <a:buFont typeface="Calibri" pitchFamily="34" charset="0"/>
+        <a:buChar char="◦"/>
+        <a:defRPr sz="1800" kern="1200">
           <a:solidFill>
-            <a:schemeClr val="tx1"/>
+            <a:schemeClr val="tx1">
+              <a:lumMod val="75000"/>
+              <a:lumOff val="25000"/>
+            </a:schemeClr>
           </a:solidFill>
           <a:latin typeface="+mn-lt"/>
           <a:ea typeface="+mn-ea"/>
           <a:cs typeface="+mn-cs"/>
         </a:defRPr>
       </a:lvl2pPr>
-      <a:lvl3pPr marL="1143000" indent="-228600" algn="l" defTabSz="914400" rtl="0" eaLnBrk="1" latinLnBrk="0" hangingPunct="1">
+      <a:lvl3pPr marL="566928" indent="-182880" algn="l" defTabSz="914400" rtl="0" eaLnBrk="1" latinLnBrk="0" hangingPunct="1">
         <a:lnSpc>
           <a:spcPct val="90000"/>
         </a:lnSpc>
         <a:spcBef>
-          <a:spcPts val="500"/>
+          <a:spcPts val="200"/>
         </a:spcBef>
-        <a:buFont typeface="Arial" panose="020B0604020202020204" pitchFamily="34" charset="0"/>
-        <a:buChar char="•"/>
-        <a:defRPr sz="2000" kern="1200">
+        <a:spcAft>
+          <a:spcPts val="400"/>
+        </a:spcAft>
+        <a:buClr>
+          <a:schemeClr val="accent3"/>
+        </a:buClr>
+        <a:buFont typeface="Calibri" pitchFamily="34" charset="0"/>
+        <a:buChar char="◦"/>
+        <a:defRPr sz="1400" kern="1200">
           <a:solidFill>
-            <a:schemeClr val="tx1"/>
+            <a:schemeClr val="tx1">
+              <a:lumMod val="75000"/>
+              <a:lumOff val="25000"/>
+            </a:schemeClr>
           </a:solidFill>
           <a:latin typeface="+mn-lt"/>
           <a:ea typeface="+mn-ea"/>
           <a:cs typeface="+mn-cs"/>
         </a:defRPr>
       </a:lvl3pPr>
-      <a:lvl4pPr marL="1600200" indent="-228600" algn="l" defTabSz="914400" rtl="0" eaLnBrk="1" latinLnBrk="0" hangingPunct="1">
+      <a:lvl4pPr marL="749808" indent="-182880" algn="l" defTabSz="914400" rtl="0" eaLnBrk="1" latinLnBrk="0" hangingPunct="1">
         <a:lnSpc>
           <a:spcPct val="90000"/>
         </a:lnSpc>
         <a:spcBef>
-          <a:spcPts val="500"/>
+          <a:spcPts val="200"/>
         </a:spcBef>
-        <a:buFont typeface="Arial" panose="020B0604020202020204" pitchFamily="34" charset="0"/>
-        <a:buChar char="•"/>
-        <a:defRPr sz="1800" kern="1200">
+        <a:spcAft>
+          <a:spcPts val="400"/>
+        </a:spcAft>
+        <a:buClr>
+          <a:schemeClr val="accent3"/>
+        </a:buClr>
+        <a:buFont typeface="Calibri" pitchFamily="34" charset="0"/>
+        <a:buChar char="◦"/>
+        <a:defRPr sz="1400" kern="1200">
           <a:solidFill>
-            <a:schemeClr val="tx1"/>
+            <a:schemeClr val="tx1">
+              <a:lumMod val="75000"/>
+              <a:lumOff val="25000"/>
+            </a:schemeClr>
           </a:solidFill>
           <a:latin typeface="+mn-lt"/>
           <a:ea typeface="+mn-ea"/>
           <a:cs typeface="+mn-cs"/>
         </a:defRPr>
       </a:lvl4pPr>
-      <a:lvl5pPr marL="2057400" indent="-228600" algn="l" defTabSz="914400" rtl="0" eaLnBrk="1" latinLnBrk="0" hangingPunct="1">
+      <a:lvl5pPr marL="932688" indent="-182880" algn="l" defTabSz="914400" rtl="0" eaLnBrk="1" latinLnBrk="0" hangingPunct="1">
         <a:lnSpc>
           <a:spcPct val="90000"/>
         </a:lnSpc>
         <a:spcBef>
-          <a:spcPts val="500"/>
+          <a:spcPts val="200"/>
         </a:spcBef>
-        <a:buFont typeface="Arial" panose="020B0604020202020204" pitchFamily="34" charset="0"/>
-        <a:buChar char="•"/>
-        <a:defRPr sz="1800" kern="1200">
+        <a:spcAft>
+          <a:spcPts val="400"/>
+        </a:spcAft>
+        <a:buClr>
+          <a:schemeClr val="accent3"/>
+        </a:buClr>
+        <a:buFont typeface="Calibri" pitchFamily="34" charset="0"/>
+        <a:buChar char="◦"/>
+        <a:defRPr sz="1400" kern="1200">
           <a:solidFill>
-            <a:schemeClr val="tx1"/>
+            <a:schemeClr val="tx1">
+              <a:lumMod val="75000"/>
+              <a:lumOff val="25000"/>
+            </a:schemeClr>
           </a:solidFill>
           <a:latin typeface="+mn-lt"/>
           <a:ea typeface="+mn-ea"/>
           <a:cs typeface="+mn-cs"/>
         </a:defRPr>
       </a:lvl5pPr>
-      <a:lvl6pPr marL="2514600" indent="-228600" algn="l" defTabSz="914400" rtl="0" eaLnBrk="1" latinLnBrk="0" hangingPunct="1">
+      <a:lvl6pPr marL="1100000" indent="-228600" algn="l" defTabSz="914400" rtl="0" eaLnBrk="1" latinLnBrk="0" hangingPunct="1">
         <a:lnSpc>
           <a:spcPct val="90000"/>
         </a:lnSpc>
         <a:spcBef>
-          <a:spcPts val="500"/>
+          <a:spcPts val="200"/>
         </a:spcBef>
-        <a:buFont typeface="Arial" panose="020B0604020202020204" pitchFamily="34" charset="0"/>
-        <a:buChar char="•"/>
-        <a:defRPr sz="1800" kern="1200">
+        <a:spcAft>
+          <a:spcPts val="400"/>
+        </a:spcAft>
+        <a:buClr>
+          <a:schemeClr val="accent3"/>
+        </a:buClr>
+        <a:buFont typeface="Calibri" pitchFamily="34" charset="0"/>
+        <a:buChar char="◦"/>
+        <a:defRPr sz="1400" kern="1200">
           <a:solidFill>
-            <a:schemeClr val="tx1"/>
+            <a:schemeClr val="tx1">
+              <a:lumMod val="75000"/>
+              <a:lumOff val="25000"/>
+            </a:schemeClr>
           </a:solidFill>
           <a:latin typeface="+mn-lt"/>
           <a:ea typeface="+mn-ea"/>
           <a:cs typeface="+mn-cs"/>
         </a:defRPr>
       </a:lvl6pPr>
-      <a:lvl7pPr marL="2971800" indent="-228600" algn="l" defTabSz="914400" rtl="0" eaLnBrk="1" latinLnBrk="0" hangingPunct="1">
+      <a:lvl7pPr marL="1300000" indent="-228600" algn="l" defTabSz="914400" rtl="0" eaLnBrk="1" latinLnBrk="0" hangingPunct="1">
         <a:lnSpc>
           <a:spcPct val="90000"/>
         </a:lnSpc>
         <a:spcBef>
-          <a:spcPts val="500"/>
+          <a:spcPts val="200"/>
         </a:spcBef>
-        <a:buFont typeface="Arial" panose="020B0604020202020204" pitchFamily="34" charset="0"/>
-        <a:buChar char="•"/>
-        <a:defRPr sz="1800" kern="1200">
+        <a:spcAft>
+          <a:spcPts val="400"/>
+        </a:spcAft>
+        <a:buClr>
+          <a:schemeClr val="accent3"/>
+        </a:buClr>
+        <a:buFont typeface="Calibri" pitchFamily="34" charset="0"/>
+        <a:buChar char="◦"/>
+        <a:defRPr sz="1400" kern="1200">
           <a:solidFill>
-            <a:schemeClr val="tx1"/>
+            <a:schemeClr val="tx1">
+              <a:lumMod val="75000"/>
+              <a:lumOff val="25000"/>
+            </a:schemeClr>
           </a:solidFill>
           <a:latin typeface="+mn-lt"/>
           <a:ea typeface="+mn-ea"/>
           <a:cs typeface="+mn-cs"/>
         </a:defRPr>
       </a:lvl7pPr>
-      <a:lvl8pPr marL="3429000" indent="-228600" algn="l" defTabSz="914400" rtl="0" eaLnBrk="1" latinLnBrk="0" hangingPunct="1">
+      <a:lvl8pPr marL="1500000" indent="-228600" algn="l" defTabSz="914400" rtl="0" eaLnBrk="1" latinLnBrk="0" hangingPunct="1">
         <a:lnSpc>
           <a:spcPct val="90000"/>
         </a:lnSpc>
         <a:spcBef>
-          <a:spcPts val="500"/>
+          <a:spcPts val="200"/>
         </a:spcBef>
-        <a:buFont typeface="Arial" panose="020B0604020202020204" pitchFamily="34" charset="0"/>
-        <a:buChar char="•"/>
-        <a:defRPr sz="1800" kern="1200">
+        <a:spcAft>
+          <a:spcPts val="400"/>
+        </a:spcAft>
+        <a:buClr>
+          <a:schemeClr val="accent3"/>
+        </a:buClr>
+        <a:buFont typeface="Calibri" pitchFamily="34" charset="0"/>
+        <a:buChar char="◦"/>
+        <a:defRPr sz="1400" kern="1200">
           <a:solidFill>
-            <a:schemeClr val="tx1"/>
+            <a:schemeClr val="tx1">
+              <a:lumMod val="75000"/>
+              <a:lumOff val="25000"/>
+            </a:schemeClr>
           </a:solidFill>
           <a:latin typeface="+mn-lt"/>
           <a:ea typeface="+mn-ea"/>
           <a:cs typeface="+mn-cs"/>
         </a:defRPr>
       </a:lvl8pPr>
-      <a:lvl9pPr marL="3886200" indent="-228600" algn="l" defTabSz="914400" rtl="0" eaLnBrk="1" latinLnBrk="0" hangingPunct="1">
+      <a:lvl9pPr marL="1700000" indent="-228600" algn="l" defTabSz="914400" rtl="0" eaLnBrk="1" latinLnBrk="0" hangingPunct="1">
         <a:lnSpc>
           <a:spcPct val="90000"/>
         </a:lnSpc>
         <a:spcBef>
-          <a:spcPts val="500"/>
+          <a:spcPts val="200"/>
         </a:spcBef>
-        <a:buFont typeface="Arial" panose="020B0604020202020204" pitchFamily="34" charset="0"/>
-        <a:buChar char="•"/>
-        <a:defRPr sz="1800" kern="1200">
+        <a:spcAft>
+          <a:spcPts val="400"/>
+        </a:spcAft>
+        <a:buClr>
+          <a:schemeClr val="accent3"/>
+        </a:buClr>
+        <a:buFont typeface="Calibri" pitchFamily="34" charset="0"/>
+        <a:buChar char="◦"/>
+        <a:defRPr sz="1400" kern="1200">
           <a:solidFill>
-            <a:schemeClr val="tx1"/>
+            <a:schemeClr val="tx1">
+              <a:lumMod val="75000"/>
+              <a:lumOff val="25000"/>
+            </a:schemeClr>
           </a:solidFill>
           <a:latin typeface="+mn-lt"/>
           <a:ea typeface="+mn-ea"/>
@@ -2951,6 +6732,523 @@
 </p:sldMaster>
 </file>
 
+<file path=ppt/slideMasters/slideMaster2.xml><?xml version="1.0" encoding="utf-8"?>
+<p:sldMaster xmlns:a="http://schemas.openxmlformats.org/drawingml/2006/main" xmlns:r="http://schemas.openxmlformats.org/officeDocument/2006/relationships" xmlns:p="http://schemas.openxmlformats.org/presentationml/2006/main" preserve="1">
+  <p:cSld>
+    <p:bg>
+      <p:bgPr>
+        <a:blipFill dpi="0" rotWithShape="1">
+          <a:blip r:embed="rId13">
+            <a:lum/>
+          </a:blip>
+          <a:srcRect/>
+          <a:stretch>
+            <a:fillRect/>
+          </a:stretch>
+        </a:blipFill>
+        <a:effectLst/>
+      </p:bgPr>
+    </p:bg>
+    <p:spTree>
+      <p:nvGrpSpPr>
+        <p:cNvPr id="1" name=""/>
+        <p:cNvGrpSpPr/>
+        <p:nvPr/>
+      </p:nvGrpSpPr>
+      <p:grpSpPr>
+        <a:xfrm>
+          <a:off x="0" y="0"/>
+          <a:ext cx="0" cy="0"/>
+          <a:chOff x="0" y="0"/>
+          <a:chExt cx="0" cy="0"/>
+        </a:xfrm>
+      </p:grpSpPr>
+      <p:sp>
+        <p:nvSpPr>
+          <p:cNvPr id="2" name="Title Placeholder 1"/>
+          <p:cNvSpPr>
+            <a:spLocks noGrp="1"/>
+          </p:cNvSpPr>
+          <p:nvPr>
+            <p:ph type="title"/>
+          </p:nvPr>
+        </p:nvSpPr>
+        <p:spPr>
+          <a:xfrm>
+            <a:off x="609600" y="275167"/>
+            <a:ext cx="10972800" cy="1143000"/>
+          </a:xfrm>
+          <a:prstGeom prst="rect">
+            <a:avLst/>
+          </a:prstGeom>
+        </p:spPr>
+        <p:txBody>
+          <a:bodyPr vert="horz" lIns="91440" tIns="45720" rIns="91440" bIns="45720" rtlCol="0" anchor="ctr">
+            <a:normAutofit/>
+          </a:bodyPr>
+          <a:lstStyle/>
+          <a:p>
+            <a:r>
+              <a:rPr lang="en-US"/>
+              <a:t>Click to edit Master title style</a:t>
+            </a:r>
+          </a:p>
+        </p:txBody>
+      </p:sp>
+      <p:sp>
+        <p:nvSpPr>
+          <p:cNvPr id="3" name="Text Placeholder 2"/>
+          <p:cNvSpPr>
+            <a:spLocks noGrp="1"/>
+          </p:cNvSpPr>
+          <p:nvPr>
+            <p:ph type="body" idx="1"/>
+          </p:nvPr>
+        </p:nvSpPr>
+        <p:spPr>
+          <a:xfrm>
+            <a:off x="609600" y="1600201"/>
+            <a:ext cx="10972800" cy="4525433"/>
+          </a:xfrm>
+          <a:prstGeom prst="rect">
+            <a:avLst/>
+          </a:prstGeom>
+        </p:spPr>
+        <p:txBody>
+          <a:bodyPr vert="horz" lIns="91440" tIns="45720" rIns="91440" bIns="45720" rtlCol="0">
+            <a:normAutofit/>
+          </a:bodyPr>
+          <a:lstStyle/>
+          <a:p>
+            <a:pPr lvl="0"/>
+            <a:r>
+              <a:rPr lang="en-US"/>
+              <a:t>Click to edit Master text styles</a:t>
+            </a:r>
+          </a:p>
+          <a:p>
+            <a:pPr lvl="1"/>
+            <a:r>
+              <a:rPr lang="en-US"/>
+              <a:t>Second level</a:t>
+            </a:r>
+          </a:p>
+          <a:p>
+            <a:pPr lvl="2"/>
+            <a:r>
+              <a:rPr lang="en-US"/>
+              <a:t>Third level</a:t>
+            </a:r>
+          </a:p>
+          <a:p>
+            <a:pPr lvl="3"/>
+            <a:r>
+              <a:rPr lang="en-US"/>
+              <a:t>Fourth level</a:t>
+            </a:r>
+          </a:p>
+          <a:p>
+            <a:pPr lvl="4"/>
+            <a:r>
+              <a:rPr lang="en-US"/>
+              <a:t>Fifth level</a:t>
+            </a:r>
+          </a:p>
+        </p:txBody>
+      </p:sp>
+      <p:sp>
+        <p:nvSpPr>
+          <p:cNvPr id="4" name="Date Placeholder 3"/>
+          <p:cNvSpPr>
+            <a:spLocks noGrp="1"/>
+          </p:cNvSpPr>
+          <p:nvPr>
+            <p:ph type="dt" sz="half" idx="2"/>
+          </p:nvPr>
+        </p:nvSpPr>
+        <p:spPr>
+          <a:xfrm>
+            <a:off x="609600" y="6356351"/>
+            <a:ext cx="2844800" cy="366183"/>
+          </a:xfrm>
+          <a:prstGeom prst="rect">
+            <a:avLst/>
+          </a:prstGeom>
+        </p:spPr>
+        <p:txBody>
+          <a:bodyPr vert="horz" lIns="91440" tIns="45720" rIns="91440" bIns="45720" rtlCol="0" anchor="ctr"/>
+          <a:lstStyle>
+            <a:lvl1pPr algn="l">
+              <a:defRPr sz="1600">
+                <a:solidFill>
+                  <a:schemeClr val="tx1">
+                    <a:tint val="75000"/>
+                  </a:schemeClr>
+                </a:solidFill>
+              </a:defRPr>
+            </a:lvl1pPr>
+          </a:lstStyle>
+          <a:p>
+            <a:fld id="{D088F999-7A4E-6B4F-9FED-EF75B73AD044}" type="datetimeFigureOut">
+              <a:rPr lang="en-US" smtClean="0"/>
+              <a:t>9/22/2021</a:t>
+            </a:fld>
+            <a:endParaRPr lang="en-US"/>
+          </a:p>
+        </p:txBody>
+      </p:sp>
+      <p:sp>
+        <p:nvSpPr>
+          <p:cNvPr id="5" name="Footer Placeholder 4"/>
+          <p:cNvSpPr>
+            <a:spLocks noGrp="1"/>
+          </p:cNvSpPr>
+          <p:nvPr>
+            <p:ph type="ftr" sz="quarter" idx="3"/>
+          </p:nvPr>
+        </p:nvSpPr>
+        <p:spPr>
+          <a:xfrm>
+            <a:off x="4165600" y="6356351"/>
+            <a:ext cx="3860800" cy="366183"/>
+          </a:xfrm>
+          <a:prstGeom prst="rect">
+            <a:avLst/>
+          </a:prstGeom>
+        </p:spPr>
+        <p:txBody>
+          <a:bodyPr vert="horz" lIns="91440" tIns="45720" rIns="91440" bIns="45720" rtlCol="0" anchor="ctr"/>
+          <a:lstStyle>
+            <a:lvl1pPr algn="ctr">
+              <a:defRPr sz="1600">
+                <a:solidFill>
+                  <a:schemeClr val="tx1">
+                    <a:tint val="75000"/>
+                  </a:schemeClr>
+                </a:solidFill>
+              </a:defRPr>
+            </a:lvl1pPr>
+          </a:lstStyle>
+          <a:p>
+            <a:endParaRPr lang="en-US"/>
+          </a:p>
+        </p:txBody>
+      </p:sp>
+      <p:sp>
+        <p:nvSpPr>
+          <p:cNvPr id="6" name="Slide Number Placeholder 5"/>
+          <p:cNvSpPr>
+            <a:spLocks noGrp="1"/>
+          </p:cNvSpPr>
+          <p:nvPr>
+            <p:ph type="sldNum" sz="quarter" idx="4"/>
+          </p:nvPr>
+        </p:nvSpPr>
+        <p:spPr>
+          <a:xfrm>
+            <a:off x="8737600" y="6356351"/>
+            <a:ext cx="2844800" cy="366183"/>
+          </a:xfrm>
+          <a:prstGeom prst="rect">
+            <a:avLst/>
+          </a:prstGeom>
+        </p:spPr>
+        <p:txBody>
+          <a:bodyPr vert="horz" lIns="91440" tIns="45720" rIns="91440" bIns="45720" rtlCol="0" anchor="ctr"/>
+          <a:lstStyle>
+            <a:lvl1pPr algn="r">
+              <a:defRPr sz="1600">
+                <a:solidFill>
+                  <a:schemeClr val="tx1">
+                    <a:tint val="75000"/>
+                  </a:schemeClr>
+                </a:solidFill>
+              </a:defRPr>
+            </a:lvl1pPr>
+          </a:lstStyle>
+          <a:p>
+            <a:fld id="{5D024AAD-DF78-DE44-A1F3-EEB19EDC9165}" type="slidenum">
+              <a:rPr lang="en-US" smtClean="0"/>
+              <a:t>‹#›</a:t>
+            </a:fld>
+            <a:endParaRPr lang="en-US"/>
+          </a:p>
+        </p:txBody>
+      </p:sp>
+    </p:spTree>
+    <p:extLst>
+      <p:ext uri="{BB962C8B-B14F-4D97-AF65-F5344CB8AC3E}">
+        <p14:creationId xmlns:p14="http://schemas.microsoft.com/office/powerpoint/2010/main" val="278094848"/>
+      </p:ext>
+    </p:extLst>
+  </p:cSld>
+  <p:clrMap bg1="lt1" tx1="dk1" bg2="lt2" tx2="dk2" accent1="accent1" accent2="accent2" accent3="accent3" accent4="accent4" accent5="accent5" accent6="accent6" hlink="hlink" folHlink="folHlink"/>
+  <p:sldLayoutIdLst>
+    <p:sldLayoutId id="2147483721" r:id="rId1"/>
+    <p:sldLayoutId id="2147483722" r:id="rId2"/>
+    <p:sldLayoutId id="2147483723" r:id="rId3"/>
+    <p:sldLayoutId id="2147483724" r:id="rId4"/>
+    <p:sldLayoutId id="2147483725" r:id="rId5"/>
+    <p:sldLayoutId id="2147483726" r:id="rId6"/>
+    <p:sldLayoutId id="2147483727" r:id="rId7"/>
+    <p:sldLayoutId id="2147483728" r:id="rId8"/>
+    <p:sldLayoutId id="2147483729" r:id="rId9"/>
+    <p:sldLayoutId id="2147483730" r:id="rId10"/>
+    <p:sldLayoutId id="2147483731" r:id="rId11"/>
+  </p:sldLayoutIdLst>
+  <p:txStyles>
+    <p:titleStyle>
+      <a:lvl1pPr algn="ctr" defTabSz="609585" rtl="0" eaLnBrk="1" latinLnBrk="0" hangingPunct="1">
+        <a:spcBef>
+          <a:spcPct val="0"/>
+        </a:spcBef>
+        <a:buNone/>
+        <a:defRPr sz="5867" kern="1200">
+          <a:solidFill>
+            <a:schemeClr val="tx1"/>
+          </a:solidFill>
+          <a:latin typeface="+mj-lt"/>
+          <a:ea typeface="+mj-ea"/>
+          <a:cs typeface="+mj-cs"/>
+        </a:defRPr>
+      </a:lvl1pPr>
+    </p:titleStyle>
+    <p:bodyStyle>
+      <a:lvl1pPr marL="457189" indent="-457189" algn="l" defTabSz="609585" rtl="0" eaLnBrk="1" latinLnBrk="0" hangingPunct="1">
+        <a:spcBef>
+          <a:spcPct val="20000"/>
+        </a:spcBef>
+        <a:buFont typeface="Arial"/>
+        <a:buChar char="•"/>
+        <a:defRPr sz="4267" kern="1200">
+          <a:solidFill>
+            <a:schemeClr val="tx1"/>
+          </a:solidFill>
+          <a:latin typeface="+mn-lt"/>
+          <a:ea typeface="+mn-ea"/>
+          <a:cs typeface="+mn-cs"/>
+        </a:defRPr>
+      </a:lvl1pPr>
+      <a:lvl2pPr marL="990575" indent="-380990" algn="l" defTabSz="609585" rtl="0" eaLnBrk="1" latinLnBrk="0" hangingPunct="1">
+        <a:spcBef>
+          <a:spcPct val="20000"/>
+        </a:spcBef>
+        <a:buFont typeface="Arial"/>
+        <a:buChar char="–"/>
+        <a:defRPr sz="3733" kern="1200">
+          <a:solidFill>
+            <a:schemeClr val="tx1"/>
+          </a:solidFill>
+          <a:latin typeface="+mn-lt"/>
+          <a:ea typeface="+mn-ea"/>
+          <a:cs typeface="+mn-cs"/>
+        </a:defRPr>
+      </a:lvl2pPr>
+      <a:lvl3pPr marL="1523962" indent="-304792" algn="l" defTabSz="609585" rtl="0" eaLnBrk="1" latinLnBrk="0" hangingPunct="1">
+        <a:spcBef>
+          <a:spcPct val="20000"/>
+        </a:spcBef>
+        <a:buFont typeface="Arial"/>
+        <a:buChar char="•"/>
+        <a:defRPr sz="3200" kern="1200">
+          <a:solidFill>
+            <a:schemeClr val="tx1"/>
+          </a:solidFill>
+          <a:latin typeface="+mn-lt"/>
+          <a:ea typeface="+mn-ea"/>
+          <a:cs typeface="+mn-cs"/>
+        </a:defRPr>
+      </a:lvl3pPr>
+      <a:lvl4pPr marL="2133547" indent="-304792" algn="l" defTabSz="609585" rtl="0" eaLnBrk="1" latinLnBrk="0" hangingPunct="1">
+        <a:spcBef>
+          <a:spcPct val="20000"/>
+        </a:spcBef>
+        <a:buFont typeface="Arial"/>
+        <a:buChar char="–"/>
+        <a:defRPr sz="2667" kern="1200">
+          <a:solidFill>
+            <a:schemeClr val="tx1"/>
+          </a:solidFill>
+          <a:latin typeface="+mn-lt"/>
+          <a:ea typeface="+mn-ea"/>
+          <a:cs typeface="+mn-cs"/>
+        </a:defRPr>
+      </a:lvl4pPr>
+      <a:lvl5pPr marL="2743131" indent="-304792" algn="l" defTabSz="609585" rtl="0" eaLnBrk="1" latinLnBrk="0" hangingPunct="1">
+        <a:spcBef>
+          <a:spcPct val="20000"/>
+        </a:spcBef>
+        <a:buFont typeface="Arial"/>
+        <a:buChar char="»"/>
+        <a:defRPr sz="2667" kern="1200">
+          <a:solidFill>
+            <a:schemeClr val="tx1"/>
+          </a:solidFill>
+          <a:latin typeface="+mn-lt"/>
+          <a:ea typeface="+mn-ea"/>
+          <a:cs typeface="+mn-cs"/>
+        </a:defRPr>
+      </a:lvl5pPr>
+      <a:lvl6pPr marL="3352716" indent="-304792" algn="l" defTabSz="609585" rtl="0" eaLnBrk="1" latinLnBrk="0" hangingPunct="1">
+        <a:spcBef>
+          <a:spcPct val="20000"/>
+        </a:spcBef>
+        <a:buFont typeface="Arial"/>
+        <a:buChar char="•"/>
+        <a:defRPr sz="2667" kern="1200">
+          <a:solidFill>
+            <a:schemeClr val="tx1"/>
+          </a:solidFill>
+          <a:latin typeface="+mn-lt"/>
+          <a:ea typeface="+mn-ea"/>
+          <a:cs typeface="+mn-cs"/>
+        </a:defRPr>
+      </a:lvl6pPr>
+      <a:lvl7pPr marL="3962301" indent="-304792" algn="l" defTabSz="609585" rtl="0" eaLnBrk="1" latinLnBrk="0" hangingPunct="1">
+        <a:spcBef>
+          <a:spcPct val="20000"/>
+        </a:spcBef>
+        <a:buFont typeface="Arial"/>
+        <a:buChar char="•"/>
+        <a:defRPr sz="2667" kern="1200">
+          <a:solidFill>
+            <a:schemeClr val="tx1"/>
+          </a:solidFill>
+          <a:latin typeface="+mn-lt"/>
+          <a:ea typeface="+mn-ea"/>
+          <a:cs typeface="+mn-cs"/>
+        </a:defRPr>
+      </a:lvl7pPr>
+      <a:lvl8pPr marL="4571886" indent="-304792" algn="l" defTabSz="609585" rtl="0" eaLnBrk="1" latinLnBrk="0" hangingPunct="1">
+        <a:spcBef>
+          <a:spcPct val="20000"/>
+        </a:spcBef>
+        <a:buFont typeface="Arial"/>
+        <a:buChar char="•"/>
+        <a:defRPr sz="2667" kern="1200">
+          <a:solidFill>
+            <a:schemeClr val="tx1"/>
+          </a:solidFill>
+          <a:latin typeface="+mn-lt"/>
+          <a:ea typeface="+mn-ea"/>
+          <a:cs typeface="+mn-cs"/>
+        </a:defRPr>
+      </a:lvl8pPr>
+      <a:lvl9pPr marL="5181470" indent="-304792" algn="l" defTabSz="609585" rtl="0" eaLnBrk="1" latinLnBrk="0" hangingPunct="1">
+        <a:spcBef>
+          <a:spcPct val="20000"/>
+        </a:spcBef>
+        <a:buFont typeface="Arial"/>
+        <a:buChar char="•"/>
+        <a:defRPr sz="2667" kern="1200">
+          <a:solidFill>
+            <a:schemeClr val="tx1"/>
+          </a:solidFill>
+          <a:latin typeface="+mn-lt"/>
+          <a:ea typeface="+mn-ea"/>
+          <a:cs typeface="+mn-cs"/>
+        </a:defRPr>
+      </a:lvl9pPr>
+    </p:bodyStyle>
+    <p:otherStyle>
+      <a:defPPr>
+        <a:defRPr lang="en-US"/>
+      </a:defPPr>
+      <a:lvl1pPr marL="0" algn="l" defTabSz="609585" rtl="0" eaLnBrk="1" latinLnBrk="0" hangingPunct="1">
+        <a:defRPr sz="2400" kern="1200">
+          <a:solidFill>
+            <a:schemeClr val="tx1"/>
+          </a:solidFill>
+          <a:latin typeface="+mn-lt"/>
+          <a:ea typeface="+mn-ea"/>
+          <a:cs typeface="+mn-cs"/>
+        </a:defRPr>
+      </a:lvl1pPr>
+      <a:lvl2pPr marL="609585" algn="l" defTabSz="609585" rtl="0" eaLnBrk="1" latinLnBrk="0" hangingPunct="1">
+        <a:defRPr sz="2400" kern="1200">
+          <a:solidFill>
+            <a:schemeClr val="tx1"/>
+          </a:solidFill>
+          <a:latin typeface="+mn-lt"/>
+          <a:ea typeface="+mn-ea"/>
+          <a:cs typeface="+mn-cs"/>
+        </a:defRPr>
+      </a:lvl2pPr>
+      <a:lvl3pPr marL="1219170" algn="l" defTabSz="609585" rtl="0" eaLnBrk="1" latinLnBrk="0" hangingPunct="1">
+        <a:defRPr sz="2400" kern="1200">
+          <a:solidFill>
+            <a:schemeClr val="tx1"/>
+          </a:solidFill>
+          <a:latin typeface="+mn-lt"/>
+          <a:ea typeface="+mn-ea"/>
+          <a:cs typeface="+mn-cs"/>
+        </a:defRPr>
+      </a:lvl3pPr>
+      <a:lvl4pPr marL="1828754" algn="l" defTabSz="609585" rtl="0" eaLnBrk="1" latinLnBrk="0" hangingPunct="1">
+        <a:defRPr sz="2400" kern="1200">
+          <a:solidFill>
+            <a:schemeClr val="tx1"/>
+          </a:solidFill>
+          <a:latin typeface="+mn-lt"/>
+          <a:ea typeface="+mn-ea"/>
+          <a:cs typeface="+mn-cs"/>
+        </a:defRPr>
+      </a:lvl4pPr>
+      <a:lvl5pPr marL="2438339" algn="l" defTabSz="609585" rtl="0" eaLnBrk="1" latinLnBrk="0" hangingPunct="1">
+        <a:defRPr sz="2400" kern="1200">
+          <a:solidFill>
+            <a:schemeClr val="tx1"/>
+          </a:solidFill>
+          <a:latin typeface="+mn-lt"/>
+          <a:ea typeface="+mn-ea"/>
+          <a:cs typeface="+mn-cs"/>
+        </a:defRPr>
+      </a:lvl5pPr>
+      <a:lvl6pPr marL="3047924" algn="l" defTabSz="609585" rtl="0" eaLnBrk="1" latinLnBrk="0" hangingPunct="1">
+        <a:defRPr sz="2400" kern="1200">
+          <a:solidFill>
+            <a:schemeClr val="tx1"/>
+          </a:solidFill>
+          <a:latin typeface="+mn-lt"/>
+          <a:ea typeface="+mn-ea"/>
+          <a:cs typeface="+mn-cs"/>
+        </a:defRPr>
+      </a:lvl6pPr>
+      <a:lvl7pPr marL="3657509" algn="l" defTabSz="609585" rtl="0" eaLnBrk="1" latinLnBrk="0" hangingPunct="1">
+        <a:defRPr sz="2400" kern="1200">
+          <a:solidFill>
+            <a:schemeClr val="tx1"/>
+          </a:solidFill>
+          <a:latin typeface="+mn-lt"/>
+          <a:ea typeface="+mn-ea"/>
+          <a:cs typeface="+mn-cs"/>
+        </a:defRPr>
+      </a:lvl7pPr>
+      <a:lvl8pPr marL="4267093" algn="l" defTabSz="609585" rtl="0" eaLnBrk="1" latinLnBrk="0" hangingPunct="1">
+        <a:defRPr sz="2400" kern="1200">
+          <a:solidFill>
+            <a:schemeClr val="tx1"/>
+          </a:solidFill>
+          <a:latin typeface="+mn-lt"/>
+          <a:ea typeface="+mn-ea"/>
+          <a:cs typeface="+mn-cs"/>
+        </a:defRPr>
+      </a:lvl8pPr>
+      <a:lvl9pPr marL="4876678" algn="l" defTabSz="609585" rtl="0" eaLnBrk="1" latinLnBrk="0" hangingPunct="1">
+        <a:defRPr sz="2400" kern="1200">
+          <a:solidFill>
+            <a:schemeClr val="tx1"/>
+          </a:solidFill>
+          <a:latin typeface="+mn-lt"/>
+          <a:ea typeface="+mn-ea"/>
+          <a:cs typeface="+mn-cs"/>
+        </a:defRPr>
+      </a:lvl9pPr>
+    </p:otherStyle>
+  </p:txStyles>
+</p:sldMaster>
+</file>
+
 <file path=ppt/slides/slide1.xml><?xml version="1.0" encoding="utf-8"?>
 <p:sld xmlns:a="http://schemas.openxmlformats.org/drawingml/2006/main" xmlns:r="http://schemas.openxmlformats.org/officeDocument/2006/relationships" xmlns:p="http://schemas.openxmlformats.org/presentationml/2006/main">
   <p:cSld>
@@ -2968,9 +7266,437 @@
           <a:chExt cx="0" cy="0"/>
         </a:xfrm>
       </p:grpSpPr>
+      <p:sp>
+        <p:nvSpPr>
+          <p:cNvPr id="4" name="Rectangle 3">
+            <a:extLst>
+              <a:ext uri="{FF2B5EF4-FFF2-40B4-BE49-F238E27FC236}">
+                <a16:creationId xmlns:a16="http://schemas.microsoft.com/office/drawing/2014/main" id="{2DB7453A-5DFD-6B43-9EF9-B4DB30288921}"/>
+              </a:ext>
+            </a:extLst>
+          </p:cNvPr>
+          <p:cNvSpPr/>
+          <p:nvPr/>
+        </p:nvSpPr>
+        <p:spPr>
+          <a:xfrm>
+            <a:off x="0" y="4343400"/>
+            <a:ext cx="12192000" cy="2514600"/>
+          </a:xfrm>
+          <a:prstGeom prst="rect">
+            <a:avLst/>
+          </a:prstGeom>
+          <a:solidFill>
+            <a:srgbClr val="403938"/>
+          </a:solidFill>
+          <a:ln>
+            <a:noFill/>
+          </a:ln>
+        </p:spPr>
+        <p:style>
+          <a:lnRef idx="1">
+            <a:schemeClr val="accent1"/>
+          </a:lnRef>
+          <a:fillRef idx="3">
+            <a:schemeClr val="accent1"/>
+          </a:fillRef>
+          <a:effectRef idx="2">
+            <a:schemeClr val="accent1"/>
+          </a:effectRef>
+          <a:fontRef idx="minor">
+            <a:schemeClr val="lt1"/>
+          </a:fontRef>
+        </p:style>
+        <p:txBody>
+          <a:bodyPr rtlCol="0" anchor="ctr"/>
+          <a:lstStyle/>
+          <a:p>
+            <a:pPr algn="ctr" defTabSz="1219170"/>
+            <a:endParaRPr lang="en-US" sz="2400" dirty="0">
+              <a:solidFill>
+                <a:prstClr val="white"/>
+              </a:solidFill>
+              <a:latin typeface="Calibri"/>
+            </a:endParaRPr>
+          </a:p>
+        </p:txBody>
+      </p:sp>
+      <p:sp>
+        <p:nvSpPr>
+          <p:cNvPr id="6" name="Rectangle 5"/>
+          <p:cNvSpPr>
+            <a:spLocks noChangeArrowheads="1"/>
+          </p:cNvSpPr>
+          <p:nvPr/>
+        </p:nvSpPr>
+        <p:spPr bwMode="auto">
+          <a:xfrm>
+            <a:off x="304800" y="4826683"/>
+            <a:ext cx="5317067" cy="1727200"/>
+          </a:xfrm>
+          <a:prstGeom prst="rect">
+            <a:avLst/>
+          </a:prstGeom>
+          <a:noFill/>
+          <a:ln>
+            <a:noFill/>
+          </a:ln>
+          <a:effectLst/>
+          <a:extLst>
+            <a:ext uri="{909E8E84-426E-40DD-AFC4-6F175D3DCCD1}">
+              <a14:hiddenFill xmlns:a14="http://schemas.microsoft.com/office/drawing/2010/main">
+                <a:solidFill>
+                  <a:schemeClr val="accent1"/>
+                </a:solidFill>
+              </a14:hiddenFill>
+            </a:ext>
+            <a:ext uri="{91240B29-F687-4F45-9708-019B960494DF}">
+              <a14:hiddenLine xmlns:a14="http://schemas.microsoft.com/office/drawing/2010/main" w="9525">
+                <a:solidFill>
+                  <a:schemeClr val="tx1"/>
+                </a:solidFill>
+                <a:miter lim="800000"/>
+                <a:headEnd/>
+                <a:tailEnd/>
+              </a14:hiddenLine>
+            </a:ext>
+            <a:ext uri="{AF507438-7753-43E0-B8FC-AC1667EBCBE1}">
+              <a14:hiddenEffects xmlns:a14="http://schemas.microsoft.com/office/drawing/2010/main">
+                <a:effectLst>
+                  <a:outerShdw dist="35921" dir="2700000" algn="ctr" rotWithShape="0">
+                    <a:schemeClr val="bg2"/>
+                  </a:outerShdw>
+                </a:effectLst>
+              </a14:hiddenEffects>
+            </a:ext>
+          </a:extLst>
+        </p:spPr>
+        <p:txBody>
+          <a:bodyPr lIns="114564" tIns="57283" rIns="114564" bIns="57283"/>
+          <a:lstStyle/>
+          <a:p>
+            <a:pPr defTabSz="1219170">
+              <a:defRPr/>
+            </a:pPr>
+            <a:r>
+              <a:rPr lang="en-US" sz="4267" b="1" dirty="0">
+                <a:solidFill>
+                  <a:prstClr val="white"/>
+                </a:solidFill>
+                <a:latin typeface="Arial" charset="0"/>
+              </a:rPr>
+              <a:t>Chris Woodruff</a:t>
+            </a:r>
+            <a:endParaRPr lang="en-US" sz="3733" b="1" dirty="0">
+              <a:solidFill>
+                <a:prstClr val="white"/>
+              </a:solidFill>
+              <a:latin typeface="Arial" charset="0"/>
+            </a:endParaRPr>
+          </a:p>
+          <a:p>
+            <a:pPr defTabSz="1219170">
+              <a:defRPr/>
+            </a:pPr>
+            <a:r>
+              <a:rPr lang="en-US" sz="3200" b="1" dirty="0" err="1">
+                <a:solidFill>
+                  <a:prstClr val="white"/>
+                </a:solidFill>
+                <a:latin typeface="Arial" charset="0"/>
+              </a:rPr>
+              <a:t>LearningAbout.Dev</a:t>
+            </a:r>
+            <a:endParaRPr lang="en-US" sz="3200" b="1" dirty="0">
+              <a:solidFill>
+                <a:prstClr val="white"/>
+              </a:solidFill>
+              <a:latin typeface="Arial" charset="0"/>
+            </a:endParaRPr>
+          </a:p>
+          <a:p>
+            <a:pPr defTabSz="1219170">
+              <a:defRPr/>
+            </a:pPr>
+            <a:endParaRPr lang="en-US" sz="2400" b="1" dirty="0">
+              <a:solidFill>
+                <a:prstClr val="white"/>
+              </a:solidFill>
+              <a:latin typeface="Arial" charset="0"/>
+            </a:endParaRPr>
+          </a:p>
+          <a:p>
+            <a:pPr defTabSz="1219170">
+              <a:defRPr/>
+            </a:pPr>
+            <a:endParaRPr lang="en-US" sz="1867" dirty="0">
+              <a:solidFill>
+                <a:prstClr val="white"/>
+              </a:solidFill>
+              <a:latin typeface="Times New Roman" pitchFamily="28" charset="0"/>
+            </a:endParaRPr>
+          </a:p>
+        </p:txBody>
+      </p:sp>
+      <p:sp>
+        <p:nvSpPr>
+          <p:cNvPr id="7" name="Text Box 7"/>
+          <p:cNvSpPr txBox="1">
+            <a:spLocks noChangeArrowheads="1"/>
+          </p:cNvSpPr>
+          <p:nvPr/>
+        </p:nvSpPr>
+        <p:spPr bwMode="auto">
+          <a:xfrm>
+            <a:off x="7924801" y="4824276"/>
+            <a:ext cx="4889497" cy="830997"/>
+          </a:xfrm>
+          <a:prstGeom prst="rect">
+            <a:avLst/>
+          </a:prstGeom>
+          <a:noFill/>
+          <a:ln>
+            <a:noFill/>
+          </a:ln>
+          <a:effectLst/>
+          <a:extLst>
+            <a:ext uri="{909E8E84-426E-40DD-AFC4-6F175D3DCCD1}">
+              <a14:hiddenFill xmlns:a14="http://schemas.microsoft.com/office/drawing/2010/main">
+                <a:solidFill>
+                  <a:schemeClr val="accent1"/>
+                </a:solidFill>
+              </a14:hiddenFill>
+            </a:ext>
+            <a:ext uri="{91240B29-F687-4F45-9708-019B960494DF}">
+              <a14:hiddenLine xmlns:a14="http://schemas.microsoft.com/office/drawing/2010/main" w="9525" algn="ctr">
+                <a:solidFill>
+                  <a:schemeClr val="tx1"/>
+                </a:solidFill>
+                <a:miter lim="800000"/>
+                <a:headEnd/>
+                <a:tailEnd/>
+              </a14:hiddenLine>
+            </a:ext>
+            <a:ext uri="{AF507438-7753-43E0-B8FC-AC1667EBCBE1}">
+              <a14:hiddenEffects xmlns:a14="http://schemas.microsoft.com/office/drawing/2010/main">
+                <a:effectLst>
+                  <a:outerShdw dist="35921" dir="2700000" algn="ctr" rotWithShape="0">
+                    <a:schemeClr val="bg2"/>
+                  </a:outerShdw>
+                </a:effectLst>
+              </a14:hiddenEffects>
+            </a:ext>
+          </a:extLst>
+        </p:spPr>
+        <p:txBody>
+          <a:bodyPr wrap="square">
+            <a:spAutoFit/>
+          </a:bodyPr>
+          <a:lstStyle>
+            <a:lvl1pPr>
+              <a:defRPr sz="1600">
+                <a:solidFill>
+                  <a:schemeClr val="tx1"/>
+                </a:solidFill>
+                <a:latin typeface="Lucida Console" pitchFamily="49" charset="0"/>
+                <a:cs typeface="Arial" charset="0"/>
+              </a:defRPr>
+            </a:lvl1pPr>
+            <a:lvl2pPr marL="742950" indent="-285750">
+              <a:defRPr sz="1600">
+                <a:solidFill>
+                  <a:schemeClr val="tx1"/>
+                </a:solidFill>
+                <a:latin typeface="Lucida Console" pitchFamily="49" charset="0"/>
+                <a:cs typeface="Arial" charset="0"/>
+              </a:defRPr>
+            </a:lvl2pPr>
+            <a:lvl3pPr marL="1143000" indent="-228600">
+              <a:defRPr sz="1600">
+                <a:solidFill>
+                  <a:schemeClr val="tx1"/>
+                </a:solidFill>
+                <a:latin typeface="Lucida Console" pitchFamily="49" charset="0"/>
+                <a:cs typeface="Arial" charset="0"/>
+              </a:defRPr>
+            </a:lvl3pPr>
+            <a:lvl4pPr marL="1600200" indent="-228600">
+              <a:defRPr sz="1600">
+                <a:solidFill>
+                  <a:schemeClr val="tx1"/>
+                </a:solidFill>
+                <a:latin typeface="Lucida Console" pitchFamily="49" charset="0"/>
+                <a:cs typeface="Arial" charset="0"/>
+              </a:defRPr>
+            </a:lvl4pPr>
+            <a:lvl5pPr marL="2057400" indent="-228600">
+              <a:defRPr sz="1600">
+                <a:solidFill>
+                  <a:schemeClr val="tx1"/>
+                </a:solidFill>
+                <a:latin typeface="Lucida Console" pitchFamily="49" charset="0"/>
+                <a:cs typeface="Arial" charset="0"/>
+              </a:defRPr>
+            </a:lvl5pPr>
+            <a:lvl6pPr marL="2514600" indent="-228600" eaLnBrk="0" fontAlgn="base" hangingPunct="0">
+              <a:spcBef>
+                <a:spcPct val="0"/>
+              </a:spcBef>
+              <a:spcAft>
+                <a:spcPct val="0"/>
+              </a:spcAft>
+              <a:defRPr sz="1600">
+                <a:solidFill>
+                  <a:schemeClr val="tx1"/>
+                </a:solidFill>
+                <a:latin typeface="Lucida Console" pitchFamily="49" charset="0"/>
+                <a:cs typeface="Arial" charset="0"/>
+              </a:defRPr>
+            </a:lvl6pPr>
+            <a:lvl7pPr marL="2971800" indent="-228600" eaLnBrk="0" fontAlgn="base" hangingPunct="0">
+              <a:spcBef>
+                <a:spcPct val="0"/>
+              </a:spcBef>
+              <a:spcAft>
+                <a:spcPct val="0"/>
+              </a:spcAft>
+              <a:defRPr sz="1600">
+                <a:solidFill>
+                  <a:schemeClr val="tx1"/>
+                </a:solidFill>
+                <a:latin typeface="Lucida Console" pitchFamily="49" charset="0"/>
+                <a:cs typeface="Arial" charset="0"/>
+              </a:defRPr>
+            </a:lvl7pPr>
+            <a:lvl8pPr marL="3429000" indent="-228600" eaLnBrk="0" fontAlgn="base" hangingPunct="0">
+              <a:spcBef>
+                <a:spcPct val="0"/>
+              </a:spcBef>
+              <a:spcAft>
+                <a:spcPct val="0"/>
+              </a:spcAft>
+              <a:defRPr sz="1600">
+                <a:solidFill>
+                  <a:schemeClr val="tx1"/>
+                </a:solidFill>
+                <a:latin typeface="Lucida Console" pitchFamily="49" charset="0"/>
+                <a:cs typeface="Arial" charset="0"/>
+              </a:defRPr>
+            </a:lvl8pPr>
+            <a:lvl9pPr marL="3886200" indent="-228600" eaLnBrk="0" fontAlgn="base" hangingPunct="0">
+              <a:spcBef>
+                <a:spcPct val="0"/>
+              </a:spcBef>
+              <a:spcAft>
+                <a:spcPct val="0"/>
+              </a:spcAft>
+              <a:defRPr sz="1600">
+                <a:solidFill>
+                  <a:schemeClr val="tx1"/>
+                </a:solidFill>
+                <a:latin typeface="Lucida Console" pitchFamily="49" charset="0"/>
+                <a:cs typeface="Arial" charset="0"/>
+              </a:defRPr>
+            </a:lvl9pPr>
+          </a:lstStyle>
+          <a:p>
+            <a:pPr defTabSz="1219170"/>
+            <a:r>
+              <a:rPr lang="en-US" sz="2667" dirty="0">
+                <a:solidFill>
+                  <a:prstClr val="white"/>
+                </a:solidFill>
+                <a:latin typeface="Arial" charset="0"/>
+              </a:rPr>
+              <a:t>Level: Intermediate, etc.</a:t>
+            </a:r>
+          </a:p>
+          <a:p>
+            <a:pPr defTabSz="1219170"/>
+            <a:endParaRPr lang="en-US" sz="2133" b="1" dirty="0">
+              <a:solidFill>
+                <a:prstClr val="white"/>
+              </a:solidFill>
+              <a:latin typeface="Arial" charset="0"/>
+            </a:endParaRPr>
+          </a:p>
+        </p:txBody>
+      </p:sp>
       <p:pic>
         <p:nvPicPr>
-          <p:cNvPr id="5" name="Picture 4">
+          <p:cNvPr id="2" name="Picture 1"/>
+          <p:cNvPicPr>
+            <a:picLocks noChangeAspect="1"/>
+          </p:cNvPicPr>
+          <p:nvPr/>
+        </p:nvPicPr>
+        <p:blipFill>
+          <a:blip r:embed="rId3">
+            <a:extLst>
+              <a:ext uri="{28A0092B-C50C-407E-A947-70E740481C1C}">
+                <a14:useLocalDpi xmlns:a14="http://schemas.microsoft.com/office/drawing/2010/main" val="0"/>
+              </a:ext>
+            </a:extLst>
+          </a:blip>
+          <a:stretch>
+            <a:fillRect/>
+          </a:stretch>
+        </p:blipFill>
+        <p:spPr>
+          <a:xfrm>
+            <a:off x="0" y="-17379"/>
+            <a:ext cx="12192000" cy="4665579"/>
+          </a:xfrm>
+          <a:prstGeom prst="rect">
+            <a:avLst/>
+          </a:prstGeom>
+        </p:spPr>
+      </p:pic>
+    </p:spTree>
+    <p:extLst>
+      <p:ext uri="{BB962C8B-B14F-4D97-AF65-F5344CB8AC3E}">
+        <p14:creationId xmlns:p14="http://schemas.microsoft.com/office/powerpoint/2010/main" val="1057191978"/>
+      </p:ext>
+    </p:extLst>
+  </p:cSld>
+  <p:clrMapOvr>
+    <a:masterClrMapping/>
+  </p:clrMapOvr>
+  <p:transition spd="slow"/>
+</p:sld>
+</file>
+
+<file path=ppt/slides/slide2.xml><?xml version="1.0" encoding="utf-8"?>
+<p:sld xmlns:a="http://schemas.openxmlformats.org/drawingml/2006/main" xmlns:r="http://schemas.openxmlformats.org/officeDocument/2006/relationships" xmlns:p="http://schemas.openxmlformats.org/presentationml/2006/main">
+  <p:cSld>
+    <p:bg>
+      <p:bgPr>
+        <a:solidFill>
+          <a:schemeClr val="bg1">
+            <a:lumMod val="75000"/>
+            <a:lumOff val="25000"/>
+          </a:schemeClr>
+        </a:solidFill>
+        <a:effectLst/>
+      </p:bgPr>
+    </p:bg>
+    <p:spTree>
+      <p:nvGrpSpPr>
+        <p:cNvPr id="1" name=""/>
+        <p:cNvGrpSpPr/>
+        <p:nvPr/>
+      </p:nvGrpSpPr>
+      <p:grpSpPr>
+        <a:xfrm>
+          <a:off x="0" y="0"/>
+          <a:ext cx="0" cy="0"/>
+          <a:chOff x="0" y="0"/>
+          <a:chExt cx="0" cy="0"/>
+        </a:xfrm>
+      </p:grpSpPr>
+      <p:pic>
+        <p:nvPicPr>
+          <p:cNvPr id="5" name="Picture 4" descr="Diagram&#10;&#10;Description automatically generated">
             <a:extLst>
               <a:ext uri="{FF2B5EF4-FFF2-40B4-BE49-F238E27FC236}">
                 <a16:creationId xmlns:a16="http://schemas.microsoft.com/office/drawing/2014/main" id="{B946C6F9-B69A-4AE2-B492-CA4DFC744796}"/>
@@ -2983,14 +7709,23 @@
           <p:nvPr/>
         </p:nvPicPr>
         <p:blipFill rotWithShape="1">
-          <a:blip r:embed="rId2"/>
-          <a:srcRect t="29688"/>
+          <a:blip r:embed="rId2">
+            <a:duotone>
+              <a:schemeClr val="bg2">
+                <a:shade val="45000"/>
+                <a:satMod val="135000"/>
+              </a:schemeClr>
+              <a:prstClr val="white"/>
+            </a:duotone>
+            <a:alphaModFix amt="35000"/>
+          </a:blip>
+          <a:srcRect t="29687"/>
           <a:stretch/>
         </p:blipFill>
         <p:spPr>
           <a:xfrm>
-            <a:off x="-3047" y="10"/>
-            <a:ext cx="12191999" cy="6857990"/>
+            <a:off x="20" y="10"/>
+            <a:ext cx="12191980" cy="6857990"/>
           </a:xfrm>
           <a:prstGeom prst="rect">
             <a:avLst/>
@@ -3015,16 +7750,9 @@
         </p:nvSpPr>
         <p:spPr>
           <a:xfrm>
-            <a:off x="1097280" y="325550"/>
-            <a:ext cx="10058400" cy="3574778"/>
+            <a:off x="1097280" y="758952"/>
+            <a:ext cx="10058400" cy="3566160"/>
           </a:xfrm>
-          <a:effectLst>
-            <a:outerShdw blurRad="50800" dist="38100" dir="2700000" algn="tl" rotWithShape="0">
-              <a:prstClr val="black">
-                <a:alpha val="40000"/>
-              </a:prstClr>
-            </a:outerShdw>
-          </a:effectLst>
         </p:spPr>
         <p:txBody>
           <a:bodyPr>
@@ -3032,11 +7760,10 @@
           </a:bodyPr>
           <a:lstStyle/>
           <a:p>
-            <a:endParaRPr lang="en-US" sz="5200">
-              <a:solidFill>
-                <a:srgbClr val="FFFFFF"/>
-              </a:solidFill>
-            </a:endParaRPr>
+            <a:r>
+              <a:rPr lang="en-US"/>
+              <a:t>Consuming Web API in .NET</a:t>
+            </a:r>
           </a:p>
         </p:txBody>
       </p:sp>
@@ -3058,16 +7785,9 @@
         </p:nvSpPr>
         <p:spPr>
           <a:xfrm>
-            <a:off x="1100051" y="4072043"/>
-            <a:ext cx="10058400" cy="1282707"/>
+            <a:off x="1100051" y="4455621"/>
+            <a:ext cx="10058400" cy="1143000"/>
           </a:xfrm>
-          <a:effectLst>
-            <a:outerShdw blurRad="50800" dist="38100" dir="2700000" algn="tl" rotWithShape="0">
-              <a:prstClr val="black">
-                <a:alpha val="40000"/>
-              </a:prstClr>
-            </a:outerShdw>
-          </a:effectLst>
         </p:spPr>
         <p:txBody>
           <a:bodyPr>
@@ -3077,11 +7797,180 @@
           <a:p>
             <a:endParaRPr lang="en-US">
               <a:solidFill>
-                <a:srgbClr val="FFFFFF"/>
+                <a:schemeClr val="tx1">
+                  <a:lumMod val="85000"/>
+                  <a:lumOff val="15000"/>
+                </a:schemeClr>
               </a:solidFill>
             </a:endParaRPr>
           </a:p>
         </p:txBody>
+      </p:sp>
+      <p:cxnSp>
+        <p:nvCxnSpPr>
+          <p:cNvPr id="10" name="Straight Connector 9">
+            <a:extLst>
+              <a:ext uri="{FF2B5EF4-FFF2-40B4-BE49-F238E27FC236}">
+                <a16:creationId xmlns:a16="http://schemas.microsoft.com/office/drawing/2014/main" id="{DBF2F6E1-D8C6-42AA-BFD0-84E0D68206AC}"/>
+              </a:ext>
+              <a:ext uri="{C183D7F6-B498-43B3-948B-1728B52AA6E4}">
+                <adec:decorative xmlns:adec="http://schemas.microsoft.com/office/drawing/2017/decorative" val="1"/>
+              </a:ext>
+            </a:extLst>
+          </p:cNvPr>
+          <p:cNvCxnSpPr>
+            <a:cxnSpLocks noGrp="1" noRot="1" noChangeAspect="1" noMove="1" noResize="1" noEditPoints="1" noAdjustHandles="1" noChangeArrowheads="1" noChangeShapeType="1"/>
+          </p:cNvCxnSpPr>
+          <p:nvPr>
+            <p:extLst>
+              <p:ext uri="{386F3935-93C4-4BCD-93E2-E3B085C9AB24}">
+                <p16:designElem xmlns:p16="http://schemas.microsoft.com/office/powerpoint/2015/main" val="1"/>
+              </p:ext>
+            </p:extLst>
+          </p:nvPr>
+        </p:nvCxnSpPr>
+        <p:spPr>
+          <a:xfrm>
+            <a:off x="1207658" y="4343400"/>
+            <a:ext cx="9875520" cy="0"/>
+          </a:xfrm>
+          <a:prstGeom prst="line">
+            <a:avLst/>
+          </a:prstGeom>
+          <a:ln w="6350">
+            <a:solidFill>
+              <a:schemeClr val="tx2">
+                <a:alpha val="90000"/>
+              </a:schemeClr>
+            </a:solidFill>
+          </a:ln>
+        </p:spPr>
+        <p:style>
+          <a:lnRef idx="1">
+            <a:schemeClr val="accent1"/>
+          </a:lnRef>
+          <a:fillRef idx="0">
+            <a:schemeClr val="accent1"/>
+          </a:fillRef>
+          <a:effectRef idx="0">
+            <a:schemeClr val="accent1"/>
+          </a:effectRef>
+          <a:fontRef idx="minor">
+            <a:schemeClr val="tx1"/>
+          </a:fontRef>
+        </p:style>
+      </p:cxnSp>
+      <p:sp>
+        <p:nvSpPr>
+          <p:cNvPr id="12" name="Rectangle 11">
+            <a:extLst>
+              <a:ext uri="{FF2B5EF4-FFF2-40B4-BE49-F238E27FC236}">
+                <a16:creationId xmlns:a16="http://schemas.microsoft.com/office/drawing/2014/main" id="{2A1B3A53-6A5B-4A38-96C5-5ED9977827FD}"/>
+              </a:ext>
+              <a:ext uri="{C183D7F6-B498-43B3-948B-1728B52AA6E4}">
+                <adec:decorative xmlns:adec="http://schemas.microsoft.com/office/drawing/2017/decorative" val="1"/>
+              </a:ext>
+            </a:extLst>
+          </p:cNvPr>
+          <p:cNvSpPr>
+            <a:spLocks noGrp="1" noRot="1" noChangeAspect="1" noMove="1" noResize="1" noEditPoints="1" noAdjustHandles="1" noChangeArrowheads="1" noChangeShapeType="1" noTextEdit="1"/>
+          </p:cNvSpPr>
+          <p:nvPr>
+            <p:extLst>
+              <p:ext uri="{386F3935-93C4-4BCD-93E2-E3B085C9AB24}">
+                <p16:designElem xmlns:p16="http://schemas.microsoft.com/office/powerpoint/2015/main" val="1"/>
+              </p:ext>
+            </p:extLst>
+          </p:nvPr>
+        </p:nvSpPr>
+        <p:spPr>
+          <a:xfrm>
+            <a:off x="15" y="6334316"/>
+            <a:ext cx="12191985" cy="66484"/>
+          </a:xfrm>
+          <a:prstGeom prst="rect">
+            <a:avLst/>
+          </a:prstGeom>
+          <a:solidFill>
+            <a:schemeClr val="accent1"/>
+          </a:solidFill>
+          <a:ln>
+            <a:noFill/>
+          </a:ln>
+        </p:spPr>
+        <p:style>
+          <a:lnRef idx="2">
+            <a:schemeClr val="accent1">
+              <a:shade val="50000"/>
+            </a:schemeClr>
+          </a:lnRef>
+          <a:fillRef idx="1">
+            <a:schemeClr val="accent1"/>
+          </a:fillRef>
+          <a:effectRef idx="0">
+            <a:schemeClr val="accent1"/>
+          </a:effectRef>
+          <a:fontRef idx="minor">
+            <a:schemeClr val="lt1"/>
+          </a:fontRef>
+        </p:style>
+      </p:sp>
+      <p:sp>
+        <p:nvSpPr>
+          <p:cNvPr id="14" name="Rectangle 13">
+            <a:extLst>
+              <a:ext uri="{FF2B5EF4-FFF2-40B4-BE49-F238E27FC236}">
+                <a16:creationId xmlns:a16="http://schemas.microsoft.com/office/drawing/2014/main" id="{2AB40F15-FE8D-444C-91B8-ADAAEE75B9BD}"/>
+              </a:ext>
+              <a:ext uri="{C183D7F6-B498-43B3-948B-1728B52AA6E4}">
+                <adec:decorative xmlns:adec="http://schemas.microsoft.com/office/drawing/2017/decorative" val="1"/>
+              </a:ext>
+            </a:extLst>
+          </p:cNvPr>
+          <p:cNvSpPr>
+            <a:spLocks noGrp="1" noRot="1" noChangeAspect="1" noMove="1" noResize="1" noEditPoints="1" noAdjustHandles="1" noChangeArrowheads="1" noChangeShapeType="1" noTextEdit="1"/>
+          </p:cNvSpPr>
+          <p:nvPr>
+            <p:extLst>
+              <p:ext uri="{386F3935-93C4-4BCD-93E2-E3B085C9AB24}">
+                <p16:designElem xmlns:p16="http://schemas.microsoft.com/office/powerpoint/2015/main" val="1"/>
+              </p:ext>
+            </p:extLst>
+          </p:nvPr>
+        </p:nvSpPr>
+        <p:spPr>
+          <a:xfrm>
+            <a:off x="1" y="6400800"/>
+            <a:ext cx="12192000" cy="457200"/>
+          </a:xfrm>
+          <a:prstGeom prst="rect">
+            <a:avLst/>
+          </a:prstGeom>
+          <a:solidFill>
+            <a:schemeClr val="accent1">
+              <a:lumMod val="75000"/>
+            </a:schemeClr>
+          </a:solidFill>
+          <a:ln>
+            <a:noFill/>
+          </a:ln>
+        </p:spPr>
+        <p:style>
+          <a:lnRef idx="2">
+            <a:schemeClr val="accent1">
+              <a:shade val="50000"/>
+            </a:schemeClr>
+          </a:lnRef>
+          <a:fillRef idx="1">
+            <a:schemeClr val="accent1"/>
+          </a:fillRef>
+          <a:effectRef idx="0">
+            <a:schemeClr val="accent1"/>
+          </a:effectRef>
+          <a:fontRef idx="minor">
+            <a:schemeClr val="lt1"/>
+          </a:fontRef>
+        </p:style>
       </p:sp>
     </p:spTree>
     <p:extLst>
@@ -3097,9 +7986,612 @@
 </file>
 
 <file path=ppt/theme/theme1.xml><?xml version="1.0" encoding="utf-8"?>
+<a:theme xmlns:a="http://schemas.openxmlformats.org/drawingml/2006/main" name="Retrospect">
+  <a:themeElements>
+    <a:clrScheme name="Retrospect">
+      <a:dk1>
+        <a:sysClr val="windowText" lastClr="000000"/>
+      </a:dk1>
+      <a:lt1>
+        <a:sysClr val="window" lastClr="FFFFFF"/>
+      </a:lt1>
+      <a:dk2>
+        <a:srgbClr val="564B3C"/>
+      </a:dk2>
+      <a:lt2>
+        <a:srgbClr val="ECEDD1"/>
+      </a:lt2>
+      <a:accent1>
+        <a:srgbClr val="93A299"/>
+      </a:accent1>
+      <a:accent2>
+        <a:srgbClr val="CF543F"/>
+      </a:accent2>
+      <a:accent3>
+        <a:srgbClr val="B5AE53"/>
+      </a:accent3>
+      <a:accent4>
+        <a:srgbClr val="848058"/>
+      </a:accent4>
+      <a:accent5>
+        <a:srgbClr val="E8B54D"/>
+      </a:accent5>
+      <a:accent6>
+        <a:srgbClr val="786C71"/>
+      </a:accent6>
+      <a:hlink>
+        <a:srgbClr val="CCCC00"/>
+      </a:hlink>
+      <a:folHlink>
+        <a:srgbClr val="B2B2B2"/>
+      </a:folHlink>
+    </a:clrScheme>
+    <a:fontScheme name="Retrospect">
+      <a:majorFont>
+        <a:latin typeface="Calibri Light" panose="020F0302020204030204"/>
+        <a:ea typeface=""/>
+        <a:cs typeface=""/>
+        <a:font script="Jpan" typeface="ＭＳ Ｐゴシック"/>
+        <a:font script="Hang" typeface="맑은 고딕"/>
+        <a:font script="Hans" typeface="宋体"/>
+        <a:font script="Hant" typeface="新細明體"/>
+        <a:font script="Arab" typeface="Times New Roman"/>
+        <a:font script="Hebr" typeface="Times New Roman"/>
+        <a:font script="Thai" typeface="Angsana New"/>
+        <a:font script="Ethi" typeface="Nyala"/>
+        <a:font script="Beng" typeface="Vrinda"/>
+        <a:font script="Gujr" typeface="Shruti"/>
+        <a:font script="Khmr" typeface="MoolBoran"/>
+        <a:font script="Knda" typeface="Tunga"/>
+        <a:font script="Guru" typeface="Raavi"/>
+        <a:font script="Cans" typeface="Euphemia"/>
+        <a:font script="Cher" typeface="Plantagenet Cherokee"/>
+        <a:font script="Yiii" typeface="Microsoft Yi Baiti"/>
+        <a:font script="Tibt" typeface="Microsoft Himalaya"/>
+        <a:font script="Thaa" typeface="MV Boli"/>
+        <a:font script="Deva" typeface="Mangal"/>
+        <a:font script="Telu" typeface="Gautami"/>
+        <a:font script="Taml" typeface="Latha"/>
+        <a:font script="Syrc" typeface="Estrangelo Edessa"/>
+        <a:font script="Orya" typeface="Kalinga"/>
+        <a:font script="Mlym" typeface="Kartika"/>
+        <a:font script="Laoo" typeface="DokChampa"/>
+        <a:font script="Sinh" typeface="Iskoola Pota"/>
+        <a:font script="Mong" typeface="Mongolian Baiti"/>
+        <a:font script="Viet" typeface="Times New Roman"/>
+        <a:font script="Uigh" typeface="Microsoft Uighur"/>
+        <a:font script="Geor" typeface="Sylfaen"/>
+      </a:majorFont>
+      <a:minorFont>
+        <a:latin typeface="Calibri" panose="020F0502020204030204"/>
+        <a:ea typeface=""/>
+        <a:cs typeface=""/>
+        <a:font script="Jpan" typeface="ＭＳ Ｐゴシック"/>
+        <a:font script="Hang" typeface="맑은 고딕"/>
+        <a:font script="Hans" typeface="宋体"/>
+        <a:font script="Hant" typeface="新細明體"/>
+        <a:font script="Arab" typeface="Arial"/>
+        <a:font script="Hebr" typeface="Arial"/>
+        <a:font script="Thai" typeface="Cordia New"/>
+        <a:font script="Ethi" typeface="Nyala"/>
+        <a:font script="Beng" typeface="Vrinda"/>
+        <a:font script="Gujr" typeface="Shruti"/>
+        <a:font script="Khmr" typeface="DaunPenh"/>
+        <a:font script="Knda" typeface="Tunga"/>
+        <a:font script="Guru" typeface="Raavi"/>
+        <a:font script="Cans" typeface="Euphemia"/>
+        <a:font script="Cher" typeface="Plantagenet Cherokee"/>
+        <a:font script="Yiii" typeface="Microsoft Yi Baiti"/>
+        <a:font script="Tibt" typeface="Microsoft Himalaya"/>
+        <a:font script="Thaa" typeface="MV Boli"/>
+        <a:font script="Deva" typeface="Mangal"/>
+        <a:font script="Telu" typeface="Gautami"/>
+        <a:font script="Taml" typeface="Latha"/>
+        <a:font script="Syrc" typeface="Estrangelo Edessa"/>
+        <a:font script="Orya" typeface="Kalinga"/>
+        <a:font script="Mlym" typeface="Kartika"/>
+        <a:font script="Laoo" typeface="DokChampa"/>
+        <a:font script="Sinh" typeface="Iskoola Pota"/>
+        <a:font script="Mong" typeface="Mongolian Baiti"/>
+        <a:font script="Viet" typeface="Arial"/>
+        <a:font script="Uigh" typeface="Microsoft Uighur"/>
+        <a:font script="Geor" typeface="Sylfaen"/>
+      </a:minorFont>
+    </a:fontScheme>
+    <a:fmtScheme name="Retrospect">
+      <a:fillStyleLst>
+        <a:solidFill>
+          <a:schemeClr val="phClr"/>
+        </a:solidFill>
+        <a:gradFill rotWithShape="1">
+          <a:gsLst>
+            <a:gs pos="0">
+              <a:schemeClr val="phClr">
+                <a:tint val="65000"/>
+                <a:shade val="92000"/>
+                <a:satMod val="130000"/>
+              </a:schemeClr>
+            </a:gs>
+            <a:gs pos="45000">
+              <a:schemeClr val="phClr">
+                <a:tint val="60000"/>
+                <a:shade val="99000"/>
+                <a:satMod val="120000"/>
+              </a:schemeClr>
+            </a:gs>
+            <a:gs pos="100000">
+              <a:schemeClr val="phClr">
+                <a:tint val="55000"/>
+                <a:satMod val="140000"/>
+              </a:schemeClr>
+            </a:gs>
+          </a:gsLst>
+          <a:path path="circle">
+            <a:fillToRect l="100000" t="100000" r="100000" b="100000"/>
+          </a:path>
+        </a:gradFill>
+        <a:gradFill rotWithShape="1">
+          <a:gsLst>
+            <a:gs pos="0">
+              <a:schemeClr val="phClr">
+                <a:shade val="85000"/>
+                <a:satMod val="130000"/>
+              </a:schemeClr>
+            </a:gs>
+            <a:gs pos="34000">
+              <a:schemeClr val="phClr">
+                <a:shade val="87000"/>
+                <a:satMod val="125000"/>
+              </a:schemeClr>
+            </a:gs>
+            <a:gs pos="70000">
+              <a:schemeClr val="phClr">
+                <a:tint val="100000"/>
+                <a:shade val="90000"/>
+                <a:satMod val="130000"/>
+              </a:schemeClr>
+            </a:gs>
+            <a:gs pos="100000">
+              <a:schemeClr val="phClr">
+                <a:tint val="100000"/>
+                <a:shade val="100000"/>
+                <a:satMod val="110000"/>
+              </a:schemeClr>
+            </a:gs>
+          </a:gsLst>
+          <a:path path="circle">
+            <a:fillToRect l="100000" t="100000" r="100000" b="100000"/>
+          </a:path>
+        </a:gradFill>
+      </a:fillStyleLst>
+      <a:lnStyleLst>
+        <a:ln w="12700" cap="flat" cmpd="sng" algn="ctr">
+          <a:solidFill>
+            <a:schemeClr val="phClr"/>
+          </a:solidFill>
+          <a:prstDash val="solid"/>
+        </a:ln>
+        <a:ln w="15875" cap="flat" cmpd="sng" algn="ctr">
+          <a:solidFill>
+            <a:schemeClr val="phClr"/>
+          </a:solidFill>
+          <a:prstDash val="solid"/>
+        </a:ln>
+        <a:ln w="25400" cap="flat" cmpd="sng" algn="ctr">
+          <a:solidFill>
+            <a:schemeClr val="phClr"/>
+          </a:solidFill>
+          <a:prstDash val="solid"/>
+        </a:ln>
+      </a:lnStyleLst>
+      <a:effectStyleLst>
+        <a:effectStyle>
+          <a:effectLst/>
+        </a:effectStyle>
+        <a:effectStyle>
+          <a:effectLst>
+            <a:outerShdw blurRad="38100" dist="25400" dir="2700000" algn="br" rotWithShape="0">
+              <a:srgbClr val="000000">
+                <a:alpha val="60000"/>
+              </a:srgbClr>
+            </a:outerShdw>
+          </a:effectLst>
+        </a:effectStyle>
+        <a:effectStyle>
+          <a:effectLst>
+            <a:outerShdw blurRad="44450" dist="25400" dir="2700000" algn="br" rotWithShape="0">
+              <a:srgbClr val="000000">
+                <a:alpha val="60000"/>
+              </a:srgbClr>
+            </a:outerShdw>
+          </a:effectLst>
+          <a:scene3d>
+            <a:camera prst="orthographicFront">
+              <a:rot lat="0" lon="0" rev="0"/>
+            </a:camera>
+            <a:lightRig rig="threePt" dir="t">
+              <a:rot lat="0" lon="0" rev="19800000"/>
+            </a:lightRig>
+          </a:scene3d>
+          <a:sp3d prstMaterial="flat">
+            <a:bevelT w="25400" h="31750"/>
+          </a:sp3d>
+        </a:effectStyle>
+      </a:effectStyleLst>
+      <a:bgFillStyleLst>
+        <a:solidFill>
+          <a:schemeClr val="phClr"/>
+        </a:solidFill>
+        <a:solidFill>
+          <a:schemeClr val="phClr">
+            <a:tint val="90000"/>
+            <a:shade val="97000"/>
+            <a:satMod val="130000"/>
+          </a:schemeClr>
+        </a:solidFill>
+        <a:gradFill rotWithShape="1">
+          <a:gsLst>
+            <a:gs pos="0">
+              <a:schemeClr val="phClr">
+                <a:tint val="96000"/>
+                <a:shade val="99000"/>
+                <a:satMod val="140000"/>
+              </a:schemeClr>
+            </a:gs>
+            <a:gs pos="65000">
+              <a:schemeClr val="phClr">
+                <a:tint val="100000"/>
+                <a:shade val="80000"/>
+                <a:satMod val="130000"/>
+              </a:schemeClr>
+            </a:gs>
+            <a:gs pos="100000">
+              <a:schemeClr val="phClr">
+                <a:tint val="100000"/>
+                <a:shade val="48000"/>
+                <a:satMod val="120000"/>
+              </a:schemeClr>
+            </a:gs>
+          </a:gsLst>
+          <a:lin ang="16200000" scaled="0"/>
+        </a:gradFill>
+      </a:bgFillStyleLst>
+    </a:fmtScheme>
+  </a:themeElements>
+  <a:objectDefaults/>
+  <a:extraClrSchemeLst/>
+  <a:extLst>
+    <a:ext uri="{05A4C25C-085E-4340-85A3-A5531E510DB2}">
+      <thm15:themeFamily xmlns:thm15="http://schemas.microsoft.com/office/thememl/2012/main" name="Retrospect" id="{5F128B03-DCCA-4EEB-AB3B-CF2899314A46}" vid="{E3DA18C2-75F1-4980-A5F0-165F6F71DE6D}"/>
+    </a:ext>
+  </a:extLst>
+</a:theme>
+</file>
+
+<file path=ppt/theme/theme2.xml><?xml version="1.0" encoding="utf-8"?>
+<a:theme xmlns:a="http://schemas.openxmlformats.org/drawingml/2006/main" name="Custom Design">
+  <a:themeElements>
+    <a:clrScheme name="Office">
+      <a:dk1>
+        <a:sysClr val="windowText" lastClr="000000"/>
+      </a:dk1>
+      <a:lt1>
+        <a:sysClr val="window" lastClr="FFFFFF"/>
+      </a:lt1>
+      <a:dk2>
+        <a:srgbClr val="1F497D"/>
+      </a:dk2>
+      <a:lt2>
+        <a:srgbClr val="EEECE1"/>
+      </a:lt2>
+      <a:accent1>
+        <a:srgbClr val="4F81BD"/>
+      </a:accent1>
+      <a:accent2>
+        <a:srgbClr val="C0504D"/>
+      </a:accent2>
+      <a:accent3>
+        <a:srgbClr val="9BBB59"/>
+      </a:accent3>
+      <a:accent4>
+        <a:srgbClr val="8064A2"/>
+      </a:accent4>
+      <a:accent5>
+        <a:srgbClr val="4BACC6"/>
+      </a:accent5>
+      <a:accent6>
+        <a:srgbClr val="F79646"/>
+      </a:accent6>
+      <a:hlink>
+        <a:srgbClr val="0000FF"/>
+      </a:hlink>
+      <a:folHlink>
+        <a:srgbClr val="800080"/>
+      </a:folHlink>
+    </a:clrScheme>
+    <a:fontScheme name="Office">
+      <a:majorFont>
+        <a:latin typeface="Calibri"/>
+        <a:ea typeface=""/>
+        <a:cs typeface=""/>
+        <a:font script="Jpan" typeface="ＭＳ Ｐゴシック"/>
+        <a:font script="Hang" typeface="맑은 고딕"/>
+        <a:font script="Hans" typeface="宋体"/>
+        <a:font script="Hant" typeface="新細明體"/>
+        <a:font script="Arab" typeface="Times New Roman"/>
+        <a:font script="Hebr" typeface="Times New Roman"/>
+        <a:font script="Thai" typeface="Angsana New"/>
+        <a:font script="Ethi" typeface="Nyala"/>
+        <a:font script="Beng" typeface="Vrinda"/>
+        <a:font script="Gujr" typeface="Shruti"/>
+        <a:font script="Khmr" typeface="MoolBoran"/>
+        <a:font script="Knda" typeface="Tunga"/>
+        <a:font script="Guru" typeface="Raavi"/>
+        <a:font script="Cans" typeface="Euphemia"/>
+        <a:font script="Cher" typeface="Plantagenet Cherokee"/>
+        <a:font script="Yiii" typeface="Microsoft Yi Baiti"/>
+        <a:font script="Tibt" typeface="Microsoft Himalaya"/>
+        <a:font script="Thaa" typeface="MV Boli"/>
+        <a:font script="Deva" typeface="Mangal"/>
+        <a:font script="Telu" typeface="Gautami"/>
+        <a:font script="Taml" typeface="Latha"/>
+        <a:font script="Syrc" typeface="Estrangelo Edessa"/>
+        <a:font script="Orya" typeface="Kalinga"/>
+        <a:font script="Mlym" typeface="Kartika"/>
+        <a:font script="Laoo" typeface="DokChampa"/>
+        <a:font script="Sinh" typeface="Iskoola Pota"/>
+        <a:font script="Mong" typeface="Mongolian Baiti"/>
+        <a:font script="Viet" typeface="Times New Roman"/>
+        <a:font script="Uigh" typeface="Microsoft Uighur"/>
+        <a:font script="Geor" typeface="Sylfaen"/>
+      </a:majorFont>
+      <a:minorFont>
+        <a:latin typeface="Calibri"/>
+        <a:ea typeface=""/>
+        <a:cs typeface=""/>
+        <a:font script="Jpan" typeface="ＭＳ Ｐゴシック"/>
+        <a:font script="Hang" typeface="맑은 고딕"/>
+        <a:font script="Hans" typeface="宋体"/>
+        <a:font script="Hant" typeface="新細明體"/>
+        <a:font script="Arab" typeface="Arial"/>
+        <a:font script="Hebr" typeface="Arial"/>
+        <a:font script="Thai" typeface="Cordia New"/>
+        <a:font script="Ethi" typeface="Nyala"/>
+        <a:font script="Beng" typeface="Vrinda"/>
+        <a:font script="Gujr" typeface="Shruti"/>
+        <a:font script="Khmr" typeface="DaunPenh"/>
+        <a:font script="Knda" typeface="Tunga"/>
+        <a:font script="Guru" typeface="Raavi"/>
+        <a:font script="Cans" typeface="Euphemia"/>
+        <a:font script="Cher" typeface="Plantagenet Cherokee"/>
+        <a:font script="Yiii" typeface="Microsoft Yi Baiti"/>
+        <a:font script="Tibt" typeface="Microsoft Himalaya"/>
+        <a:font script="Thaa" typeface="MV Boli"/>
+        <a:font script="Deva" typeface="Mangal"/>
+        <a:font script="Telu" typeface="Gautami"/>
+        <a:font script="Taml" typeface="Latha"/>
+        <a:font script="Syrc" typeface="Estrangelo Edessa"/>
+        <a:font script="Orya" typeface="Kalinga"/>
+        <a:font script="Mlym" typeface="Kartika"/>
+        <a:font script="Laoo" typeface="DokChampa"/>
+        <a:font script="Sinh" typeface="Iskoola Pota"/>
+        <a:font script="Mong" typeface="Mongolian Baiti"/>
+        <a:font script="Viet" typeface="Arial"/>
+        <a:font script="Uigh" typeface="Microsoft Uighur"/>
+        <a:font script="Geor" typeface="Sylfaen"/>
+      </a:minorFont>
+    </a:fontScheme>
+    <a:fmtScheme name="Office">
+      <a:fillStyleLst>
+        <a:solidFill>
+          <a:schemeClr val="phClr"/>
+        </a:solidFill>
+        <a:gradFill rotWithShape="1">
+          <a:gsLst>
+            <a:gs pos="0">
+              <a:schemeClr val="phClr">
+                <a:tint val="50000"/>
+                <a:satMod val="300000"/>
+              </a:schemeClr>
+            </a:gs>
+            <a:gs pos="35000">
+              <a:schemeClr val="phClr">
+                <a:tint val="37000"/>
+                <a:satMod val="300000"/>
+              </a:schemeClr>
+            </a:gs>
+            <a:gs pos="100000">
+              <a:schemeClr val="phClr">
+                <a:tint val="15000"/>
+                <a:satMod val="350000"/>
+              </a:schemeClr>
+            </a:gs>
+          </a:gsLst>
+          <a:lin ang="16200000" scaled="1"/>
+        </a:gradFill>
+        <a:gradFill rotWithShape="1">
+          <a:gsLst>
+            <a:gs pos="0">
+              <a:schemeClr val="phClr">
+                <a:tint val="100000"/>
+                <a:shade val="100000"/>
+                <a:satMod val="130000"/>
+              </a:schemeClr>
+            </a:gs>
+            <a:gs pos="100000">
+              <a:schemeClr val="phClr">
+                <a:tint val="50000"/>
+                <a:shade val="100000"/>
+                <a:satMod val="350000"/>
+              </a:schemeClr>
+            </a:gs>
+          </a:gsLst>
+          <a:lin ang="16200000" scaled="0"/>
+        </a:gradFill>
+      </a:fillStyleLst>
+      <a:lnStyleLst>
+        <a:ln w="9525" cap="flat" cmpd="sng" algn="ctr">
+          <a:solidFill>
+            <a:schemeClr val="phClr">
+              <a:shade val="95000"/>
+              <a:satMod val="105000"/>
+            </a:schemeClr>
+          </a:solidFill>
+          <a:prstDash val="solid"/>
+        </a:ln>
+        <a:ln w="25400" cap="flat" cmpd="sng" algn="ctr">
+          <a:solidFill>
+            <a:schemeClr val="phClr"/>
+          </a:solidFill>
+          <a:prstDash val="solid"/>
+        </a:ln>
+        <a:ln w="38100" cap="flat" cmpd="sng" algn="ctr">
+          <a:solidFill>
+            <a:schemeClr val="phClr"/>
+          </a:solidFill>
+          <a:prstDash val="solid"/>
+        </a:ln>
+      </a:lnStyleLst>
+      <a:effectStyleLst>
+        <a:effectStyle>
+          <a:effectLst>
+            <a:outerShdw blurRad="40000" dist="20000" dir="5400000" rotWithShape="0">
+              <a:srgbClr val="000000">
+                <a:alpha val="38000"/>
+              </a:srgbClr>
+            </a:outerShdw>
+          </a:effectLst>
+        </a:effectStyle>
+        <a:effectStyle>
+          <a:effectLst>
+            <a:outerShdw blurRad="40000" dist="23000" dir="5400000" rotWithShape="0">
+              <a:srgbClr val="000000">
+                <a:alpha val="35000"/>
+              </a:srgbClr>
+            </a:outerShdw>
+          </a:effectLst>
+        </a:effectStyle>
+        <a:effectStyle>
+          <a:effectLst>
+            <a:outerShdw blurRad="40000" dist="23000" dir="5400000" rotWithShape="0">
+              <a:srgbClr val="000000">
+                <a:alpha val="35000"/>
+              </a:srgbClr>
+            </a:outerShdw>
+          </a:effectLst>
+          <a:scene3d>
+            <a:camera prst="orthographicFront">
+              <a:rot lat="0" lon="0" rev="0"/>
+            </a:camera>
+            <a:lightRig rig="threePt" dir="t">
+              <a:rot lat="0" lon="0" rev="1200000"/>
+            </a:lightRig>
+          </a:scene3d>
+          <a:sp3d>
+            <a:bevelT w="63500" h="25400"/>
+          </a:sp3d>
+        </a:effectStyle>
+      </a:effectStyleLst>
+      <a:bgFillStyleLst>
+        <a:solidFill>
+          <a:schemeClr val="phClr"/>
+        </a:solidFill>
+        <a:gradFill rotWithShape="1">
+          <a:gsLst>
+            <a:gs pos="0">
+              <a:schemeClr val="phClr">
+                <a:tint val="40000"/>
+                <a:satMod val="350000"/>
+              </a:schemeClr>
+            </a:gs>
+            <a:gs pos="40000">
+              <a:schemeClr val="phClr">
+                <a:tint val="45000"/>
+                <a:shade val="99000"/>
+                <a:satMod val="350000"/>
+              </a:schemeClr>
+            </a:gs>
+            <a:gs pos="100000">
+              <a:schemeClr val="phClr">
+                <a:shade val="20000"/>
+                <a:satMod val="255000"/>
+              </a:schemeClr>
+            </a:gs>
+          </a:gsLst>
+          <a:path path="circle">
+            <a:fillToRect l="50000" t="-80000" r="50000" b="180000"/>
+          </a:path>
+        </a:gradFill>
+        <a:gradFill rotWithShape="1">
+          <a:gsLst>
+            <a:gs pos="0">
+              <a:schemeClr val="phClr">
+                <a:tint val="80000"/>
+                <a:satMod val="300000"/>
+              </a:schemeClr>
+            </a:gs>
+            <a:gs pos="100000">
+              <a:schemeClr val="phClr">
+                <a:shade val="30000"/>
+                <a:satMod val="200000"/>
+              </a:schemeClr>
+            </a:gs>
+          </a:gsLst>
+          <a:path path="circle">
+            <a:fillToRect l="50000" t="50000" r="50000" b="50000"/>
+          </a:path>
+        </a:gradFill>
+      </a:bgFillStyleLst>
+    </a:fmtScheme>
+  </a:themeElements>
+  <a:objectDefaults>
+    <a:spDef>
+      <a:spPr/>
+      <a:bodyPr/>
+      <a:lstStyle/>
+      <a:style>
+        <a:lnRef idx="1">
+          <a:schemeClr val="accent1"/>
+        </a:lnRef>
+        <a:fillRef idx="3">
+          <a:schemeClr val="accent1"/>
+        </a:fillRef>
+        <a:effectRef idx="2">
+          <a:schemeClr val="accent1"/>
+        </a:effectRef>
+        <a:fontRef idx="minor">
+          <a:schemeClr val="lt1"/>
+        </a:fontRef>
+      </a:style>
+    </a:spDef>
+    <a:lnDef>
+      <a:spPr/>
+      <a:bodyPr/>
+      <a:lstStyle/>
+      <a:style>
+        <a:lnRef idx="2">
+          <a:schemeClr val="accent1"/>
+        </a:lnRef>
+        <a:fillRef idx="0">
+          <a:schemeClr val="accent1"/>
+        </a:fillRef>
+        <a:effectRef idx="1">
+          <a:schemeClr val="accent1"/>
+        </a:effectRef>
+        <a:fontRef idx="minor">
+          <a:schemeClr val="tx1"/>
+        </a:fontRef>
+      </a:style>
+    </a:lnDef>
+  </a:objectDefaults>
+  <a:extraClrSchemeLst/>
+</a:theme>
+</file>
+
+<file path=ppt/theme/theme3.xml><?xml version="1.0" encoding="utf-8"?>
 <a:theme xmlns:a="http://schemas.openxmlformats.org/drawingml/2006/main" name="Office Theme">
   <a:themeElements>
-    <a:clrScheme name="Office Theme">
+    <a:clrScheme name="Office">
       <a:dk1>
         <a:sysClr val="windowText" lastClr="000000"/>
       </a:dk1>
@@ -3137,7 +8629,7 @@
         <a:srgbClr val="954F72"/>
       </a:folHlink>
     </a:clrScheme>
-    <a:fontScheme name="Office Theme">
+    <a:fontScheme name="Office">
       <a:majorFont>
         <a:latin typeface="Calibri Light" panose="020F0302020204030204"/>
         <a:ea typeface=""/>
@@ -3172,6 +8664,23 @@
         <a:font script="Viet" typeface="Times New Roman"/>
         <a:font script="Uigh" typeface="Microsoft Uighur"/>
         <a:font script="Geor" typeface="Sylfaen"/>
+        <a:font script="Armn" typeface="Arial"/>
+        <a:font script="Bugi" typeface="Leelawadee UI"/>
+        <a:font script="Bopo" typeface="Microsoft JhengHei"/>
+        <a:font script="Java" typeface="Javanese Text"/>
+        <a:font script="Lisu" typeface="Segoe UI"/>
+        <a:font script="Mymr" typeface="Myanmar Text"/>
+        <a:font script="Nkoo" typeface="Ebrima"/>
+        <a:font script="Olck" typeface="Nirmala UI"/>
+        <a:font script="Osma" typeface="Ebrima"/>
+        <a:font script="Phag" typeface="Phagspa"/>
+        <a:font script="Syrn" typeface="Estrangelo Edessa"/>
+        <a:font script="Syrj" typeface="Estrangelo Edessa"/>
+        <a:font script="Syre" typeface="Estrangelo Edessa"/>
+        <a:font script="Sora" typeface="Nirmala UI"/>
+        <a:font script="Tale" typeface="Microsoft Tai Le"/>
+        <a:font script="Talu" typeface="Microsoft New Tai Lue"/>
+        <a:font script="Tfng" typeface="Ebrima"/>
       </a:majorFont>
       <a:minorFont>
         <a:latin typeface="Calibri" panose="020F0502020204030204"/>
@@ -3207,9 +8716,26 @@
         <a:font script="Viet" typeface="Arial"/>
         <a:font script="Uigh" typeface="Microsoft Uighur"/>
         <a:font script="Geor" typeface="Sylfaen"/>
+        <a:font script="Armn" typeface="Arial"/>
+        <a:font script="Bugi" typeface="Leelawadee UI"/>
+        <a:font script="Bopo" typeface="Microsoft JhengHei"/>
+        <a:font script="Java" typeface="Javanese Text"/>
+        <a:font script="Lisu" typeface="Segoe UI"/>
+        <a:font script="Mymr" typeface="Myanmar Text"/>
+        <a:font script="Nkoo" typeface="Ebrima"/>
+        <a:font script="Olck" typeface="Nirmala UI"/>
+        <a:font script="Osma" typeface="Ebrima"/>
+        <a:font script="Phag" typeface="Phagspa"/>
+        <a:font script="Syrn" typeface="Estrangelo Edessa"/>
+        <a:font script="Syrj" typeface="Estrangelo Edessa"/>
+        <a:font script="Syre" typeface="Estrangelo Edessa"/>
+        <a:font script="Sora" typeface="Nirmala UI"/>
+        <a:font script="Tale" typeface="Microsoft Tai Le"/>
+        <a:font script="Talu" typeface="Microsoft New Tai Lue"/>
+        <a:font script="Tfng" typeface="Ebrima"/>
       </a:minorFont>
     </a:fontScheme>
-    <a:fmtScheme name="Office Theme">
+    <a:fmtScheme name="Office">
       <a:fillStyleLst>
         <a:solidFill>
           <a:schemeClr val="phClr"/>
